--- a/POO/Aula_1.pptx
+++ b/POO/Aula_1.pptx
@@ -13,7 +13,9 @@
     <p:sldId id="261" r:id="rId7"/>
     <p:sldId id="264" r:id="rId8"/>
     <p:sldId id="262" r:id="rId9"/>
-    <p:sldId id="263" r:id="rId10"/>
+    <p:sldId id="265" r:id="rId10"/>
+    <p:sldId id="266" r:id="rId11"/>
+    <p:sldId id="263" r:id="rId12"/>
   </p:sldIdLst>
   <p:sldSz cx="12192000" cy="6858000"/>
   <p:notesSz cx="6858000" cy="9144000"/>
@@ -267,7 +269,7 @@
           <a:p>
             <a:fld id="{844FB9E1-4EC7-AC49-AF29-CA6F74E5D15F}" type="datetimeFigureOut">
               <a:rPr lang="pt-BR" smtClean="0"/>
-              <a:t>17/02/2024</a:t>
+              <a:t>18/02/2024</a:t>
             </a:fld>
             <a:endParaRPr lang="pt-BR"/>
           </a:p>
@@ -465,7 +467,7 @@
           <a:p>
             <a:fld id="{844FB9E1-4EC7-AC49-AF29-CA6F74E5D15F}" type="datetimeFigureOut">
               <a:rPr lang="pt-BR" smtClean="0"/>
-              <a:t>17/02/2024</a:t>
+              <a:t>18/02/2024</a:t>
             </a:fld>
             <a:endParaRPr lang="pt-BR"/>
           </a:p>
@@ -673,7 +675,7 @@
           <a:p>
             <a:fld id="{844FB9E1-4EC7-AC49-AF29-CA6F74E5D15F}" type="datetimeFigureOut">
               <a:rPr lang="pt-BR" smtClean="0"/>
-              <a:t>17/02/2024</a:t>
+              <a:t>18/02/2024</a:t>
             </a:fld>
             <a:endParaRPr lang="pt-BR"/>
           </a:p>
@@ -876,7 +878,7 @@
           <a:p>
             <a:fld id="{844FB9E1-4EC7-AC49-AF29-CA6F74E5D15F}" type="datetimeFigureOut">
               <a:rPr lang="pt-BR" smtClean="0"/>
-              <a:t>17/02/2024</a:t>
+              <a:t>18/02/2024</a:t>
             </a:fld>
             <a:endParaRPr lang="pt-BR"/>
           </a:p>
@@ -1151,7 +1153,7 @@
           <a:p>
             <a:fld id="{844FB9E1-4EC7-AC49-AF29-CA6F74E5D15F}" type="datetimeFigureOut">
               <a:rPr lang="pt-BR" smtClean="0"/>
-              <a:t>17/02/2024</a:t>
+              <a:t>18/02/2024</a:t>
             </a:fld>
             <a:endParaRPr lang="pt-BR"/>
           </a:p>
@@ -1416,7 +1418,7 @@
           <a:p>
             <a:fld id="{844FB9E1-4EC7-AC49-AF29-CA6F74E5D15F}" type="datetimeFigureOut">
               <a:rPr lang="pt-BR" smtClean="0"/>
-              <a:t>17/02/2024</a:t>
+              <a:t>18/02/2024</a:t>
             </a:fld>
             <a:endParaRPr lang="pt-BR"/>
           </a:p>
@@ -1828,7 +1830,7 @@
           <a:p>
             <a:fld id="{844FB9E1-4EC7-AC49-AF29-CA6F74E5D15F}" type="datetimeFigureOut">
               <a:rPr lang="pt-BR" smtClean="0"/>
-              <a:t>17/02/2024</a:t>
+              <a:t>18/02/2024</a:t>
             </a:fld>
             <a:endParaRPr lang="pt-BR"/>
           </a:p>
@@ -1969,7 +1971,7 @@
           <a:p>
             <a:fld id="{844FB9E1-4EC7-AC49-AF29-CA6F74E5D15F}" type="datetimeFigureOut">
               <a:rPr lang="pt-BR" smtClean="0"/>
-              <a:t>17/02/2024</a:t>
+              <a:t>18/02/2024</a:t>
             </a:fld>
             <a:endParaRPr lang="pt-BR"/>
           </a:p>
@@ -2082,7 +2084,7 @@
           <a:p>
             <a:fld id="{844FB9E1-4EC7-AC49-AF29-CA6F74E5D15F}" type="datetimeFigureOut">
               <a:rPr lang="pt-BR" smtClean="0"/>
-              <a:t>17/02/2024</a:t>
+              <a:t>18/02/2024</a:t>
             </a:fld>
             <a:endParaRPr lang="pt-BR"/>
           </a:p>
@@ -2422,7 +2424,7 @@
           <a:p>
             <a:fld id="{844FB9E1-4EC7-AC49-AF29-CA6F74E5D15F}" type="datetimeFigureOut">
               <a:rPr lang="pt-BR" smtClean="0"/>
-              <a:t>17/02/2024</a:t>
+              <a:t>18/02/2024</a:t>
             </a:fld>
             <a:endParaRPr lang="pt-BR"/>
           </a:p>
@@ -2710,7 +2712,7 @@
           <a:p>
             <a:fld id="{844FB9E1-4EC7-AC49-AF29-CA6F74E5D15F}" type="datetimeFigureOut">
               <a:rPr lang="pt-BR" smtClean="0"/>
-              <a:t>17/02/2024</a:t>
+              <a:t>18/02/2024</a:t>
             </a:fld>
             <a:endParaRPr lang="pt-BR"/>
           </a:p>
@@ -2951,7 +2953,7 @@
           <a:p>
             <a:fld id="{844FB9E1-4EC7-AC49-AF29-CA6F74E5D15F}" type="datetimeFigureOut">
               <a:rPr lang="pt-BR" smtClean="0"/>
-              <a:t>17/02/2024</a:t>
+              <a:t>18/02/2024</a:t>
             </a:fld>
             <a:endParaRPr lang="pt-BR"/>
           </a:p>
@@ -4155,7 +4157,7 @@
 </p:sld>
 </file>
 
-<file path=ppt/slides/slide2.xml><?xml version="1.0" encoding="utf-8"?>
+<file path=ppt/slides/slide10.xml><?xml version="1.0" encoding="utf-8"?>
 <p:sld xmlns:a="http://schemas.openxmlformats.org/drawingml/2006/main" xmlns:r="http://schemas.openxmlformats.org/officeDocument/2006/relationships" xmlns:p="http://schemas.openxmlformats.org/presentationml/2006/main">
   <p:cSld>
     <p:bg>
@@ -4168,7 +4170,13 @@
     </p:bg>
     <p:spTree>
       <p:nvGrpSpPr>
-        <p:cNvPr id="1" name=""/>
+        <p:cNvPr id="1" name="">
+          <a:extLst>
+            <a:ext uri="{FF2B5EF4-FFF2-40B4-BE49-F238E27FC236}">
+              <a16:creationId xmlns:a16="http://schemas.microsoft.com/office/drawing/2014/main" id="{3F27364A-9CE8-96BE-6306-40035590DBE5}"/>
+            </a:ext>
+          </a:extLst>
+        </p:cNvPr>
         <p:cNvGrpSpPr/>
         <p:nvPr/>
       </p:nvGrpSpPr>
@@ -4185,7 +4193,7 @@
           <p:cNvPr id="8" name="Rectangle 7">
             <a:extLst>
               <a:ext uri="{FF2B5EF4-FFF2-40B4-BE49-F238E27FC236}">
-                <a16:creationId xmlns:a16="http://schemas.microsoft.com/office/drawing/2014/main" id="{907EF6B7-1338-4443-8C46-6A318D952DFD}"/>
+                <a16:creationId xmlns:a16="http://schemas.microsoft.com/office/drawing/2014/main" id="{AA52C8FC-3CA7-0B20-EFFD-603BABFC786C}"/>
               </a:ext>
               <a:ext uri="{C183D7F6-B498-43B3-948B-1728B52AA6E4}">
                 <adec:decorative xmlns:adec="http://schemas.microsoft.com/office/drawing/2017/decorative" val="1"/>
@@ -4245,7 +4253,7 @@
           <p:cNvPr id="10" name="Freeform: Shape 9">
             <a:extLst>
               <a:ext uri="{FF2B5EF4-FFF2-40B4-BE49-F238E27FC236}">
-                <a16:creationId xmlns:a16="http://schemas.microsoft.com/office/drawing/2014/main" id="{DAAE4CDD-124C-4DCF-9584-B6033B545DD5}"/>
+                <a16:creationId xmlns:a16="http://schemas.microsoft.com/office/drawing/2014/main" id="{2EC461EE-96BE-A266-07D7-91B5CBDF7018}"/>
               </a:ext>
               <a:ext uri="{C183D7F6-B498-43B3-948B-1728B52AA6E4}">
                 <adec:decorative xmlns:adec="http://schemas.microsoft.com/office/drawing/2017/decorative" val="1"/>
@@ -4379,7 +4387,7 @@
           <p:cNvPr id="2" name="Título 1">
             <a:extLst>
               <a:ext uri="{FF2B5EF4-FFF2-40B4-BE49-F238E27FC236}">
-                <a16:creationId xmlns:a16="http://schemas.microsoft.com/office/drawing/2014/main" id="{A3989186-0E8B-13B4-BB6B-AE73AE4CE94D}"/>
+                <a16:creationId xmlns:a16="http://schemas.microsoft.com/office/drawing/2014/main" id="{8B981489-28B8-3E48-CFC8-D92304B68CF0}"/>
               </a:ext>
             </a:extLst>
           </p:cNvPr>
@@ -4392,8 +4400,8 @@
         </p:nvSpPr>
         <p:spPr>
           <a:xfrm>
-            <a:off x="686834" y="1153572"/>
-            <a:ext cx="3200400" cy="4461163"/>
+            <a:off x="119129" y="1075935"/>
+            <a:ext cx="3929013" cy="4461163"/>
           </a:xfrm>
         </p:spPr>
         <p:txBody>
@@ -4408,7 +4416,22 @@
                   <a:srgbClr val="FFFFFF"/>
                 </a:solidFill>
               </a:rPr>
-              <a:t>O que é Programação Orientada a Objetos ?</a:t>
+              <a:t>Relacionamento entre objetos:</a:t>
+            </a:r>
+            <a:br>
+              <a:rPr lang="pt-BR" dirty="0">
+                <a:solidFill>
+                  <a:srgbClr val="FFFFFF"/>
+                </a:solidFill>
+              </a:rPr>
+            </a:br>
+            <a:r>
+              <a:rPr lang="pt-BR" dirty="0">
+                <a:solidFill>
+                  <a:srgbClr val="FFFF00"/>
+                </a:solidFill>
+              </a:rPr>
+              <a:t>Associação</a:t>
             </a:r>
           </a:p>
         </p:txBody>
@@ -4418,7 +4441,7 @@
           <p:cNvPr id="12" name="Arc 11">
             <a:extLst>
               <a:ext uri="{FF2B5EF4-FFF2-40B4-BE49-F238E27FC236}">
-                <a16:creationId xmlns:a16="http://schemas.microsoft.com/office/drawing/2014/main" id="{081E4A58-353D-44AE-B2FC-2A74E2E400F7}"/>
+                <a16:creationId xmlns:a16="http://schemas.microsoft.com/office/drawing/2014/main" id="{656184F6-0153-5EF3-2094-BC0F655B6B1C}"/>
               </a:ext>
               <a:ext uri="{C183D7F6-B498-43B3-948B-1728B52AA6E4}">
                 <adec:decorative xmlns:adec="http://schemas.microsoft.com/office/drawing/2017/decorative" val="1"/>
@@ -4474,65 +4497,12 @@
           </a:p>
         </p:txBody>
       </p:sp>
-      <p:sp>
-        <p:nvSpPr>
-          <p:cNvPr id="3" name="Espaço Reservado para Conteúdo 2">
-            <a:extLst>
-              <a:ext uri="{FF2B5EF4-FFF2-40B4-BE49-F238E27FC236}">
-                <a16:creationId xmlns:a16="http://schemas.microsoft.com/office/drawing/2014/main" id="{69077D4C-F2A1-C668-7B95-F2B25BC939F6}"/>
-              </a:ext>
-            </a:extLst>
-          </p:cNvPr>
-          <p:cNvSpPr>
-            <a:spLocks noGrp="1"/>
-          </p:cNvSpPr>
-          <p:nvPr>
-            <p:ph idx="1"/>
-          </p:nvPr>
-        </p:nvSpPr>
-        <p:spPr>
-          <a:xfrm>
-            <a:off x="4447308" y="591344"/>
-            <a:ext cx="6906491" cy="5585619"/>
-          </a:xfrm>
-        </p:spPr>
-        <p:txBody>
-          <a:bodyPr anchor="ctr">
-            <a:normAutofit/>
-          </a:bodyPr>
-          <a:lstStyle/>
-          <a:p>
-            <a:r>
-              <a:rPr lang="pt-BR" dirty="0"/>
-              <a:t>Definição de POO</a:t>
-            </a:r>
-          </a:p>
-          <a:p>
-            <a:r>
-              <a:rPr lang="pt-BR" dirty="0"/>
-              <a:t>Comparação com outros paradigmas de programação</a:t>
-            </a:r>
-          </a:p>
-          <a:p>
-            <a:r>
-              <a:rPr lang="pt-BR" dirty="0"/>
-              <a:t>Vantagens e benefícios da OO</a:t>
-            </a:r>
-          </a:p>
-          <a:p>
-            <a:r>
-              <a:rPr lang="pt-BR" dirty="0"/>
-              <a:t>Desvantagens da OO</a:t>
-            </a:r>
-          </a:p>
-        </p:txBody>
-      </p:sp>
       <p:pic>
         <p:nvPicPr>
           <p:cNvPr id="4" name="Imagem 3" descr="Logotipo, nome da empresa&#10;&#10;Descrição gerada automaticamente">
             <a:extLst>
               <a:ext uri="{FF2B5EF4-FFF2-40B4-BE49-F238E27FC236}">
-                <a16:creationId xmlns:a16="http://schemas.microsoft.com/office/drawing/2014/main" id="{7094D36D-C578-1FEE-CD11-3623D976B2AC}"/>
+                <a16:creationId xmlns:a16="http://schemas.microsoft.com/office/drawing/2014/main" id="{44CA892C-6958-3FCD-AE25-1E153BCEEC89}"/>
               </a:ext>
             </a:extLst>
           </p:cNvPr>
@@ -4601,10 +4571,98 @@
           </a:custGeom>
         </p:spPr>
       </p:pic>
+      <p:sp>
+        <p:nvSpPr>
+          <p:cNvPr id="9" name="CaixaDeTexto 8">
+            <a:extLst>
+              <a:ext uri="{FF2B5EF4-FFF2-40B4-BE49-F238E27FC236}">
+                <a16:creationId xmlns:a16="http://schemas.microsoft.com/office/drawing/2014/main" id="{B1CA2A5B-2244-1E75-F834-FE7C314B9453}"/>
+              </a:ext>
+            </a:extLst>
+          </p:cNvPr>
+          <p:cNvSpPr txBox="1"/>
+          <p:nvPr/>
+        </p:nvSpPr>
+        <p:spPr>
+          <a:xfrm>
+            <a:off x="4164223" y="221275"/>
+            <a:ext cx="6159260" cy="4462760"/>
+          </a:xfrm>
+          <a:prstGeom prst="rect">
+            <a:avLst/>
+          </a:prstGeom>
+          <a:noFill/>
+        </p:spPr>
+        <p:txBody>
+          <a:bodyPr wrap="square">
+            <a:spAutoFit/>
+          </a:bodyPr>
+          <a:lstStyle/>
+          <a:p>
+            <a:pPr marL="342900" indent="-342900">
+              <a:buFont typeface="Arial" panose="020B0604020202020204" pitchFamily="34" charset="0"/>
+              <a:buChar char="•"/>
+            </a:pPr>
+            <a:r>
+              <a:rPr lang="pt-BR" sz="2400" b="1" dirty="0"/>
+              <a:t>Associação:</a:t>
+            </a:r>
+          </a:p>
+          <a:p>
+            <a:pPr marL="342900" indent="-342900">
+              <a:buFont typeface="Arial" panose="020B0604020202020204" pitchFamily="34" charset="0"/>
+              <a:buChar char="•"/>
+            </a:pPr>
+            <a:endParaRPr lang="pt-BR" sz="2000" dirty="0"/>
+          </a:p>
+          <a:p>
+            <a:pPr marL="800100" lvl="1" indent="-342900">
+              <a:buFont typeface="Arial" panose="020B0604020202020204" pitchFamily="34" charset="0"/>
+              <a:buChar char="•"/>
+            </a:pPr>
+            <a:r>
+              <a:rPr lang="pt-BR" sz="2000" b="1" dirty="0"/>
+              <a:t>Definição:</a:t>
+            </a:r>
+            <a:r>
+              <a:rPr lang="pt-BR" sz="2000" dirty="0"/>
+              <a:t> Associação é uma relação entre duas classes, indicando que os objetos de uma classe estão relacionados aos objetos de outra classe. Pode ser bidirecional ou unidirecional e pode ter multiplicidade (um-para-um, um-para-muitos, muitos-para-muitos).</a:t>
+            </a:r>
+          </a:p>
+          <a:p>
+            <a:pPr marL="800100" lvl="1" indent="-342900">
+              <a:buFont typeface="Arial" panose="020B0604020202020204" pitchFamily="34" charset="0"/>
+              <a:buChar char="•"/>
+            </a:pPr>
+            <a:endParaRPr lang="pt-BR" sz="2000" dirty="0"/>
+          </a:p>
+          <a:p>
+            <a:pPr marL="800100" lvl="1" indent="-342900">
+              <a:buFont typeface="Arial" panose="020B0604020202020204" pitchFamily="34" charset="0"/>
+              <a:buChar char="•"/>
+            </a:pPr>
+            <a:r>
+              <a:rPr lang="pt-BR" sz="2000" b="1" dirty="0"/>
+              <a:t>Exemplo:</a:t>
+            </a:r>
+            <a:r>
+              <a:rPr lang="pt-BR" sz="2000" dirty="0"/>
+              <a:t> Uma associação entre as classes "Estudante" e "Curso". Um estudante pode estar associado a vários cursos, e um curso pode ter vários estudantes.</a:t>
+            </a:r>
+          </a:p>
+          <a:p>
+            <a:pPr marL="342900" indent="-342900">
+              <a:buFont typeface="Arial" panose="020B0604020202020204" pitchFamily="34" charset="0"/>
+              <a:buChar char="•"/>
+            </a:pPr>
+            <a:endParaRPr lang="pt-BR" sz="2000" dirty="0"/>
+          </a:p>
+        </p:txBody>
+      </p:sp>
     </p:spTree>
     <p:extLst>
       <p:ext uri="{BB962C8B-B14F-4D97-AF65-F5344CB8AC3E}">
-        <p14:creationId xmlns:p14="http://schemas.microsoft.com/office/powerpoint/2010/main" val="372220404"/>
+        <p14:creationId xmlns:p14="http://schemas.microsoft.com/office/powerpoint/2010/main" val="1658574749"/>
       </p:ext>
     </p:extLst>
   </p:cSld>
@@ -4614,7 +4672,7 @@
 </p:sld>
 </file>
 
-<file path=ppt/slides/slide3.xml><?xml version="1.0" encoding="utf-8"?>
+<file path=ppt/slides/slide11.xml><?xml version="1.0" encoding="utf-8"?>
 <p:sld xmlns:a="http://schemas.openxmlformats.org/drawingml/2006/main" xmlns:r="http://schemas.openxmlformats.org/officeDocument/2006/relationships" xmlns:p="http://schemas.openxmlformats.org/presentationml/2006/main">
   <p:cSld>
     <p:bg>
@@ -4630,7 +4688,7 @@
         <p:cNvPr id="1" name="">
           <a:extLst>
             <a:ext uri="{FF2B5EF4-FFF2-40B4-BE49-F238E27FC236}">
-              <a16:creationId xmlns:a16="http://schemas.microsoft.com/office/drawing/2014/main" id="{A1C107B5-8882-8074-E9F7-ED041BC5A81A}"/>
+              <a16:creationId xmlns:a16="http://schemas.microsoft.com/office/drawing/2014/main" id="{A09D5871-6B5E-6604-D1EE-5F1D5DF631BD}"/>
             </a:ext>
           </a:extLst>
         </p:cNvPr>
@@ -4650,7 +4708,7 @@
           <p:cNvPr id="8" name="Rectangle 7">
             <a:extLst>
               <a:ext uri="{FF2B5EF4-FFF2-40B4-BE49-F238E27FC236}">
-                <a16:creationId xmlns:a16="http://schemas.microsoft.com/office/drawing/2014/main" id="{4AC0C466-F56C-43F7-8BA5-13A57EEE33C3}"/>
+                <a16:creationId xmlns:a16="http://schemas.microsoft.com/office/drawing/2014/main" id="{CB4CE495-A9F1-5517-4E4E-73194B9EF398}"/>
               </a:ext>
               <a:ext uri="{C183D7F6-B498-43B3-948B-1728B52AA6E4}">
                 <adec:decorative xmlns:adec="http://schemas.microsoft.com/office/drawing/2017/decorative" val="1"/>
@@ -4710,7 +4768,7 @@
           <p:cNvPr id="10" name="Freeform: Shape 9">
             <a:extLst>
               <a:ext uri="{FF2B5EF4-FFF2-40B4-BE49-F238E27FC236}">
-                <a16:creationId xmlns:a16="http://schemas.microsoft.com/office/drawing/2014/main" id="{5BE892E1-E4C7-898C-5441-6D35058341D2}"/>
+                <a16:creationId xmlns:a16="http://schemas.microsoft.com/office/drawing/2014/main" id="{D73B7BCF-169F-E11A-88D7-1FBB5FFA46AF}"/>
               </a:ext>
               <a:ext uri="{C183D7F6-B498-43B3-948B-1728B52AA6E4}">
                 <adec:decorative xmlns:adec="http://schemas.microsoft.com/office/drawing/2017/decorative" val="1"/>
@@ -4844,3895 +4902,6 @@
           <p:cNvPr id="2" name="Título 1">
             <a:extLst>
               <a:ext uri="{FF2B5EF4-FFF2-40B4-BE49-F238E27FC236}">
-                <a16:creationId xmlns:a16="http://schemas.microsoft.com/office/drawing/2014/main" id="{E73513A7-3189-44D6-FA3E-1839F32103DB}"/>
-              </a:ext>
-            </a:extLst>
-          </p:cNvPr>
-          <p:cNvSpPr>
-            <a:spLocks noGrp="1"/>
-          </p:cNvSpPr>
-          <p:nvPr>
-            <p:ph type="title"/>
-          </p:nvPr>
-        </p:nvSpPr>
-        <p:spPr>
-          <a:xfrm>
-            <a:off x="686834" y="1153572"/>
-            <a:ext cx="3200400" cy="4461163"/>
-          </a:xfrm>
-        </p:spPr>
-        <p:txBody>
-          <a:bodyPr>
-            <a:normAutofit/>
-          </a:bodyPr>
-          <a:lstStyle/>
-          <a:p>
-            <a:r>
-              <a:rPr lang="pt-BR" dirty="0">
-                <a:solidFill>
-                  <a:srgbClr val="FFFFFF"/>
-                </a:solidFill>
-              </a:rPr>
-              <a:t>Principais conceitos da POO</a:t>
-            </a:r>
-          </a:p>
-        </p:txBody>
-      </p:sp>
-      <p:sp>
-        <p:nvSpPr>
-          <p:cNvPr id="12" name="Arc 11">
-            <a:extLst>
-              <a:ext uri="{FF2B5EF4-FFF2-40B4-BE49-F238E27FC236}">
-                <a16:creationId xmlns:a16="http://schemas.microsoft.com/office/drawing/2014/main" id="{0C09DBCD-010E-D85C-40F0-02DEC728F152}"/>
-              </a:ext>
-              <a:ext uri="{C183D7F6-B498-43B3-948B-1728B52AA6E4}">
-                <adec:decorative xmlns:adec="http://schemas.microsoft.com/office/drawing/2017/decorative" val="1"/>
-              </a:ext>
-            </a:extLst>
-          </p:cNvPr>
-          <p:cNvSpPr>
-            <a:spLocks noGrp="1" noRot="1" noChangeAspect="1" noMove="1" noResize="1" noEditPoints="1" noAdjustHandles="1" noChangeArrowheads="1" noChangeShapeType="1" noTextEdit="1"/>
-          </p:cNvSpPr>
-          <p:nvPr>
-            <p:extLst>
-              <p:ext uri="{386F3935-93C4-4BCD-93E2-E3B085C9AB24}">
-                <p16:designElem xmlns:p16="http://schemas.microsoft.com/office/powerpoint/2015/main" val="1"/>
-              </p:ext>
-            </p:extLst>
-          </p:nvPr>
-        </p:nvSpPr>
-        <p:spPr>
-          <a:xfrm flipV="1">
-            <a:off x="7550402" y="2455479"/>
-            <a:ext cx="4083433" cy="4083433"/>
-          </a:xfrm>
-          <a:prstGeom prst="arc">
-            <a:avLst/>
-          </a:prstGeom>
-          <a:ln w="127000" cap="rnd">
-            <a:solidFill>
-              <a:schemeClr val="accent4"/>
-            </a:solidFill>
-            <a:prstDash val="dash"/>
-          </a:ln>
-        </p:spPr>
-        <p:style>
-          <a:lnRef idx="1">
-            <a:schemeClr val="accent1"/>
-          </a:lnRef>
-          <a:fillRef idx="0">
-            <a:schemeClr val="accent1"/>
-          </a:fillRef>
-          <a:effectRef idx="0">
-            <a:schemeClr val="accent1"/>
-          </a:effectRef>
-          <a:fontRef idx="minor">
-            <a:schemeClr val="tx1"/>
-          </a:fontRef>
-        </p:style>
-        <p:txBody>
-          <a:bodyPr rtlCol="0" anchor="ctr"/>
-          <a:lstStyle/>
-          <a:p>
-            <a:pPr algn="ctr"/>
-            <a:endParaRPr lang="en-US" dirty="0"/>
-          </a:p>
-        </p:txBody>
-      </p:sp>
-      <p:sp>
-        <p:nvSpPr>
-          <p:cNvPr id="3" name="Espaço Reservado para Conteúdo 2">
-            <a:extLst>
-              <a:ext uri="{FF2B5EF4-FFF2-40B4-BE49-F238E27FC236}">
-                <a16:creationId xmlns:a16="http://schemas.microsoft.com/office/drawing/2014/main" id="{D658C61A-03E2-2683-0E76-811EAA72040A}"/>
-              </a:ext>
-            </a:extLst>
-          </p:cNvPr>
-          <p:cNvSpPr>
-            <a:spLocks noGrp="1"/>
-          </p:cNvSpPr>
-          <p:nvPr>
-            <p:ph idx="1"/>
-          </p:nvPr>
-        </p:nvSpPr>
-        <p:spPr>
-          <a:xfrm>
-            <a:off x="4097156" y="63163"/>
-            <a:ext cx="6906491" cy="2107644"/>
-          </a:xfrm>
-        </p:spPr>
-        <p:txBody>
-          <a:bodyPr anchor="ctr">
-            <a:normAutofit/>
-          </a:bodyPr>
-          <a:lstStyle/>
-          <a:p>
-            <a:r>
-              <a:rPr lang="pt-BR" dirty="0"/>
-              <a:t>O que é uma classe ?</a:t>
-            </a:r>
-          </a:p>
-          <a:p>
-            <a:r>
-              <a:rPr lang="pt-BR" dirty="0"/>
-              <a:t>O que é um objeto ?</a:t>
-            </a:r>
-          </a:p>
-          <a:p>
-            <a:r>
-              <a:rPr lang="pt-BR" dirty="0"/>
-              <a:t>O que são atributos e métodos?</a:t>
-            </a:r>
-          </a:p>
-        </p:txBody>
-      </p:sp>
-      <p:pic>
-        <p:nvPicPr>
-          <p:cNvPr id="4" name="Imagem 3" descr="Logotipo, nome da empresa&#10;&#10;Descrição gerada automaticamente">
-            <a:extLst>
-              <a:ext uri="{FF2B5EF4-FFF2-40B4-BE49-F238E27FC236}">
-                <a16:creationId xmlns:a16="http://schemas.microsoft.com/office/drawing/2014/main" id="{95CC3F00-718D-4748-88FE-BE80FDF2EA07}"/>
-              </a:ext>
-            </a:extLst>
-          </p:cNvPr>
-          <p:cNvPicPr>
-            <a:picLocks noChangeAspect="1"/>
-          </p:cNvPicPr>
-          <p:nvPr/>
-        </p:nvPicPr>
-        <p:blipFill>
-          <a:blip r:embed="rId2"/>
-          <a:stretch>
-            <a:fillRect/>
-          </a:stretch>
-        </p:blipFill>
-        <p:spPr>
-          <a:xfrm>
-            <a:off x="11099925" y="5824981"/>
-            <a:ext cx="1065914" cy="1065914"/>
-          </a:xfrm>
-          <a:custGeom>
-            <a:avLst/>
-            <a:gdLst/>
-            <a:ahLst/>
-            <a:cxnLst/>
-            <a:rect l="l" t="t" r="r" b="b"/>
-            <a:pathLst>
-              <a:path w="2833631" h="2677010">
-                <a:moveTo>
-                  <a:pt x="49418" y="0"/>
-                </a:moveTo>
-                <a:lnTo>
-                  <a:pt x="2784213" y="0"/>
-                </a:lnTo>
-                <a:cubicBezTo>
-                  <a:pt x="2811506" y="0"/>
-                  <a:pt x="2833631" y="22125"/>
-                  <a:pt x="2833631" y="49418"/>
-                </a:cubicBezTo>
-                <a:lnTo>
-                  <a:pt x="2833631" y="2627592"/>
-                </a:lnTo>
-                <a:cubicBezTo>
-                  <a:pt x="2833631" y="2654885"/>
-                  <a:pt x="2811506" y="2677010"/>
-                  <a:pt x="2784213" y="2677010"/>
-                </a:cubicBezTo>
-                <a:lnTo>
-                  <a:pt x="49418" y="2677010"/>
-                </a:lnTo>
-                <a:cubicBezTo>
-                  <a:pt x="22125" y="2677010"/>
-                  <a:pt x="0" y="2654885"/>
-                  <a:pt x="0" y="2627592"/>
-                </a:cubicBezTo>
-                <a:lnTo>
-                  <a:pt x="0" y="49418"/>
-                </a:lnTo>
-                <a:cubicBezTo>
-                  <a:pt x="0" y="22125"/>
-                  <a:pt x="22125" y="0"/>
-                  <a:pt x="49418" y="0"/>
-                </a:cubicBezTo>
-                <a:close/>
-              </a:path>
-            </a:pathLst>
-          </a:custGeom>
-        </p:spPr>
-      </p:pic>
-      <p:sp>
-        <p:nvSpPr>
-          <p:cNvPr id="7" name="Retângulo Arredondado 6">
-            <a:extLst>
-              <a:ext uri="{FF2B5EF4-FFF2-40B4-BE49-F238E27FC236}">
-                <a16:creationId xmlns:a16="http://schemas.microsoft.com/office/drawing/2014/main" id="{D80E1A8D-26B2-C49F-C8BC-9D179BE3C9FE}"/>
-              </a:ext>
-            </a:extLst>
-          </p:cNvPr>
-          <p:cNvSpPr/>
-          <p:nvPr/>
-        </p:nvSpPr>
-        <p:spPr>
-          <a:xfrm>
-            <a:off x="4476643" y="2957336"/>
-            <a:ext cx="1708030" cy="483079"/>
-          </a:xfrm>
-          <a:prstGeom prst="roundRect">
-            <a:avLst>
-              <a:gd name="adj" fmla="val 0"/>
-            </a:avLst>
-          </a:prstGeom>
-          <a:solidFill>
-            <a:schemeClr val="bg1"/>
-          </a:solidFill>
-          <a:ln>
-            <a:prstDash val="dashDot"/>
-          </a:ln>
-        </p:spPr>
-        <p:style>
-          <a:lnRef idx="2">
-            <a:schemeClr val="accent1">
-              <a:shade val="15000"/>
-            </a:schemeClr>
-          </a:lnRef>
-          <a:fillRef idx="1">
-            <a:schemeClr val="accent1"/>
-          </a:fillRef>
-          <a:effectRef idx="0">
-            <a:schemeClr val="accent1"/>
-          </a:effectRef>
-          <a:fontRef idx="minor">
-            <a:schemeClr val="lt1"/>
-          </a:fontRef>
-        </p:style>
-        <p:txBody>
-          <a:bodyPr rtlCol="0" anchor="ctr"/>
-          <a:lstStyle/>
-          <a:p>
-            <a:pPr algn="ctr"/>
-            <a:r>
-              <a:rPr lang="pt-BR" dirty="0">
-                <a:solidFill>
-                  <a:schemeClr val="bg2">
-                    <a:lumMod val="75000"/>
-                  </a:schemeClr>
-                </a:solidFill>
-              </a:rPr>
-              <a:t>Classe</a:t>
-            </a:r>
-          </a:p>
-        </p:txBody>
-      </p:sp>
-      <p:sp>
-        <p:nvSpPr>
-          <p:cNvPr id="11" name="Retângulo Arredondado 10">
-            <a:extLst>
-              <a:ext uri="{FF2B5EF4-FFF2-40B4-BE49-F238E27FC236}">
-                <a16:creationId xmlns:a16="http://schemas.microsoft.com/office/drawing/2014/main" id="{2396CE7D-102B-893C-039F-181C4A6B5015}"/>
-              </a:ext>
-            </a:extLst>
-          </p:cNvPr>
-          <p:cNvSpPr/>
-          <p:nvPr/>
-        </p:nvSpPr>
-        <p:spPr>
-          <a:xfrm>
-            <a:off x="4479655" y="3440415"/>
-            <a:ext cx="1708030" cy="1181819"/>
-          </a:xfrm>
-          <a:prstGeom prst="roundRect">
-            <a:avLst>
-              <a:gd name="adj" fmla="val 0"/>
-            </a:avLst>
-          </a:prstGeom>
-          <a:solidFill>
-            <a:schemeClr val="bg1"/>
-          </a:solidFill>
-          <a:ln>
-            <a:prstDash val="dashDot"/>
-          </a:ln>
-        </p:spPr>
-        <p:style>
-          <a:lnRef idx="2">
-            <a:schemeClr val="accent1">
-              <a:shade val="15000"/>
-            </a:schemeClr>
-          </a:lnRef>
-          <a:fillRef idx="1">
-            <a:schemeClr val="accent1"/>
-          </a:fillRef>
-          <a:effectRef idx="0">
-            <a:schemeClr val="accent1"/>
-          </a:effectRef>
-          <a:fontRef idx="minor">
-            <a:schemeClr val="lt1"/>
-          </a:fontRef>
-        </p:style>
-        <p:txBody>
-          <a:bodyPr rtlCol="0" anchor="ctr"/>
-          <a:lstStyle/>
-          <a:p>
-            <a:r>
-              <a:rPr lang="pt-BR" dirty="0">
-                <a:solidFill>
-                  <a:schemeClr val="bg2">
-                    <a:lumMod val="75000"/>
-                  </a:schemeClr>
-                </a:solidFill>
-              </a:rPr>
-              <a:t>Atributo1: Tipo</a:t>
-            </a:r>
-          </a:p>
-          <a:p>
-            <a:r>
-              <a:rPr lang="pt-BR" dirty="0">
-                <a:solidFill>
-                  <a:schemeClr val="bg2">
-                    <a:lumMod val="75000"/>
-                  </a:schemeClr>
-                </a:solidFill>
-              </a:rPr>
-              <a:t>Atributo2: Tipo</a:t>
-            </a:r>
-          </a:p>
-          <a:p>
-            <a:r>
-              <a:rPr lang="pt-BR" dirty="0">
-                <a:solidFill>
-                  <a:schemeClr val="bg2">
-                    <a:lumMod val="75000"/>
-                  </a:schemeClr>
-                </a:solidFill>
-              </a:rPr>
-              <a:t>Atributo3: Tipo</a:t>
-            </a:r>
-          </a:p>
-        </p:txBody>
-      </p:sp>
-      <p:sp>
-        <p:nvSpPr>
-          <p:cNvPr id="13" name="Retângulo Arredondado 12">
-            <a:extLst>
-              <a:ext uri="{FF2B5EF4-FFF2-40B4-BE49-F238E27FC236}">
-                <a16:creationId xmlns:a16="http://schemas.microsoft.com/office/drawing/2014/main" id="{35D1FB38-C830-4E1B-5928-9580B933DA0B}"/>
-              </a:ext>
-            </a:extLst>
-          </p:cNvPr>
-          <p:cNvSpPr/>
-          <p:nvPr/>
-        </p:nvSpPr>
-        <p:spPr>
-          <a:xfrm>
-            <a:off x="4476643" y="4622234"/>
-            <a:ext cx="1708030" cy="483079"/>
-          </a:xfrm>
-          <a:prstGeom prst="roundRect">
-            <a:avLst>
-              <a:gd name="adj" fmla="val 0"/>
-            </a:avLst>
-          </a:prstGeom>
-          <a:solidFill>
-            <a:schemeClr val="bg1"/>
-          </a:solidFill>
-          <a:ln>
-            <a:prstDash val="dashDot"/>
-          </a:ln>
-        </p:spPr>
-        <p:style>
-          <a:lnRef idx="2">
-            <a:schemeClr val="accent1">
-              <a:shade val="15000"/>
-            </a:schemeClr>
-          </a:lnRef>
-          <a:fillRef idx="1">
-            <a:schemeClr val="accent1"/>
-          </a:fillRef>
-          <a:effectRef idx="0">
-            <a:schemeClr val="accent1"/>
-          </a:effectRef>
-          <a:fontRef idx="minor">
-            <a:schemeClr val="lt1"/>
-          </a:fontRef>
-        </p:style>
-        <p:txBody>
-          <a:bodyPr rtlCol="0" anchor="ctr"/>
-          <a:lstStyle/>
-          <a:p>
-            <a:r>
-              <a:rPr lang="pt-BR" dirty="0">
-                <a:solidFill>
-                  <a:schemeClr val="bg2">
-                    <a:lumMod val="75000"/>
-                  </a:schemeClr>
-                </a:solidFill>
-              </a:rPr>
-              <a:t>Método1: Tipo</a:t>
-            </a:r>
-          </a:p>
-        </p:txBody>
-      </p:sp>
-      <p:sp>
-        <p:nvSpPr>
-          <p:cNvPr id="15" name="Retângulo Arredondado 14">
-            <a:extLst>
-              <a:ext uri="{FF2B5EF4-FFF2-40B4-BE49-F238E27FC236}">
-                <a16:creationId xmlns:a16="http://schemas.microsoft.com/office/drawing/2014/main" id="{71B80721-A0B9-3124-644D-7275F4C14116}"/>
-              </a:ext>
-            </a:extLst>
-          </p:cNvPr>
-          <p:cNvSpPr/>
-          <p:nvPr/>
-        </p:nvSpPr>
-        <p:spPr>
-          <a:xfrm>
-            <a:off x="7786778" y="1992430"/>
-            <a:ext cx="1708030" cy="483079"/>
-          </a:xfrm>
-          <a:prstGeom prst="roundRect">
-            <a:avLst>
-              <a:gd name="adj" fmla="val 0"/>
-            </a:avLst>
-          </a:prstGeom>
-          <a:solidFill>
-            <a:schemeClr val="bg1"/>
-          </a:solidFill>
-        </p:spPr>
-        <p:style>
-          <a:lnRef idx="2">
-            <a:schemeClr val="accent1">
-              <a:shade val="15000"/>
-            </a:schemeClr>
-          </a:lnRef>
-          <a:fillRef idx="1">
-            <a:schemeClr val="accent1"/>
-          </a:fillRef>
-          <a:effectRef idx="0">
-            <a:schemeClr val="accent1"/>
-          </a:effectRef>
-          <a:fontRef idx="minor">
-            <a:schemeClr val="lt1"/>
-          </a:fontRef>
-        </p:style>
-        <p:txBody>
-          <a:bodyPr rtlCol="0" anchor="ctr"/>
-          <a:lstStyle/>
-          <a:p>
-            <a:pPr algn="ctr"/>
-            <a:r>
-              <a:rPr lang="pt-BR" dirty="0">
-                <a:solidFill>
-                  <a:schemeClr val="tx1"/>
-                </a:solidFill>
-              </a:rPr>
-              <a:t>Objeto1</a:t>
-            </a:r>
-            <a:endParaRPr lang="pt-BR" dirty="0">
-              <a:solidFill>
-                <a:schemeClr val="accent2"/>
-              </a:solidFill>
-            </a:endParaRPr>
-          </a:p>
-        </p:txBody>
-      </p:sp>
-      <p:sp>
-        <p:nvSpPr>
-          <p:cNvPr id="16" name="Retângulo Arredondado 15">
-            <a:extLst>
-              <a:ext uri="{FF2B5EF4-FFF2-40B4-BE49-F238E27FC236}">
-                <a16:creationId xmlns:a16="http://schemas.microsoft.com/office/drawing/2014/main" id="{0D5B3838-8451-6834-D474-EE5B5FABF7FB}"/>
-              </a:ext>
-            </a:extLst>
-          </p:cNvPr>
-          <p:cNvSpPr/>
-          <p:nvPr/>
-        </p:nvSpPr>
-        <p:spPr>
-          <a:xfrm>
-            <a:off x="7789790" y="2475509"/>
-            <a:ext cx="1708030" cy="1181819"/>
-          </a:xfrm>
-          <a:prstGeom prst="roundRect">
-            <a:avLst>
-              <a:gd name="adj" fmla="val 0"/>
-            </a:avLst>
-          </a:prstGeom>
-          <a:solidFill>
-            <a:schemeClr val="bg1"/>
-          </a:solidFill>
-        </p:spPr>
-        <p:style>
-          <a:lnRef idx="2">
-            <a:schemeClr val="accent1">
-              <a:shade val="15000"/>
-            </a:schemeClr>
-          </a:lnRef>
-          <a:fillRef idx="1">
-            <a:schemeClr val="accent1"/>
-          </a:fillRef>
-          <a:effectRef idx="0">
-            <a:schemeClr val="accent1"/>
-          </a:effectRef>
-          <a:fontRef idx="minor">
-            <a:schemeClr val="lt1"/>
-          </a:fontRef>
-        </p:style>
-        <p:txBody>
-          <a:bodyPr rtlCol="0" anchor="ctr"/>
-          <a:lstStyle/>
-          <a:p>
-            <a:r>
-              <a:rPr lang="pt-BR" dirty="0">
-                <a:solidFill>
-                  <a:schemeClr val="tx1"/>
-                </a:solidFill>
-              </a:rPr>
-              <a:t>Atributo1</a:t>
-            </a:r>
-          </a:p>
-          <a:p>
-            <a:r>
-              <a:rPr lang="pt-BR" dirty="0">
-                <a:solidFill>
-                  <a:schemeClr val="tx1"/>
-                </a:solidFill>
-              </a:rPr>
-              <a:t>Atributo2</a:t>
-            </a:r>
-          </a:p>
-          <a:p>
-            <a:r>
-              <a:rPr lang="pt-BR" dirty="0">
-                <a:solidFill>
-                  <a:schemeClr val="tx1"/>
-                </a:solidFill>
-              </a:rPr>
-              <a:t>Atributo3</a:t>
-            </a:r>
-          </a:p>
-        </p:txBody>
-      </p:sp>
-      <p:sp>
-        <p:nvSpPr>
-          <p:cNvPr id="17" name="Retângulo Arredondado 16">
-            <a:extLst>
-              <a:ext uri="{FF2B5EF4-FFF2-40B4-BE49-F238E27FC236}">
-                <a16:creationId xmlns:a16="http://schemas.microsoft.com/office/drawing/2014/main" id="{990E3210-E23D-F83A-DD41-6E2E6CF5BECB}"/>
-              </a:ext>
-            </a:extLst>
-          </p:cNvPr>
-          <p:cNvSpPr/>
-          <p:nvPr/>
-        </p:nvSpPr>
-        <p:spPr>
-          <a:xfrm>
-            <a:off x="7786778" y="3657328"/>
-            <a:ext cx="1708030" cy="483079"/>
-          </a:xfrm>
-          <a:prstGeom prst="roundRect">
-            <a:avLst>
-              <a:gd name="adj" fmla="val 0"/>
-            </a:avLst>
-          </a:prstGeom>
-          <a:solidFill>
-            <a:schemeClr val="bg1"/>
-          </a:solidFill>
-        </p:spPr>
-        <p:style>
-          <a:lnRef idx="2">
-            <a:schemeClr val="accent1">
-              <a:shade val="15000"/>
-            </a:schemeClr>
-          </a:lnRef>
-          <a:fillRef idx="1">
-            <a:schemeClr val="accent1"/>
-          </a:fillRef>
-          <a:effectRef idx="0">
-            <a:schemeClr val="accent1"/>
-          </a:effectRef>
-          <a:fontRef idx="minor">
-            <a:schemeClr val="lt1"/>
-          </a:fontRef>
-        </p:style>
-        <p:txBody>
-          <a:bodyPr rtlCol="0" anchor="ctr"/>
-          <a:lstStyle/>
-          <a:p>
-            <a:r>
-              <a:rPr lang="pt-BR" dirty="0">
-                <a:solidFill>
-                  <a:schemeClr val="tx1"/>
-                </a:solidFill>
-              </a:rPr>
-              <a:t>Método1</a:t>
-            </a:r>
-          </a:p>
-        </p:txBody>
-      </p:sp>
-      <p:sp>
-        <p:nvSpPr>
-          <p:cNvPr id="18" name="Retângulo Arredondado 17">
-            <a:extLst>
-              <a:ext uri="{FF2B5EF4-FFF2-40B4-BE49-F238E27FC236}">
-                <a16:creationId xmlns:a16="http://schemas.microsoft.com/office/drawing/2014/main" id="{F5C3ECA7-A588-3261-B692-96A27C6BC8C4}"/>
-              </a:ext>
-            </a:extLst>
-          </p:cNvPr>
-          <p:cNvSpPr/>
-          <p:nvPr/>
-        </p:nvSpPr>
-        <p:spPr>
-          <a:xfrm>
-            <a:off x="7786778" y="4265671"/>
-            <a:ext cx="1708030" cy="483079"/>
-          </a:xfrm>
-          <a:prstGeom prst="roundRect">
-            <a:avLst>
-              <a:gd name="adj" fmla="val 0"/>
-            </a:avLst>
-          </a:prstGeom>
-          <a:solidFill>
-            <a:schemeClr val="bg1"/>
-          </a:solidFill>
-        </p:spPr>
-        <p:style>
-          <a:lnRef idx="2">
-            <a:schemeClr val="accent1">
-              <a:shade val="15000"/>
-            </a:schemeClr>
-          </a:lnRef>
-          <a:fillRef idx="1">
-            <a:schemeClr val="accent1"/>
-          </a:fillRef>
-          <a:effectRef idx="0">
-            <a:schemeClr val="accent1"/>
-          </a:effectRef>
-          <a:fontRef idx="minor">
-            <a:schemeClr val="lt1"/>
-          </a:fontRef>
-        </p:style>
-        <p:txBody>
-          <a:bodyPr rtlCol="0" anchor="ctr"/>
-          <a:lstStyle/>
-          <a:p>
-            <a:pPr algn="ctr"/>
-            <a:r>
-              <a:rPr lang="pt-BR" dirty="0">
-                <a:solidFill>
-                  <a:schemeClr val="tx1"/>
-                </a:solidFill>
-              </a:rPr>
-              <a:t>Objeto</a:t>
-            </a:r>
-            <a:endParaRPr lang="pt-BR" dirty="0">
-              <a:solidFill>
-                <a:schemeClr val="accent2"/>
-              </a:solidFill>
-            </a:endParaRPr>
-          </a:p>
-        </p:txBody>
-      </p:sp>
-      <p:sp>
-        <p:nvSpPr>
-          <p:cNvPr id="19" name="Retângulo Arredondado 18">
-            <a:extLst>
-              <a:ext uri="{FF2B5EF4-FFF2-40B4-BE49-F238E27FC236}">
-                <a16:creationId xmlns:a16="http://schemas.microsoft.com/office/drawing/2014/main" id="{4D824774-01B3-6CC4-7B06-03B0B3CEF773}"/>
-              </a:ext>
-            </a:extLst>
-          </p:cNvPr>
-          <p:cNvSpPr/>
-          <p:nvPr/>
-        </p:nvSpPr>
-        <p:spPr>
-          <a:xfrm>
-            <a:off x="7789790" y="4748750"/>
-            <a:ext cx="1708030" cy="1181819"/>
-          </a:xfrm>
-          <a:prstGeom prst="roundRect">
-            <a:avLst>
-              <a:gd name="adj" fmla="val 0"/>
-            </a:avLst>
-          </a:prstGeom>
-          <a:solidFill>
-            <a:schemeClr val="bg1"/>
-          </a:solidFill>
-        </p:spPr>
-        <p:style>
-          <a:lnRef idx="2">
-            <a:schemeClr val="accent1">
-              <a:shade val="15000"/>
-            </a:schemeClr>
-          </a:lnRef>
-          <a:fillRef idx="1">
-            <a:schemeClr val="accent1"/>
-          </a:fillRef>
-          <a:effectRef idx="0">
-            <a:schemeClr val="accent1"/>
-          </a:effectRef>
-          <a:fontRef idx="minor">
-            <a:schemeClr val="lt1"/>
-          </a:fontRef>
-        </p:style>
-        <p:txBody>
-          <a:bodyPr rtlCol="0" anchor="ctr"/>
-          <a:lstStyle/>
-          <a:p>
-            <a:r>
-              <a:rPr lang="pt-BR" dirty="0">
-                <a:solidFill>
-                  <a:schemeClr val="tx1"/>
-                </a:solidFill>
-              </a:rPr>
-              <a:t>Atributo1</a:t>
-            </a:r>
-          </a:p>
-          <a:p>
-            <a:r>
-              <a:rPr lang="pt-BR" dirty="0">
-                <a:solidFill>
-                  <a:schemeClr val="tx1"/>
-                </a:solidFill>
-              </a:rPr>
-              <a:t>Atributo2</a:t>
-            </a:r>
-          </a:p>
-          <a:p>
-            <a:r>
-              <a:rPr lang="pt-BR" dirty="0">
-                <a:solidFill>
-                  <a:schemeClr val="tx1"/>
-                </a:solidFill>
-              </a:rPr>
-              <a:t>Atributo3</a:t>
-            </a:r>
-          </a:p>
-        </p:txBody>
-      </p:sp>
-      <p:sp>
-        <p:nvSpPr>
-          <p:cNvPr id="20" name="Retângulo Arredondado 19">
-            <a:extLst>
-              <a:ext uri="{FF2B5EF4-FFF2-40B4-BE49-F238E27FC236}">
-                <a16:creationId xmlns:a16="http://schemas.microsoft.com/office/drawing/2014/main" id="{4D44E5CA-1E51-13BC-EAED-C293706A17C9}"/>
-              </a:ext>
-            </a:extLst>
-          </p:cNvPr>
-          <p:cNvSpPr/>
-          <p:nvPr/>
-        </p:nvSpPr>
-        <p:spPr>
-          <a:xfrm>
-            <a:off x="7786778" y="5930569"/>
-            <a:ext cx="1708030" cy="483079"/>
-          </a:xfrm>
-          <a:prstGeom prst="roundRect">
-            <a:avLst>
-              <a:gd name="adj" fmla="val 0"/>
-            </a:avLst>
-          </a:prstGeom>
-          <a:solidFill>
-            <a:schemeClr val="bg1"/>
-          </a:solidFill>
-        </p:spPr>
-        <p:style>
-          <a:lnRef idx="2">
-            <a:schemeClr val="accent1">
-              <a:shade val="15000"/>
-            </a:schemeClr>
-          </a:lnRef>
-          <a:fillRef idx="1">
-            <a:schemeClr val="accent1"/>
-          </a:fillRef>
-          <a:effectRef idx="0">
-            <a:schemeClr val="accent1"/>
-          </a:effectRef>
-          <a:fontRef idx="minor">
-            <a:schemeClr val="lt1"/>
-          </a:fontRef>
-        </p:style>
-        <p:txBody>
-          <a:bodyPr rtlCol="0" anchor="ctr"/>
-          <a:lstStyle/>
-          <a:p>
-            <a:r>
-              <a:rPr lang="pt-BR" dirty="0">
-                <a:solidFill>
-                  <a:schemeClr val="tx1"/>
-                </a:solidFill>
-              </a:rPr>
-              <a:t>Método1</a:t>
-            </a:r>
-          </a:p>
-        </p:txBody>
-      </p:sp>
-      <p:sp>
-        <p:nvSpPr>
-          <p:cNvPr id="21" name="Seta para a Direita Listrada 20">
-            <a:extLst>
-              <a:ext uri="{FF2B5EF4-FFF2-40B4-BE49-F238E27FC236}">
-                <a16:creationId xmlns:a16="http://schemas.microsoft.com/office/drawing/2014/main" id="{AF417F02-983C-7C09-D4EB-FF281A4DB05E}"/>
-              </a:ext>
-            </a:extLst>
-          </p:cNvPr>
-          <p:cNvSpPr/>
-          <p:nvPr/>
-        </p:nvSpPr>
-        <p:spPr>
-          <a:xfrm>
-            <a:off x="6366294" y="3657328"/>
-            <a:ext cx="1268083" cy="724891"/>
-          </a:xfrm>
-          <a:prstGeom prst="stripedRightArrow">
-            <a:avLst/>
-          </a:prstGeom>
-        </p:spPr>
-        <p:style>
-          <a:lnRef idx="2">
-            <a:schemeClr val="accent1">
-              <a:shade val="15000"/>
-            </a:schemeClr>
-          </a:lnRef>
-          <a:fillRef idx="1">
-            <a:schemeClr val="accent1"/>
-          </a:fillRef>
-          <a:effectRef idx="0">
-            <a:schemeClr val="accent1"/>
-          </a:effectRef>
-          <a:fontRef idx="minor">
-            <a:schemeClr val="lt1"/>
-          </a:fontRef>
-        </p:style>
-        <p:txBody>
-          <a:bodyPr rtlCol="0" anchor="ctr"/>
-          <a:lstStyle/>
-          <a:p>
-            <a:pPr algn="ctr"/>
-            <a:endParaRPr lang="pt-BR"/>
-          </a:p>
-        </p:txBody>
-      </p:sp>
-      <p:sp>
-        <p:nvSpPr>
-          <p:cNvPr id="22" name="CaixaDeTexto 21">
-            <a:extLst>
-              <a:ext uri="{FF2B5EF4-FFF2-40B4-BE49-F238E27FC236}">
-                <a16:creationId xmlns:a16="http://schemas.microsoft.com/office/drawing/2014/main" id="{3EC89574-FDA4-A8C0-A5A6-1C75FAEE07AD}"/>
-              </a:ext>
-            </a:extLst>
-          </p:cNvPr>
-          <p:cNvSpPr txBox="1"/>
-          <p:nvPr/>
-        </p:nvSpPr>
-        <p:spPr>
-          <a:xfrm>
-            <a:off x="6340086" y="3268041"/>
-            <a:ext cx="1186159" cy="369332"/>
-          </a:xfrm>
-          <a:prstGeom prst="rect">
-            <a:avLst/>
-          </a:prstGeom>
-          <a:noFill/>
-        </p:spPr>
-        <p:txBody>
-          <a:bodyPr wrap="none" rtlCol="0">
-            <a:spAutoFit/>
-          </a:bodyPr>
-          <a:lstStyle/>
-          <a:p>
-            <a:r>
-              <a:rPr lang="pt-BR" dirty="0"/>
-              <a:t>INSTANCIA</a:t>
-            </a:r>
-          </a:p>
-        </p:txBody>
-      </p:sp>
-      <p:sp>
-        <p:nvSpPr>
-          <p:cNvPr id="23" name="CaixaDeTexto 22">
-            <a:extLst>
-              <a:ext uri="{FF2B5EF4-FFF2-40B4-BE49-F238E27FC236}">
-                <a16:creationId xmlns:a16="http://schemas.microsoft.com/office/drawing/2014/main" id="{11057C50-F751-6556-347B-CA329DDFC510}"/>
-              </a:ext>
-            </a:extLst>
-          </p:cNvPr>
-          <p:cNvSpPr txBox="1"/>
-          <p:nvPr/>
-        </p:nvSpPr>
-        <p:spPr>
-          <a:xfrm>
-            <a:off x="4291218" y="5129245"/>
-            <a:ext cx="1937710" cy="369332"/>
-          </a:xfrm>
-          <a:prstGeom prst="rect">
-            <a:avLst/>
-          </a:prstGeom>
-          <a:noFill/>
-        </p:spPr>
-        <p:txBody>
-          <a:bodyPr wrap="none" rtlCol="0">
-            <a:spAutoFit/>
-          </a:bodyPr>
-          <a:lstStyle/>
-          <a:p>
-            <a:pPr algn="ctr"/>
-            <a:r>
-              <a:rPr lang="pt-BR" dirty="0"/>
-              <a:t>MOLDE/ESQUEMA</a:t>
-            </a:r>
-          </a:p>
-        </p:txBody>
-      </p:sp>
-      <p:sp>
-        <p:nvSpPr>
-          <p:cNvPr id="24" name="CaixaDeTexto 23">
-            <a:extLst>
-              <a:ext uri="{FF2B5EF4-FFF2-40B4-BE49-F238E27FC236}">
-                <a16:creationId xmlns:a16="http://schemas.microsoft.com/office/drawing/2014/main" id="{5415075F-290D-357F-C0EE-25F84FF59AF7}"/>
-              </a:ext>
-            </a:extLst>
-          </p:cNvPr>
-          <p:cNvSpPr txBox="1"/>
-          <p:nvPr/>
-        </p:nvSpPr>
-        <p:spPr>
-          <a:xfrm>
-            <a:off x="9656005" y="3868072"/>
-            <a:ext cx="1581651" cy="646331"/>
-          </a:xfrm>
-          <a:prstGeom prst="rect">
-            <a:avLst/>
-          </a:prstGeom>
-          <a:noFill/>
-        </p:spPr>
-        <p:txBody>
-          <a:bodyPr wrap="none" rtlCol="0">
-            <a:spAutoFit/>
-          </a:bodyPr>
-          <a:lstStyle/>
-          <a:p>
-            <a:r>
-              <a:rPr lang="pt-BR" dirty="0"/>
-              <a:t>ENTIDADES NA</a:t>
-            </a:r>
-          </a:p>
-          <a:p>
-            <a:r>
-              <a:rPr lang="pt-BR" dirty="0"/>
-              <a:t>MEMÓRIA</a:t>
-            </a:r>
-          </a:p>
-        </p:txBody>
-      </p:sp>
-      <p:sp>
-        <p:nvSpPr>
-          <p:cNvPr id="25" name="Chave Direita 24">
-            <a:extLst>
-              <a:ext uri="{FF2B5EF4-FFF2-40B4-BE49-F238E27FC236}">
-                <a16:creationId xmlns:a16="http://schemas.microsoft.com/office/drawing/2014/main" id="{C76FC8A1-4909-F0FA-21F8-F2988958CC62}"/>
-              </a:ext>
-            </a:extLst>
-          </p:cNvPr>
-          <p:cNvSpPr/>
-          <p:nvPr/>
-        </p:nvSpPr>
-        <p:spPr>
-          <a:xfrm>
-            <a:off x="9494808" y="1871932"/>
-            <a:ext cx="158150" cy="4606506"/>
-          </a:xfrm>
-          <a:prstGeom prst="rightBrace">
-            <a:avLst/>
-          </a:prstGeom>
-          <a:ln>
-            <a:solidFill>
-              <a:srgbClr val="FF0000"/>
-            </a:solidFill>
-          </a:ln>
-        </p:spPr>
-        <p:style>
-          <a:lnRef idx="1">
-            <a:schemeClr val="accent1"/>
-          </a:lnRef>
-          <a:fillRef idx="0">
-            <a:schemeClr val="accent1"/>
-          </a:fillRef>
-          <a:effectRef idx="0">
-            <a:schemeClr val="accent1"/>
-          </a:effectRef>
-          <a:fontRef idx="minor">
-            <a:schemeClr val="tx1"/>
-          </a:fontRef>
-        </p:style>
-        <p:txBody>
-          <a:bodyPr rtlCol="0" anchor="ctr"/>
-          <a:lstStyle/>
-          <a:p>
-            <a:pPr algn="ctr"/>
-            <a:endParaRPr lang="pt-BR" b="1" dirty="0">
-              <a:ln w="57150">
-                <a:solidFill>
-                  <a:schemeClr val="tx1"/>
-                </a:solidFill>
-              </a:ln>
-              <a:solidFill>
-                <a:srgbClr val="FF0000"/>
-              </a:solidFill>
-            </a:endParaRPr>
-          </a:p>
-        </p:txBody>
-      </p:sp>
-    </p:spTree>
-    <p:extLst>
-      <p:ext uri="{BB962C8B-B14F-4D97-AF65-F5344CB8AC3E}">
-        <p14:creationId xmlns:p14="http://schemas.microsoft.com/office/powerpoint/2010/main" val="2371777091"/>
-      </p:ext>
-    </p:extLst>
-  </p:cSld>
-  <p:clrMapOvr>
-    <a:masterClrMapping/>
-  </p:clrMapOvr>
-</p:sld>
-</file>
-
-<file path=ppt/slides/slide4.xml><?xml version="1.0" encoding="utf-8"?>
-<p:sld xmlns:a="http://schemas.openxmlformats.org/drawingml/2006/main" xmlns:r="http://schemas.openxmlformats.org/officeDocument/2006/relationships" xmlns:p="http://schemas.openxmlformats.org/presentationml/2006/main">
-  <p:cSld>
-    <p:bg>
-      <p:bgPr>
-        <a:solidFill>
-          <a:schemeClr val="bg1"/>
-        </a:solidFill>
-        <a:effectLst/>
-      </p:bgPr>
-    </p:bg>
-    <p:spTree>
-      <p:nvGrpSpPr>
-        <p:cNvPr id="1" name="">
-          <a:extLst>
-            <a:ext uri="{FF2B5EF4-FFF2-40B4-BE49-F238E27FC236}">
-              <a16:creationId xmlns:a16="http://schemas.microsoft.com/office/drawing/2014/main" id="{493B9158-B64A-6E2D-6254-C6082DACDC8F}"/>
-            </a:ext>
-          </a:extLst>
-        </p:cNvPr>
-        <p:cNvGrpSpPr/>
-        <p:nvPr/>
-      </p:nvGrpSpPr>
-      <p:grpSpPr>
-        <a:xfrm>
-          <a:off x="0" y="0"/>
-          <a:ext cx="0" cy="0"/>
-          <a:chOff x="0" y="0"/>
-          <a:chExt cx="0" cy="0"/>
-        </a:xfrm>
-      </p:grpSpPr>
-      <p:sp useBgFill="1">
-        <p:nvSpPr>
-          <p:cNvPr id="8" name="Rectangle 7">
-            <a:extLst>
-              <a:ext uri="{FF2B5EF4-FFF2-40B4-BE49-F238E27FC236}">
-                <a16:creationId xmlns:a16="http://schemas.microsoft.com/office/drawing/2014/main" id="{9A1B50FD-FFAB-B80F-6754-59EDC641649A}"/>
-              </a:ext>
-              <a:ext uri="{C183D7F6-B498-43B3-948B-1728B52AA6E4}">
-                <adec:decorative xmlns:adec="http://schemas.microsoft.com/office/drawing/2017/decorative" val="1"/>
-              </a:ext>
-            </a:extLst>
-          </p:cNvPr>
-          <p:cNvSpPr>
-            <a:spLocks noGrp="1" noRot="1" noChangeAspect="1" noMove="1" noResize="1" noEditPoints="1" noAdjustHandles="1" noChangeArrowheads="1" noChangeShapeType="1" noTextEdit="1"/>
-          </p:cNvSpPr>
-          <p:nvPr>
-            <p:extLst>
-              <p:ext uri="{386F3935-93C4-4BCD-93E2-E3B085C9AB24}">
-                <p16:designElem xmlns:p16="http://schemas.microsoft.com/office/powerpoint/2015/main" val="1"/>
-              </p:ext>
-            </p:extLst>
-          </p:nvPr>
-        </p:nvSpPr>
-        <p:spPr>
-          <a:xfrm>
-            <a:off x="3048" y="0"/>
-            <a:ext cx="12188952" cy="6858000"/>
-          </a:xfrm>
-          <a:prstGeom prst="rect">
-            <a:avLst/>
-          </a:prstGeom>
-          <a:ln>
-            <a:noFill/>
-          </a:ln>
-        </p:spPr>
-        <p:style>
-          <a:lnRef idx="2">
-            <a:schemeClr val="accent1">
-              <a:shade val="50000"/>
-            </a:schemeClr>
-          </a:lnRef>
-          <a:fillRef idx="1">
-            <a:schemeClr val="accent1"/>
-          </a:fillRef>
-          <a:effectRef idx="0">
-            <a:schemeClr val="accent1"/>
-          </a:effectRef>
-          <a:fontRef idx="minor">
-            <a:schemeClr val="lt1"/>
-          </a:fontRef>
-        </p:style>
-        <p:txBody>
-          <a:bodyPr rtlCol="0" anchor="ctr"/>
-          <a:lstStyle/>
-          <a:p>
-            <a:pPr algn="ctr"/>
-            <a:endParaRPr lang="en-US"/>
-          </a:p>
-        </p:txBody>
-      </p:sp>
-      <p:sp>
-        <p:nvSpPr>
-          <p:cNvPr id="10" name="Freeform: Shape 9">
-            <a:extLst>
-              <a:ext uri="{FF2B5EF4-FFF2-40B4-BE49-F238E27FC236}">
-                <a16:creationId xmlns:a16="http://schemas.microsoft.com/office/drawing/2014/main" id="{4FF282E3-21FB-FB91-3D09-7B3B000BC953}"/>
-              </a:ext>
-              <a:ext uri="{C183D7F6-B498-43B3-948B-1728B52AA6E4}">
-                <adec:decorative xmlns:adec="http://schemas.microsoft.com/office/drawing/2017/decorative" val="1"/>
-              </a:ext>
-            </a:extLst>
-          </p:cNvPr>
-          <p:cNvSpPr>
-            <a:spLocks noGrp="1" noRot="1" noChangeAspect="1" noMove="1" noResize="1" noEditPoints="1" noAdjustHandles="1" noChangeArrowheads="1" noChangeShapeType="1" noTextEdit="1"/>
-          </p:cNvSpPr>
-          <p:nvPr>
-            <p:extLst>
-              <p:ext uri="{386F3935-93C4-4BCD-93E2-E3B085C9AB24}">
-                <p16:designElem xmlns:p16="http://schemas.microsoft.com/office/powerpoint/2015/main" val="1"/>
-              </p:ext>
-            </p:extLst>
-          </p:nvPr>
-        </p:nvSpPr>
-        <p:spPr>
-          <a:xfrm>
-            <a:off x="1" y="0"/>
-            <a:ext cx="4167271" cy="6858000"/>
-          </a:xfrm>
-          <a:custGeom>
-            <a:avLst/>
-            <a:gdLst>
-              <a:gd name="connsiteX0" fmla="*/ 0 w 4167271"/>
-              <a:gd name="connsiteY0" fmla="*/ 0 h 6858000"/>
-              <a:gd name="connsiteX1" fmla="*/ 2259550 w 4167271"/>
-              <a:gd name="connsiteY1" fmla="*/ 0 h 6858000"/>
-              <a:gd name="connsiteX2" fmla="*/ 2387803 w 4167271"/>
-              <a:gd name="connsiteY2" fmla="*/ 82222 h 6858000"/>
-              <a:gd name="connsiteX3" fmla="*/ 4167271 w 4167271"/>
-              <a:gd name="connsiteY3" fmla="*/ 3429000 h 6858000"/>
-              <a:gd name="connsiteX4" fmla="*/ 2387803 w 4167271"/>
-              <a:gd name="connsiteY4" fmla="*/ 6775779 h 6858000"/>
-              <a:gd name="connsiteX5" fmla="*/ 2259550 w 4167271"/>
-              <a:gd name="connsiteY5" fmla="*/ 6858000 h 6858000"/>
-              <a:gd name="connsiteX6" fmla="*/ 0 w 4167271"/>
-              <a:gd name="connsiteY6" fmla="*/ 6858000 h 6858000"/>
-            </a:gdLst>
-            <a:ahLst/>
-            <a:cxnLst>
-              <a:cxn ang="0">
-                <a:pos x="connsiteX0" y="connsiteY0"/>
-              </a:cxn>
-              <a:cxn ang="0">
-                <a:pos x="connsiteX1" y="connsiteY1"/>
-              </a:cxn>
-              <a:cxn ang="0">
-                <a:pos x="connsiteX2" y="connsiteY2"/>
-              </a:cxn>
-              <a:cxn ang="0">
-                <a:pos x="connsiteX3" y="connsiteY3"/>
-              </a:cxn>
-              <a:cxn ang="0">
-                <a:pos x="connsiteX4" y="connsiteY4"/>
-              </a:cxn>
-              <a:cxn ang="0">
-                <a:pos x="connsiteX5" y="connsiteY5"/>
-              </a:cxn>
-              <a:cxn ang="0">
-                <a:pos x="connsiteX6" y="connsiteY6"/>
-              </a:cxn>
-            </a:cxnLst>
-            <a:rect l="l" t="t" r="r" b="b"/>
-            <a:pathLst>
-              <a:path w="4167271" h="6858000">
-                <a:moveTo>
-                  <a:pt x="0" y="0"/>
-                </a:moveTo>
-                <a:lnTo>
-                  <a:pt x="2259550" y="0"/>
-                </a:lnTo>
-                <a:lnTo>
-                  <a:pt x="2387803" y="82222"/>
-                </a:lnTo>
-                <a:cubicBezTo>
-                  <a:pt x="3461407" y="807534"/>
-                  <a:pt x="4167271" y="2035835"/>
-                  <a:pt x="4167271" y="3429000"/>
-                </a:cubicBezTo>
-                <a:cubicBezTo>
-                  <a:pt x="4167271" y="4822165"/>
-                  <a:pt x="3461407" y="6050467"/>
-                  <a:pt x="2387803" y="6775779"/>
-                </a:cubicBezTo>
-                <a:lnTo>
-                  <a:pt x="2259550" y="6858000"/>
-                </a:lnTo>
-                <a:lnTo>
-                  <a:pt x="0" y="6858000"/>
-                </a:lnTo>
-                <a:close/>
-              </a:path>
-            </a:pathLst>
-          </a:custGeom>
-          <a:solidFill>
-            <a:schemeClr val="accent2"/>
-          </a:solidFill>
-          <a:ln>
-            <a:noFill/>
-          </a:ln>
-        </p:spPr>
-        <p:style>
-          <a:lnRef idx="2">
-            <a:schemeClr val="accent1">
-              <a:shade val="50000"/>
-            </a:schemeClr>
-          </a:lnRef>
-          <a:fillRef idx="1">
-            <a:schemeClr val="accent1"/>
-          </a:fillRef>
-          <a:effectRef idx="0">
-            <a:schemeClr val="accent1"/>
-          </a:effectRef>
-          <a:fontRef idx="minor">
-            <a:schemeClr val="lt1"/>
-          </a:fontRef>
-        </p:style>
-        <p:txBody>
-          <a:bodyPr rtlCol="0" anchor="ctr"/>
-          <a:lstStyle/>
-          <a:p>
-            <a:pPr algn="ctr"/>
-            <a:endParaRPr lang="en-US"/>
-          </a:p>
-        </p:txBody>
-      </p:sp>
-      <p:sp>
-        <p:nvSpPr>
-          <p:cNvPr id="2" name="Título 1">
-            <a:extLst>
-              <a:ext uri="{FF2B5EF4-FFF2-40B4-BE49-F238E27FC236}">
-                <a16:creationId xmlns:a16="http://schemas.microsoft.com/office/drawing/2014/main" id="{5231EEC8-9C14-110E-3D50-F7AA400C2E61}"/>
-              </a:ext>
-            </a:extLst>
-          </p:cNvPr>
-          <p:cNvSpPr>
-            <a:spLocks noGrp="1"/>
-          </p:cNvSpPr>
-          <p:nvPr>
-            <p:ph type="title"/>
-          </p:nvPr>
-        </p:nvSpPr>
-        <p:spPr>
-          <a:xfrm>
-            <a:off x="177874" y="1153571"/>
-            <a:ext cx="3928299" cy="4461163"/>
-          </a:xfrm>
-        </p:spPr>
-        <p:txBody>
-          <a:bodyPr>
-            <a:normAutofit/>
-          </a:bodyPr>
-          <a:lstStyle/>
-          <a:p>
-            <a:r>
-              <a:rPr lang="pt-BR" dirty="0">
-                <a:solidFill>
-                  <a:srgbClr val="FFFFFF"/>
-                </a:solidFill>
-              </a:rPr>
-              <a:t>Principais conceitos da POO:</a:t>
-            </a:r>
-            <a:br>
-              <a:rPr lang="pt-BR" dirty="0">
-                <a:solidFill>
-                  <a:srgbClr val="FFFFFF"/>
-                </a:solidFill>
-              </a:rPr>
-            </a:br>
-            <a:r>
-              <a:rPr lang="pt-BR" dirty="0">
-                <a:solidFill>
-                  <a:srgbClr val="FFFF00"/>
-                </a:solidFill>
-              </a:rPr>
-              <a:t>Encapsulamento</a:t>
-            </a:r>
-          </a:p>
-        </p:txBody>
-      </p:sp>
-      <p:sp>
-        <p:nvSpPr>
-          <p:cNvPr id="12" name="Arc 11">
-            <a:extLst>
-              <a:ext uri="{FF2B5EF4-FFF2-40B4-BE49-F238E27FC236}">
-                <a16:creationId xmlns:a16="http://schemas.microsoft.com/office/drawing/2014/main" id="{44655AF9-18EA-6D73-9FD6-4F479A041EBD}"/>
-              </a:ext>
-              <a:ext uri="{C183D7F6-B498-43B3-948B-1728B52AA6E4}">
-                <adec:decorative xmlns:adec="http://schemas.microsoft.com/office/drawing/2017/decorative" val="1"/>
-              </a:ext>
-            </a:extLst>
-          </p:cNvPr>
-          <p:cNvSpPr>
-            <a:spLocks noGrp="1" noRot="1" noChangeAspect="1" noMove="1" noResize="1" noEditPoints="1" noAdjustHandles="1" noChangeArrowheads="1" noChangeShapeType="1" noTextEdit="1"/>
-          </p:cNvSpPr>
-          <p:nvPr>
-            <p:extLst>
-              <p:ext uri="{386F3935-93C4-4BCD-93E2-E3B085C9AB24}">
-                <p16:designElem xmlns:p16="http://schemas.microsoft.com/office/powerpoint/2015/main" val="1"/>
-              </p:ext>
-            </p:extLst>
-          </p:nvPr>
-        </p:nvSpPr>
-        <p:spPr>
-          <a:xfrm flipV="1">
-            <a:off x="7550402" y="2455479"/>
-            <a:ext cx="4083433" cy="4083433"/>
-          </a:xfrm>
-          <a:prstGeom prst="arc">
-            <a:avLst/>
-          </a:prstGeom>
-          <a:ln w="127000" cap="rnd">
-            <a:solidFill>
-              <a:schemeClr val="accent4"/>
-            </a:solidFill>
-            <a:prstDash val="dash"/>
-          </a:ln>
-        </p:spPr>
-        <p:style>
-          <a:lnRef idx="1">
-            <a:schemeClr val="accent1"/>
-          </a:lnRef>
-          <a:fillRef idx="0">
-            <a:schemeClr val="accent1"/>
-          </a:fillRef>
-          <a:effectRef idx="0">
-            <a:schemeClr val="accent1"/>
-          </a:effectRef>
-          <a:fontRef idx="minor">
-            <a:schemeClr val="tx1"/>
-          </a:fontRef>
-        </p:style>
-        <p:txBody>
-          <a:bodyPr rtlCol="0" anchor="ctr"/>
-          <a:lstStyle/>
-          <a:p>
-            <a:pPr algn="ctr"/>
-            <a:endParaRPr lang="en-US" dirty="0"/>
-          </a:p>
-        </p:txBody>
-      </p:sp>
-      <p:sp>
-        <p:nvSpPr>
-          <p:cNvPr id="3" name="Espaço Reservado para Conteúdo 2">
-            <a:extLst>
-              <a:ext uri="{FF2B5EF4-FFF2-40B4-BE49-F238E27FC236}">
-                <a16:creationId xmlns:a16="http://schemas.microsoft.com/office/drawing/2014/main" id="{C9830D77-514F-7106-796E-F843165CC48B}"/>
-              </a:ext>
-            </a:extLst>
-          </p:cNvPr>
-          <p:cNvSpPr>
-            <a:spLocks noGrp="1"/>
-          </p:cNvSpPr>
-          <p:nvPr>
-            <p:ph idx="1"/>
-          </p:nvPr>
-        </p:nvSpPr>
-        <p:spPr>
-          <a:xfrm>
-            <a:off x="4095633" y="266421"/>
-            <a:ext cx="6906491" cy="2189058"/>
-          </a:xfrm>
-        </p:spPr>
-        <p:txBody>
-          <a:bodyPr anchor="ctr">
-            <a:normAutofit/>
-          </a:bodyPr>
-          <a:lstStyle/>
-          <a:p>
-            <a:r>
-              <a:rPr lang="pt-BR" dirty="0"/>
-              <a:t>O que é encapsulamento ?</a:t>
-            </a:r>
-          </a:p>
-          <a:p>
-            <a:r>
-              <a:rPr lang="pt-BR" dirty="0"/>
-              <a:t>Importância</a:t>
-            </a:r>
-          </a:p>
-          <a:p>
-            <a:r>
-              <a:rPr lang="pt-BR" dirty="0"/>
-              <a:t>Encapsulamento &amp; segurança do código</a:t>
-            </a:r>
-          </a:p>
-        </p:txBody>
-      </p:sp>
-      <p:pic>
-        <p:nvPicPr>
-          <p:cNvPr id="4" name="Imagem 3" descr="Logotipo, nome da empresa&#10;&#10;Descrição gerada automaticamente">
-            <a:extLst>
-              <a:ext uri="{FF2B5EF4-FFF2-40B4-BE49-F238E27FC236}">
-                <a16:creationId xmlns:a16="http://schemas.microsoft.com/office/drawing/2014/main" id="{4085434F-E0E8-7F04-6D40-A7F433A1D48F}"/>
-              </a:ext>
-            </a:extLst>
-          </p:cNvPr>
-          <p:cNvPicPr>
-            <a:picLocks noChangeAspect="1"/>
-          </p:cNvPicPr>
-          <p:nvPr/>
-        </p:nvPicPr>
-        <p:blipFill>
-          <a:blip r:embed="rId2"/>
-          <a:stretch>
-            <a:fillRect/>
-          </a:stretch>
-        </p:blipFill>
-        <p:spPr>
-          <a:xfrm>
-            <a:off x="11099925" y="5824981"/>
-            <a:ext cx="1065914" cy="1065914"/>
-          </a:xfrm>
-          <a:custGeom>
-            <a:avLst/>
-            <a:gdLst/>
-            <a:ahLst/>
-            <a:cxnLst/>
-            <a:rect l="l" t="t" r="r" b="b"/>
-            <a:pathLst>
-              <a:path w="2833631" h="2677010">
-                <a:moveTo>
-                  <a:pt x="49418" y="0"/>
-                </a:moveTo>
-                <a:lnTo>
-                  <a:pt x="2784213" y="0"/>
-                </a:lnTo>
-                <a:cubicBezTo>
-                  <a:pt x="2811506" y="0"/>
-                  <a:pt x="2833631" y="22125"/>
-                  <a:pt x="2833631" y="49418"/>
-                </a:cubicBezTo>
-                <a:lnTo>
-                  <a:pt x="2833631" y="2627592"/>
-                </a:lnTo>
-                <a:cubicBezTo>
-                  <a:pt x="2833631" y="2654885"/>
-                  <a:pt x="2811506" y="2677010"/>
-                  <a:pt x="2784213" y="2677010"/>
-                </a:cubicBezTo>
-                <a:lnTo>
-                  <a:pt x="49418" y="2677010"/>
-                </a:lnTo>
-                <a:cubicBezTo>
-                  <a:pt x="22125" y="2677010"/>
-                  <a:pt x="0" y="2654885"/>
-                  <a:pt x="0" y="2627592"/>
-                </a:cubicBezTo>
-                <a:lnTo>
-                  <a:pt x="0" y="49418"/>
-                </a:lnTo>
-                <a:cubicBezTo>
-                  <a:pt x="0" y="22125"/>
-                  <a:pt x="22125" y="0"/>
-                  <a:pt x="49418" y="0"/>
-                </a:cubicBezTo>
-                <a:close/>
-              </a:path>
-            </a:pathLst>
-          </a:custGeom>
-        </p:spPr>
-      </p:pic>
-      <p:sp>
-        <p:nvSpPr>
-          <p:cNvPr id="5" name="Retângulo Arredondado 4">
-            <a:extLst>
-              <a:ext uri="{FF2B5EF4-FFF2-40B4-BE49-F238E27FC236}">
-                <a16:creationId xmlns:a16="http://schemas.microsoft.com/office/drawing/2014/main" id="{E8443714-9910-A864-F5B7-5393A3F93C4C}"/>
-              </a:ext>
-            </a:extLst>
-          </p:cNvPr>
-          <p:cNvSpPr/>
-          <p:nvPr/>
-        </p:nvSpPr>
-        <p:spPr>
-          <a:xfrm>
-            <a:off x="6096000" y="2845193"/>
-            <a:ext cx="2372128" cy="483079"/>
-          </a:xfrm>
-          <a:prstGeom prst="roundRect">
-            <a:avLst>
-              <a:gd name="adj" fmla="val 0"/>
-            </a:avLst>
-          </a:prstGeom>
-          <a:solidFill>
-            <a:schemeClr val="bg1"/>
-          </a:solidFill>
-          <a:ln>
-            <a:prstDash val="dashDot"/>
-          </a:ln>
-        </p:spPr>
-        <p:style>
-          <a:lnRef idx="2">
-            <a:schemeClr val="accent1">
-              <a:shade val="15000"/>
-            </a:schemeClr>
-          </a:lnRef>
-          <a:fillRef idx="1">
-            <a:schemeClr val="accent1"/>
-          </a:fillRef>
-          <a:effectRef idx="0">
-            <a:schemeClr val="accent1"/>
-          </a:effectRef>
-          <a:fontRef idx="minor">
-            <a:schemeClr val="lt1"/>
-          </a:fontRef>
-        </p:style>
-        <p:txBody>
-          <a:bodyPr rtlCol="0" anchor="ctr"/>
-          <a:lstStyle/>
-          <a:p>
-            <a:pPr algn="ctr"/>
-            <a:r>
-              <a:rPr lang="pt-BR" dirty="0">
-                <a:solidFill>
-                  <a:schemeClr val="bg2">
-                    <a:lumMod val="75000"/>
-                  </a:schemeClr>
-                </a:solidFill>
-              </a:rPr>
-              <a:t>Classe</a:t>
-            </a:r>
-          </a:p>
-        </p:txBody>
-      </p:sp>
-      <p:sp>
-        <p:nvSpPr>
-          <p:cNvPr id="6" name="Retângulo Arredondado 5">
-            <a:extLst>
-              <a:ext uri="{FF2B5EF4-FFF2-40B4-BE49-F238E27FC236}">
-                <a16:creationId xmlns:a16="http://schemas.microsoft.com/office/drawing/2014/main" id="{6838A9FF-BCD7-A60A-0EBF-D4623E1A560E}"/>
-              </a:ext>
-            </a:extLst>
-          </p:cNvPr>
-          <p:cNvSpPr/>
-          <p:nvPr/>
-        </p:nvSpPr>
-        <p:spPr>
-          <a:xfrm>
-            <a:off x="6099012" y="3328272"/>
-            <a:ext cx="2372128" cy="1181819"/>
-          </a:xfrm>
-          <a:prstGeom prst="roundRect">
-            <a:avLst>
-              <a:gd name="adj" fmla="val 0"/>
-            </a:avLst>
-          </a:prstGeom>
-          <a:solidFill>
-            <a:schemeClr val="bg1"/>
-          </a:solidFill>
-          <a:ln>
-            <a:prstDash val="dashDot"/>
-          </a:ln>
-        </p:spPr>
-        <p:style>
-          <a:lnRef idx="2">
-            <a:schemeClr val="accent1">
-              <a:shade val="15000"/>
-            </a:schemeClr>
-          </a:lnRef>
-          <a:fillRef idx="1">
-            <a:schemeClr val="accent1"/>
-          </a:fillRef>
-          <a:effectRef idx="0">
-            <a:schemeClr val="accent1"/>
-          </a:effectRef>
-          <a:fontRef idx="minor">
-            <a:schemeClr val="lt1"/>
-          </a:fontRef>
-        </p:style>
-        <p:txBody>
-          <a:bodyPr rtlCol="0" anchor="ctr"/>
-          <a:lstStyle/>
-          <a:p>
-            <a:r>
-              <a:rPr lang="pt-BR" dirty="0">
-                <a:solidFill>
-                  <a:schemeClr val="accent2"/>
-                </a:solidFill>
-              </a:rPr>
-              <a:t>privado</a:t>
-            </a:r>
-            <a:r>
-              <a:rPr lang="pt-BR" dirty="0">
-                <a:solidFill>
-                  <a:schemeClr val="bg2">
-                    <a:lumMod val="75000"/>
-                  </a:schemeClr>
-                </a:solidFill>
-              </a:rPr>
-              <a:t> Atributo1: Tipo</a:t>
-            </a:r>
-          </a:p>
-          <a:p>
-            <a:r>
-              <a:rPr lang="pt-BR" dirty="0">
-                <a:solidFill>
-                  <a:schemeClr val="accent2"/>
-                </a:solidFill>
-              </a:rPr>
-              <a:t>privado</a:t>
-            </a:r>
-            <a:r>
-              <a:rPr lang="pt-BR" dirty="0">
-                <a:solidFill>
-                  <a:schemeClr val="bg2">
-                    <a:lumMod val="75000"/>
-                  </a:schemeClr>
-                </a:solidFill>
-              </a:rPr>
-              <a:t> Atributo2: Tipo</a:t>
-            </a:r>
-          </a:p>
-          <a:p>
-            <a:r>
-              <a:rPr lang="pt-BR" dirty="0">
-                <a:solidFill>
-                  <a:schemeClr val="accent2"/>
-                </a:solidFill>
-              </a:rPr>
-              <a:t>privado</a:t>
-            </a:r>
-            <a:r>
-              <a:rPr lang="pt-BR" dirty="0">
-                <a:solidFill>
-                  <a:schemeClr val="bg2">
-                    <a:lumMod val="75000"/>
-                  </a:schemeClr>
-                </a:solidFill>
-              </a:rPr>
-              <a:t> Atributo3: Tipo</a:t>
-            </a:r>
-          </a:p>
-        </p:txBody>
-      </p:sp>
-      <p:sp>
-        <p:nvSpPr>
-          <p:cNvPr id="7" name="Retângulo Arredondado 6">
-            <a:extLst>
-              <a:ext uri="{FF2B5EF4-FFF2-40B4-BE49-F238E27FC236}">
-                <a16:creationId xmlns:a16="http://schemas.microsoft.com/office/drawing/2014/main" id="{FC537141-984D-B69F-4DA7-82C703B0D3EA}"/>
-              </a:ext>
-            </a:extLst>
-          </p:cNvPr>
-          <p:cNvSpPr/>
-          <p:nvPr/>
-        </p:nvSpPr>
-        <p:spPr>
-          <a:xfrm>
-            <a:off x="6096000" y="4510091"/>
-            <a:ext cx="2372128" cy="483079"/>
-          </a:xfrm>
-          <a:prstGeom prst="roundRect">
-            <a:avLst>
-              <a:gd name="adj" fmla="val 0"/>
-            </a:avLst>
-          </a:prstGeom>
-          <a:solidFill>
-            <a:schemeClr val="bg1"/>
-          </a:solidFill>
-          <a:ln>
-            <a:prstDash val="dashDot"/>
-          </a:ln>
-        </p:spPr>
-        <p:style>
-          <a:lnRef idx="2">
-            <a:schemeClr val="accent1">
-              <a:shade val="15000"/>
-            </a:schemeClr>
-          </a:lnRef>
-          <a:fillRef idx="1">
-            <a:schemeClr val="accent1"/>
-          </a:fillRef>
-          <a:effectRef idx="0">
-            <a:schemeClr val="accent1"/>
-          </a:effectRef>
-          <a:fontRef idx="minor">
-            <a:schemeClr val="lt1"/>
-          </a:fontRef>
-        </p:style>
-        <p:txBody>
-          <a:bodyPr rtlCol="0" anchor="ctr"/>
-          <a:lstStyle/>
-          <a:p>
-            <a:r>
-              <a:rPr lang="pt-BR" dirty="0">
-                <a:solidFill>
-                  <a:schemeClr val="accent2"/>
-                </a:solidFill>
-              </a:rPr>
-              <a:t>público</a:t>
-            </a:r>
-            <a:r>
-              <a:rPr lang="pt-BR" dirty="0">
-                <a:solidFill>
-                  <a:schemeClr val="bg2">
-                    <a:lumMod val="75000"/>
-                  </a:schemeClr>
-                </a:solidFill>
-              </a:rPr>
-              <a:t> Método1: Tipo</a:t>
-            </a:r>
-          </a:p>
-        </p:txBody>
-      </p:sp>
-    </p:spTree>
-    <p:extLst>
-      <p:ext uri="{BB962C8B-B14F-4D97-AF65-F5344CB8AC3E}">
-        <p14:creationId xmlns:p14="http://schemas.microsoft.com/office/powerpoint/2010/main" val="2353546905"/>
-      </p:ext>
-    </p:extLst>
-  </p:cSld>
-  <p:clrMapOvr>
-    <a:masterClrMapping/>
-  </p:clrMapOvr>
-</p:sld>
-</file>
-
-<file path=ppt/slides/slide5.xml><?xml version="1.0" encoding="utf-8"?>
-<p:sld xmlns:a="http://schemas.openxmlformats.org/drawingml/2006/main" xmlns:r="http://schemas.openxmlformats.org/officeDocument/2006/relationships" xmlns:p="http://schemas.openxmlformats.org/presentationml/2006/main">
-  <p:cSld>
-    <p:bg>
-      <p:bgPr>
-        <a:solidFill>
-          <a:schemeClr val="bg1"/>
-        </a:solidFill>
-        <a:effectLst/>
-      </p:bgPr>
-    </p:bg>
-    <p:spTree>
-      <p:nvGrpSpPr>
-        <p:cNvPr id="1" name="">
-          <a:extLst>
-            <a:ext uri="{FF2B5EF4-FFF2-40B4-BE49-F238E27FC236}">
-              <a16:creationId xmlns:a16="http://schemas.microsoft.com/office/drawing/2014/main" id="{5BF099C5-975D-34F8-A779-6D8D631BD493}"/>
-            </a:ext>
-          </a:extLst>
-        </p:cNvPr>
-        <p:cNvGrpSpPr/>
-        <p:nvPr/>
-      </p:nvGrpSpPr>
-      <p:grpSpPr>
-        <a:xfrm>
-          <a:off x="0" y="0"/>
-          <a:ext cx="0" cy="0"/>
-          <a:chOff x="0" y="0"/>
-          <a:chExt cx="0" cy="0"/>
-        </a:xfrm>
-      </p:grpSpPr>
-      <p:sp useBgFill="1">
-        <p:nvSpPr>
-          <p:cNvPr id="8" name="Rectangle 7">
-            <a:extLst>
-              <a:ext uri="{FF2B5EF4-FFF2-40B4-BE49-F238E27FC236}">
-                <a16:creationId xmlns:a16="http://schemas.microsoft.com/office/drawing/2014/main" id="{8CE7749E-5B93-5ABA-C476-128C0E4517E4}"/>
-              </a:ext>
-              <a:ext uri="{C183D7F6-B498-43B3-948B-1728B52AA6E4}">
-                <adec:decorative xmlns:adec="http://schemas.microsoft.com/office/drawing/2017/decorative" val="1"/>
-              </a:ext>
-            </a:extLst>
-          </p:cNvPr>
-          <p:cNvSpPr>
-            <a:spLocks noGrp="1" noRot="1" noChangeAspect="1" noMove="1" noResize="1" noEditPoints="1" noAdjustHandles="1" noChangeArrowheads="1" noChangeShapeType="1" noTextEdit="1"/>
-          </p:cNvSpPr>
-          <p:nvPr>
-            <p:extLst>
-              <p:ext uri="{386F3935-93C4-4BCD-93E2-E3B085C9AB24}">
-                <p16:designElem xmlns:p16="http://schemas.microsoft.com/office/powerpoint/2015/main" val="1"/>
-              </p:ext>
-            </p:extLst>
-          </p:nvPr>
-        </p:nvSpPr>
-        <p:spPr>
-          <a:xfrm>
-            <a:off x="3048" y="0"/>
-            <a:ext cx="12188952" cy="6858000"/>
-          </a:xfrm>
-          <a:prstGeom prst="rect">
-            <a:avLst/>
-          </a:prstGeom>
-          <a:ln>
-            <a:noFill/>
-          </a:ln>
-        </p:spPr>
-        <p:style>
-          <a:lnRef idx="2">
-            <a:schemeClr val="accent1">
-              <a:shade val="50000"/>
-            </a:schemeClr>
-          </a:lnRef>
-          <a:fillRef idx="1">
-            <a:schemeClr val="accent1"/>
-          </a:fillRef>
-          <a:effectRef idx="0">
-            <a:schemeClr val="accent1"/>
-          </a:effectRef>
-          <a:fontRef idx="minor">
-            <a:schemeClr val="lt1"/>
-          </a:fontRef>
-        </p:style>
-        <p:txBody>
-          <a:bodyPr rtlCol="0" anchor="ctr"/>
-          <a:lstStyle/>
-          <a:p>
-            <a:pPr algn="ctr"/>
-            <a:endParaRPr lang="en-US"/>
-          </a:p>
-        </p:txBody>
-      </p:sp>
-      <p:sp>
-        <p:nvSpPr>
-          <p:cNvPr id="10" name="Freeform: Shape 9">
-            <a:extLst>
-              <a:ext uri="{FF2B5EF4-FFF2-40B4-BE49-F238E27FC236}">
-                <a16:creationId xmlns:a16="http://schemas.microsoft.com/office/drawing/2014/main" id="{83623ED0-DFBB-43C3-B94C-876364D9FA4C}"/>
-              </a:ext>
-              <a:ext uri="{C183D7F6-B498-43B3-948B-1728B52AA6E4}">
-                <adec:decorative xmlns:adec="http://schemas.microsoft.com/office/drawing/2017/decorative" val="1"/>
-              </a:ext>
-            </a:extLst>
-          </p:cNvPr>
-          <p:cNvSpPr>
-            <a:spLocks noGrp="1" noRot="1" noChangeAspect="1" noMove="1" noResize="1" noEditPoints="1" noAdjustHandles="1" noChangeArrowheads="1" noChangeShapeType="1" noTextEdit="1"/>
-          </p:cNvSpPr>
-          <p:nvPr>
-            <p:extLst>
-              <p:ext uri="{386F3935-93C4-4BCD-93E2-E3B085C9AB24}">
-                <p16:designElem xmlns:p16="http://schemas.microsoft.com/office/powerpoint/2015/main" val="1"/>
-              </p:ext>
-            </p:extLst>
-          </p:nvPr>
-        </p:nvSpPr>
-        <p:spPr>
-          <a:xfrm>
-            <a:off x="1" y="0"/>
-            <a:ext cx="4167271" cy="6858000"/>
-          </a:xfrm>
-          <a:custGeom>
-            <a:avLst/>
-            <a:gdLst>
-              <a:gd name="connsiteX0" fmla="*/ 0 w 4167271"/>
-              <a:gd name="connsiteY0" fmla="*/ 0 h 6858000"/>
-              <a:gd name="connsiteX1" fmla="*/ 2259550 w 4167271"/>
-              <a:gd name="connsiteY1" fmla="*/ 0 h 6858000"/>
-              <a:gd name="connsiteX2" fmla="*/ 2387803 w 4167271"/>
-              <a:gd name="connsiteY2" fmla="*/ 82222 h 6858000"/>
-              <a:gd name="connsiteX3" fmla="*/ 4167271 w 4167271"/>
-              <a:gd name="connsiteY3" fmla="*/ 3429000 h 6858000"/>
-              <a:gd name="connsiteX4" fmla="*/ 2387803 w 4167271"/>
-              <a:gd name="connsiteY4" fmla="*/ 6775779 h 6858000"/>
-              <a:gd name="connsiteX5" fmla="*/ 2259550 w 4167271"/>
-              <a:gd name="connsiteY5" fmla="*/ 6858000 h 6858000"/>
-              <a:gd name="connsiteX6" fmla="*/ 0 w 4167271"/>
-              <a:gd name="connsiteY6" fmla="*/ 6858000 h 6858000"/>
-            </a:gdLst>
-            <a:ahLst/>
-            <a:cxnLst>
-              <a:cxn ang="0">
-                <a:pos x="connsiteX0" y="connsiteY0"/>
-              </a:cxn>
-              <a:cxn ang="0">
-                <a:pos x="connsiteX1" y="connsiteY1"/>
-              </a:cxn>
-              <a:cxn ang="0">
-                <a:pos x="connsiteX2" y="connsiteY2"/>
-              </a:cxn>
-              <a:cxn ang="0">
-                <a:pos x="connsiteX3" y="connsiteY3"/>
-              </a:cxn>
-              <a:cxn ang="0">
-                <a:pos x="connsiteX4" y="connsiteY4"/>
-              </a:cxn>
-              <a:cxn ang="0">
-                <a:pos x="connsiteX5" y="connsiteY5"/>
-              </a:cxn>
-              <a:cxn ang="0">
-                <a:pos x="connsiteX6" y="connsiteY6"/>
-              </a:cxn>
-            </a:cxnLst>
-            <a:rect l="l" t="t" r="r" b="b"/>
-            <a:pathLst>
-              <a:path w="4167271" h="6858000">
-                <a:moveTo>
-                  <a:pt x="0" y="0"/>
-                </a:moveTo>
-                <a:lnTo>
-                  <a:pt x="2259550" y="0"/>
-                </a:lnTo>
-                <a:lnTo>
-                  <a:pt x="2387803" y="82222"/>
-                </a:lnTo>
-                <a:cubicBezTo>
-                  <a:pt x="3461407" y="807534"/>
-                  <a:pt x="4167271" y="2035835"/>
-                  <a:pt x="4167271" y="3429000"/>
-                </a:cubicBezTo>
-                <a:cubicBezTo>
-                  <a:pt x="4167271" y="4822165"/>
-                  <a:pt x="3461407" y="6050467"/>
-                  <a:pt x="2387803" y="6775779"/>
-                </a:cubicBezTo>
-                <a:lnTo>
-                  <a:pt x="2259550" y="6858000"/>
-                </a:lnTo>
-                <a:lnTo>
-                  <a:pt x="0" y="6858000"/>
-                </a:lnTo>
-                <a:close/>
-              </a:path>
-            </a:pathLst>
-          </a:custGeom>
-          <a:solidFill>
-            <a:schemeClr val="accent2"/>
-          </a:solidFill>
-          <a:ln>
-            <a:noFill/>
-          </a:ln>
-        </p:spPr>
-        <p:style>
-          <a:lnRef idx="2">
-            <a:schemeClr val="accent1">
-              <a:shade val="50000"/>
-            </a:schemeClr>
-          </a:lnRef>
-          <a:fillRef idx="1">
-            <a:schemeClr val="accent1"/>
-          </a:fillRef>
-          <a:effectRef idx="0">
-            <a:schemeClr val="accent1"/>
-          </a:effectRef>
-          <a:fontRef idx="minor">
-            <a:schemeClr val="lt1"/>
-          </a:fontRef>
-        </p:style>
-        <p:txBody>
-          <a:bodyPr rtlCol="0" anchor="ctr"/>
-          <a:lstStyle/>
-          <a:p>
-            <a:pPr algn="ctr"/>
-            <a:endParaRPr lang="en-US"/>
-          </a:p>
-        </p:txBody>
-      </p:sp>
-      <p:sp>
-        <p:nvSpPr>
-          <p:cNvPr id="2" name="Título 1">
-            <a:extLst>
-              <a:ext uri="{FF2B5EF4-FFF2-40B4-BE49-F238E27FC236}">
-                <a16:creationId xmlns:a16="http://schemas.microsoft.com/office/drawing/2014/main" id="{1BD04CB2-7113-E6EA-39CA-82B9B92D88B1}"/>
-              </a:ext>
-            </a:extLst>
-          </p:cNvPr>
-          <p:cNvSpPr>
-            <a:spLocks noGrp="1"/>
-          </p:cNvSpPr>
-          <p:nvPr>
-            <p:ph type="title"/>
-          </p:nvPr>
-        </p:nvSpPr>
-        <p:spPr>
-          <a:xfrm>
-            <a:off x="195129" y="1101813"/>
-            <a:ext cx="3200400" cy="4461163"/>
-          </a:xfrm>
-        </p:spPr>
-        <p:txBody>
-          <a:bodyPr>
-            <a:normAutofit/>
-          </a:bodyPr>
-          <a:lstStyle/>
-          <a:p>
-            <a:r>
-              <a:rPr lang="pt-BR" dirty="0">
-                <a:solidFill>
-                  <a:srgbClr val="FFFFFF"/>
-                </a:solidFill>
-              </a:rPr>
-              <a:t>Principais conceitos da POO:</a:t>
-            </a:r>
-            <a:br>
-              <a:rPr lang="pt-BR" dirty="0">
-                <a:solidFill>
-                  <a:srgbClr val="FFFFFF"/>
-                </a:solidFill>
-              </a:rPr>
-            </a:br>
-            <a:r>
-              <a:rPr lang="pt-BR" dirty="0">
-                <a:solidFill>
-                  <a:srgbClr val="FFFF00"/>
-                </a:solidFill>
-              </a:rPr>
-              <a:t>Herança</a:t>
-            </a:r>
-          </a:p>
-        </p:txBody>
-      </p:sp>
-      <p:sp>
-        <p:nvSpPr>
-          <p:cNvPr id="12" name="Arc 11">
-            <a:extLst>
-              <a:ext uri="{FF2B5EF4-FFF2-40B4-BE49-F238E27FC236}">
-                <a16:creationId xmlns:a16="http://schemas.microsoft.com/office/drawing/2014/main" id="{703C9269-DD9C-9ADA-837D-2E0C9E482A84}"/>
-              </a:ext>
-              <a:ext uri="{C183D7F6-B498-43B3-948B-1728B52AA6E4}">
-                <adec:decorative xmlns:adec="http://schemas.microsoft.com/office/drawing/2017/decorative" val="1"/>
-              </a:ext>
-            </a:extLst>
-          </p:cNvPr>
-          <p:cNvSpPr>
-            <a:spLocks noGrp="1" noRot="1" noChangeAspect="1" noMove="1" noResize="1" noEditPoints="1" noAdjustHandles="1" noChangeArrowheads="1" noChangeShapeType="1" noTextEdit="1"/>
-          </p:cNvSpPr>
-          <p:nvPr>
-            <p:extLst>
-              <p:ext uri="{386F3935-93C4-4BCD-93E2-E3B085C9AB24}">
-                <p16:designElem xmlns:p16="http://schemas.microsoft.com/office/powerpoint/2015/main" val="1"/>
-              </p:ext>
-            </p:extLst>
-          </p:nvPr>
-        </p:nvSpPr>
-        <p:spPr>
-          <a:xfrm flipV="1">
-            <a:off x="7550402" y="2455479"/>
-            <a:ext cx="4083433" cy="4083433"/>
-          </a:xfrm>
-          <a:prstGeom prst="arc">
-            <a:avLst/>
-          </a:prstGeom>
-          <a:ln w="127000" cap="rnd">
-            <a:solidFill>
-              <a:schemeClr val="accent4"/>
-            </a:solidFill>
-            <a:prstDash val="dash"/>
-          </a:ln>
-        </p:spPr>
-        <p:style>
-          <a:lnRef idx="1">
-            <a:schemeClr val="accent1"/>
-          </a:lnRef>
-          <a:fillRef idx="0">
-            <a:schemeClr val="accent1"/>
-          </a:fillRef>
-          <a:effectRef idx="0">
-            <a:schemeClr val="accent1"/>
-          </a:effectRef>
-          <a:fontRef idx="minor">
-            <a:schemeClr val="tx1"/>
-          </a:fontRef>
-        </p:style>
-        <p:txBody>
-          <a:bodyPr rtlCol="0" anchor="ctr"/>
-          <a:lstStyle/>
-          <a:p>
-            <a:pPr algn="ctr"/>
-            <a:endParaRPr lang="en-US" dirty="0"/>
-          </a:p>
-        </p:txBody>
-      </p:sp>
-      <p:sp>
-        <p:nvSpPr>
-          <p:cNvPr id="3" name="Espaço Reservado para Conteúdo 2">
-            <a:extLst>
-              <a:ext uri="{FF2B5EF4-FFF2-40B4-BE49-F238E27FC236}">
-                <a16:creationId xmlns:a16="http://schemas.microsoft.com/office/drawing/2014/main" id="{D842F621-AF61-F92D-E664-DA4256D9D1AD}"/>
-              </a:ext>
-            </a:extLst>
-          </p:cNvPr>
-          <p:cNvSpPr>
-            <a:spLocks noGrp="1"/>
-          </p:cNvSpPr>
-          <p:nvPr>
-            <p:ph idx="1"/>
-          </p:nvPr>
-        </p:nvSpPr>
-        <p:spPr>
-          <a:xfrm>
-            <a:off x="4193434" y="331667"/>
-            <a:ext cx="6906491" cy="3097333"/>
-          </a:xfrm>
-        </p:spPr>
-        <p:txBody>
-          <a:bodyPr anchor="ctr">
-            <a:normAutofit/>
-          </a:bodyPr>
-          <a:lstStyle/>
-          <a:p>
-            <a:r>
-              <a:rPr lang="pt-BR" dirty="0"/>
-              <a:t>O que é herança ?</a:t>
-            </a:r>
-          </a:p>
-          <a:p>
-            <a:r>
-              <a:rPr lang="pt-BR" dirty="0"/>
-              <a:t>Qual o propósito ?</a:t>
-            </a:r>
-          </a:p>
-          <a:p>
-            <a:r>
-              <a:rPr lang="pt-BR" dirty="0"/>
-              <a:t>Hierarquia de classes</a:t>
-            </a:r>
-          </a:p>
-          <a:p>
-            <a:r>
-              <a:rPr lang="pt-BR" dirty="0"/>
-              <a:t>Exemplos</a:t>
-            </a:r>
-          </a:p>
-        </p:txBody>
-      </p:sp>
-      <p:pic>
-        <p:nvPicPr>
-          <p:cNvPr id="4" name="Imagem 3" descr="Logotipo, nome da empresa&#10;&#10;Descrição gerada automaticamente">
-            <a:extLst>
-              <a:ext uri="{FF2B5EF4-FFF2-40B4-BE49-F238E27FC236}">
-                <a16:creationId xmlns:a16="http://schemas.microsoft.com/office/drawing/2014/main" id="{FCFBA3CA-491A-A18F-DCC7-55FE7A7D81DC}"/>
-              </a:ext>
-            </a:extLst>
-          </p:cNvPr>
-          <p:cNvPicPr>
-            <a:picLocks noChangeAspect="1"/>
-          </p:cNvPicPr>
-          <p:nvPr/>
-        </p:nvPicPr>
-        <p:blipFill>
-          <a:blip r:embed="rId2"/>
-          <a:stretch>
-            <a:fillRect/>
-          </a:stretch>
-        </p:blipFill>
-        <p:spPr>
-          <a:xfrm>
-            <a:off x="11099925" y="5824981"/>
-            <a:ext cx="1065914" cy="1065914"/>
-          </a:xfrm>
-          <a:custGeom>
-            <a:avLst/>
-            <a:gdLst/>
-            <a:ahLst/>
-            <a:cxnLst/>
-            <a:rect l="l" t="t" r="r" b="b"/>
-            <a:pathLst>
-              <a:path w="2833631" h="2677010">
-                <a:moveTo>
-                  <a:pt x="49418" y="0"/>
-                </a:moveTo>
-                <a:lnTo>
-                  <a:pt x="2784213" y="0"/>
-                </a:lnTo>
-                <a:cubicBezTo>
-                  <a:pt x="2811506" y="0"/>
-                  <a:pt x="2833631" y="22125"/>
-                  <a:pt x="2833631" y="49418"/>
-                </a:cubicBezTo>
-                <a:lnTo>
-                  <a:pt x="2833631" y="2627592"/>
-                </a:lnTo>
-                <a:cubicBezTo>
-                  <a:pt x="2833631" y="2654885"/>
-                  <a:pt x="2811506" y="2677010"/>
-                  <a:pt x="2784213" y="2677010"/>
-                </a:cubicBezTo>
-                <a:lnTo>
-                  <a:pt x="49418" y="2677010"/>
-                </a:lnTo>
-                <a:cubicBezTo>
-                  <a:pt x="22125" y="2677010"/>
-                  <a:pt x="0" y="2654885"/>
-                  <a:pt x="0" y="2627592"/>
-                </a:cubicBezTo>
-                <a:lnTo>
-                  <a:pt x="0" y="49418"/>
-                </a:lnTo>
-                <a:cubicBezTo>
-                  <a:pt x="0" y="22125"/>
-                  <a:pt x="22125" y="0"/>
-                  <a:pt x="49418" y="0"/>
-                </a:cubicBezTo>
-                <a:close/>
-              </a:path>
-            </a:pathLst>
-          </a:custGeom>
-        </p:spPr>
-      </p:pic>
-    </p:spTree>
-    <p:extLst>
-      <p:ext uri="{BB962C8B-B14F-4D97-AF65-F5344CB8AC3E}">
-        <p14:creationId xmlns:p14="http://schemas.microsoft.com/office/powerpoint/2010/main" val="820364426"/>
-      </p:ext>
-    </p:extLst>
-  </p:cSld>
-  <p:clrMapOvr>
-    <a:masterClrMapping/>
-  </p:clrMapOvr>
-</p:sld>
-</file>
-
-<file path=ppt/slides/slide6.xml><?xml version="1.0" encoding="utf-8"?>
-<p:sld xmlns:a="http://schemas.openxmlformats.org/drawingml/2006/main" xmlns:r="http://schemas.openxmlformats.org/officeDocument/2006/relationships" xmlns:p="http://schemas.openxmlformats.org/presentationml/2006/main">
-  <p:cSld>
-    <p:bg>
-      <p:bgPr>
-        <a:solidFill>
-          <a:schemeClr val="bg1"/>
-        </a:solidFill>
-        <a:effectLst/>
-      </p:bgPr>
-    </p:bg>
-    <p:spTree>
-      <p:nvGrpSpPr>
-        <p:cNvPr id="1" name="">
-          <a:extLst>
-            <a:ext uri="{FF2B5EF4-FFF2-40B4-BE49-F238E27FC236}">
-              <a16:creationId xmlns:a16="http://schemas.microsoft.com/office/drawing/2014/main" id="{E6F34019-234C-018D-6BE5-65C94A68A42C}"/>
-            </a:ext>
-          </a:extLst>
-        </p:cNvPr>
-        <p:cNvGrpSpPr/>
-        <p:nvPr/>
-      </p:nvGrpSpPr>
-      <p:grpSpPr>
-        <a:xfrm>
-          <a:off x="0" y="0"/>
-          <a:ext cx="0" cy="0"/>
-          <a:chOff x="0" y="0"/>
-          <a:chExt cx="0" cy="0"/>
-        </a:xfrm>
-      </p:grpSpPr>
-      <p:sp useBgFill="1">
-        <p:nvSpPr>
-          <p:cNvPr id="8" name="Rectangle 7">
-            <a:extLst>
-              <a:ext uri="{FF2B5EF4-FFF2-40B4-BE49-F238E27FC236}">
-                <a16:creationId xmlns:a16="http://schemas.microsoft.com/office/drawing/2014/main" id="{545F40CA-F38F-69B3-A141-609E0239AD00}"/>
-              </a:ext>
-              <a:ext uri="{C183D7F6-B498-43B3-948B-1728B52AA6E4}">
-                <adec:decorative xmlns:adec="http://schemas.microsoft.com/office/drawing/2017/decorative" val="1"/>
-              </a:ext>
-            </a:extLst>
-          </p:cNvPr>
-          <p:cNvSpPr>
-            <a:spLocks noGrp="1" noRot="1" noChangeAspect="1" noMove="1" noResize="1" noEditPoints="1" noAdjustHandles="1" noChangeArrowheads="1" noChangeShapeType="1" noTextEdit="1"/>
-          </p:cNvSpPr>
-          <p:nvPr>
-            <p:extLst>
-              <p:ext uri="{386F3935-93C4-4BCD-93E2-E3B085C9AB24}">
-                <p16:designElem xmlns:p16="http://schemas.microsoft.com/office/powerpoint/2015/main" val="1"/>
-              </p:ext>
-            </p:extLst>
-          </p:nvPr>
-        </p:nvSpPr>
-        <p:spPr>
-          <a:xfrm>
-            <a:off x="3048" y="0"/>
-            <a:ext cx="12188952" cy="6858000"/>
-          </a:xfrm>
-          <a:prstGeom prst="rect">
-            <a:avLst/>
-          </a:prstGeom>
-          <a:ln>
-            <a:noFill/>
-          </a:ln>
-        </p:spPr>
-        <p:style>
-          <a:lnRef idx="2">
-            <a:schemeClr val="accent1">
-              <a:shade val="50000"/>
-            </a:schemeClr>
-          </a:lnRef>
-          <a:fillRef idx="1">
-            <a:schemeClr val="accent1"/>
-          </a:fillRef>
-          <a:effectRef idx="0">
-            <a:schemeClr val="accent1"/>
-          </a:effectRef>
-          <a:fontRef idx="minor">
-            <a:schemeClr val="lt1"/>
-          </a:fontRef>
-        </p:style>
-        <p:txBody>
-          <a:bodyPr rtlCol="0" anchor="ctr"/>
-          <a:lstStyle/>
-          <a:p>
-            <a:pPr algn="ctr"/>
-            <a:endParaRPr lang="en-US"/>
-          </a:p>
-        </p:txBody>
-      </p:sp>
-      <p:sp>
-        <p:nvSpPr>
-          <p:cNvPr id="10" name="Freeform: Shape 9">
-            <a:extLst>
-              <a:ext uri="{FF2B5EF4-FFF2-40B4-BE49-F238E27FC236}">
-                <a16:creationId xmlns:a16="http://schemas.microsoft.com/office/drawing/2014/main" id="{2438B4FB-E541-8D72-DF63-3149B20DB03B}"/>
-              </a:ext>
-              <a:ext uri="{C183D7F6-B498-43B3-948B-1728B52AA6E4}">
-                <adec:decorative xmlns:adec="http://schemas.microsoft.com/office/drawing/2017/decorative" val="1"/>
-              </a:ext>
-            </a:extLst>
-          </p:cNvPr>
-          <p:cNvSpPr>
-            <a:spLocks noGrp="1" noRot="1" noChangeAspect="1" noMove="1" noResize="1" noEditPoints="1" noAdjustHandles="1" noChangeArrowheads="1" noChangeShapeType="1" noTextEdit="1"/>
-          </p:cNvSpPr>
-          <p:nvPr>
-            <p:extLst>
-              <p:ext uri="{386F3935-93C4-4BCD-93E2-E3B085C9AB24}">
-                <p16:designElem xmlns:p16="http://schemas.microsoft.com/office/powerpoint/2015/main" val="1"/>
-              </p:ext>
-            </p:extLst>
-          </p:nvPr>
-        </p:nvSpPr>
-        <p:spPr>
-          <a:xfrm>
-            <a:off x="1" y="0"/>
-            <a:ext cx="4167271" cy="6858000"/>
-          </a:xfrm>
-          <a:custGeom>
-            <a:avLst/>
-            <a:gdLst>
-              <a:gd name="connsiteX0" fmla="*/ 0 w 4167271"/>
-              <a:gd name="connsiteY0" fmla="*/ 0 h 6858000"/>
-              <a:gd name="connsiteX1" fmla="*/ 2259550 w 4167271"/>
-              <a:gd name="connsiteY1" fmla="*/ 0 h 6858000"/>
-              <a:gd name="connsiteX2" fmla="*/ 2387803 w 4167271"/>
-              <a:gd name="connsiteY2" fmla="*/ 82222 h 6858000"/>
-              <a:gd name="connsiteX3" fmla="*/ 4167271 w 4167271"/>
-              <a:gd name="connsiteY3" fmla="*/ 3429000 h 6858000"/>
-              <a:gd name="connsiteX4" fmla="*/ 2387803 w 4167271"/>
-              <a:gd name="connsiteY4" fmla="*/ 6775779 h 6858000"/>
-              <a:gd name="connsiteX5" fmla="*/ 2259550 w 4167271"/>
-              <a:gd name="connsiteY5" fmla="*/ 6858000 h 6858000"/>
-              <a:gd name="connsiteX6" fmla="*/ 0 w 4167271"/>
-              <a:gd name="connsiteY6" fmla="*/ 6858000 h 6858000"/>
-            </a:gdLst>
-            <a:ahLst/>
-            <a:cxnLst>
-              <a:cxn ang="0">
-                <a:pos x="connsiteX0" y="connsiteY0"/>
-              </a:cxn>
-              <a:cxn ang="0">
-                <a:pos x="connsiteX1" y="connsiteY1"/>
-              </a:cxn>
-              <a:cxn ang="0">
-                <a:pos x="connsiteX2" y="connsiteY2"/>
-              </a:cxn>
-              <a:cxn ang="0">
-                <a:pos x="connsiteX3" y="connsiteY3"/>
-              </a:cxn>
-              <a:cxn ang="0">
-                <a:pos x="connsiteX4" y="connsiteY4"/>
-              </a:cxn>
-              <a:cxn ang="0">
-                <a:pos x="connsiteX5" y="connsiteY5"/>
-              </a:cxn>
-              <a:cxn ang="0">
-                <a:pos x="connsiteX6" y="connsiteY6"/>
-              </a:cxn>
-            </a:cxnLst>
-            <a:rect l="l" t="t" r="r" b="b"/>
-            <a:pathLst>
-              <a:path w="4167271" h="6858000">
-                <a:moveTo>
-                  <a:pt x="0" y="0"/>
-                </a:moveTo>
-                <a:lnTo>
-                  <a:pt x="2259550" y="0"/>
-                </a:lnTo>
-                <a:lnTo>
-                  <a:pt x="2387803" y="82222"/>
-                </a:lnTo>
-                <a:cubicBezTo>
-                  <a:pt x="3461407" y="807534"/>
-                  <a:pt x="4167271" y="2035835"/>
-                  <a:pt x="4167271" y="3429000"/>
-                </a:cubicBezTo>
-                <a:cubicBezTo>
-                  <a:pt x="4167271" y="4822165"/>
-                  <a:pt x="3461407" y="6050467"/>
-                  <a:pt x="2387803" y="6775779"/>
-                </a:cubicBezTo>
-                <a:lnTo>
-                  <a:pt x="2259550" y="6858000"/>
-                </a:lnTo>
-                <a:lnTo>
-                  <a:pt x="0" y="6858000"/>
-                </a:lnTo>
-                <a:close/>
-              </a:path>
-            </a:pathLst>
-          </a:custGeom>
-          <a:solidFill>
-            <a:schemeClr val="accent2"/>
-          </a:solidFill>
-          <a:ln>
-            <a:noFill/>
-          </a:ln>
-        </p:spPr>
-        <p:style>
-          <a:lnRef idx="2">
-            <a:schemeClr val="accent1">
-              <a:shade val="50000"/>
-            </a:schemeClr>
-          </a:lnRef>
-          <a:fillRef idx="1">
-            <a:schemeClr val="accent1"/>
-          </a:fillRef>
-          <a:effectRef idx="0">
-            <a:schemeClr val="accent1"/>
-          </a:effectRef>
-          <a:fontRef idx="minor">
-            <a:schemeClr val="lt1"/>
-          </a:fontRef>
-        </p:style>
-        <p:txBody>
-          <a:bodyPr rtlCol="0" anchor="ctr"/>
-          <a:lstStyle/>
-          <a:p>
-            <a:pPr algn="ctr"/>
-            <a:endParaRPr lang="en-US"/>
-          </a:p>
-        </p:txBody>
-      </p:sp>
-      <p:sp>
-        <p:nvSpPr>
-          <p:cNvPr id="2" name="Título 1">
-            <a:extLst>
-              <a:ext uri="{FF2B5EF4-FFF2-40B4-BE49-F238E27FC236}">
-                <a16:creationId xmlns:a16="http://schemas.microsoft.com/office/drawing/2014/main" id="{F5D50A7A-27C1-5B6A-4D08-0E4C947DD86D}"/>
-              </a:ext>
-            </a:extLst>
-          </p:cNvPr>
-          <p:cNvSpPr>
-            <a:spLocks noGrp="1"/>
-          </p:cNvSpPr>
-          <p:nvPr>
-            <p:ph type="title"/>
-          </p:nvPr>
-        </p:nvSpPr>
-        <p:spPr>
-          <a:xfrm>
-            <a:off x="238260" y="1093188"/>
-            <a:ext cx="3200400" cy="4461163"/>
-          </a:xfrm>
-        </p:spPr>
-        <p:txBody>
-          <a:bodyPr>
-            <a:normAutofit/>
-          </a:bodyPr>
-          <a:lstStyle/>
-          <a:p>
-            <a:r>
-              <a:rPr lang="pt-BR" dirty="0">
-                <a:solidFill>
-                  <a:srgbClr val="FFFFFF"/>
-                </a:solidFill>
-              </a:rPr>
-              <a:t>Principais conceitos da POO:</a:t>
-            </a:r>
-            <a:br>
-              <a:rPr lang="pt-BR" dirty="0">
-                <a:solidFill>
-                  <a:srgbClr val="FFFFFF"/>
-                </a:solidFill>
-              </a:rPr>
-            </a:br>
-            <a:r>
-              <a:rPr lang="pt-BR" dirty="0">
-                <a:solidFill>
-                  <a:srgbClr val="FFFF00"/>
-                </a:solidFill>
-              </a:rPr>
-              <a:t>Polimorfismo</a:t>
-            </a:r>
-          </a:p>
-        </p:txBody>
-      </p:sp>
-      <p:sp>
-        <p:nvSpPr>
-          <p:cNvPr id="12" name="Arc 11">
-            <a:extLst>
-              <a:ext uri="{FF2B5EF4-FFF2-40B4-BE49-F238E27FC236}">
-                <a16:creationId xmlns:a16="http://schemas.microsoft.com/office/drawing/2014/main" id="{0C2A184C-4961-E3EE-8386-30372B766794}"/>
-              </a:ext>
-              <a:ext uri="{C183D7F6-B498-43B3-948B-1728B52AA6E4}">
-                <adec:decorative xmlns:adec="http://schemas.microsoft.com/office/drawing/2017/decorative" val="1"/>
-              </a:ext>
-            </a:extLst>
-          </p:cNvPr>
-          <p:cNvSpPr>
-            <a:spLocks noGrp="1" noRot="1" noChangeAspect="1" noMove="1" noResize="1" noEditPoints="1" noAdjustHandles="1" noChangeArrowheads="1" noChangeShapeType="1" noTextEdit="1"/>
-          </p:cNvSpPr>
-          <p:nvPr>
-            <p:extLst>
-              <p:ext uri="{386F3935-93C4-4BCD-93E2-E3B085C9AB24}">
-                <p16:designElem xmlns:p16="http://schemas.microsoft.com/office/powerpoint/2015/main" val="1"/>
-              </p:ext>
-            </p:extLst>
-          </p:nvPr>
-        </p:nvSpPr>
-        <p:spPr>
-          <a:xfrm flipV="1">
-            <a:off x="7550402" y="2455479"/>
-            <a:ext cx="4083433" cy="4083433"/>
-          </a:xfrm>
-          <a:prstGeom prst="arc">
-            <a:avLst/>
-          </a:prstGeom>
-          <a:ln w="127000" cap="rnd">
-            <a:solidFill>
-              <a:schemeClr val="accent4"/>
-            </a:solidFill>
-            <a:prstDash val="dash"/>
-          </a:ln>
-        </p:spPr>
-        <p:style>
-          <a:lnRef idx="1">
-            <a:schemeClr val="accent1"/>
-          </a:lnRef>
-          <a:fillRef idx="0">
-            <a:schemeClr val="accent1"/>
-          </a:fillRef>
-          <a:effectRef idx="0">
-            <a:schemeClr val="accent1"/>
-          </a:effectRef>
-          <a:fontRef idx="minor">
-            <a:schemeClr val="tx1"/>
-          </a:fontRef>
-        </p:style>
-        <p:txBody>
-          <a:bodyPr rtlCol="0" anchor="ctr"/>
-          <a:lstStyle/>
-          <a:p>
-            <a:pPr algn="ctr"/>
-            <a:endParaRPr lang="en-US" dirty="0"/>
-          </a:p>
-        </p:txBody>
-      </p:sp>
-      <p:sp>
-        <p:nvSpPr>
-          <p:cNvPr id="3" name="Espaço Reservado para Conteúdo 2">
-            <a:extLst>
-              <a:ext uri="{FF2B5EF4-FFF2-40B4-BE49-F238E27FC236}">
-                <a16:creationId xmlns:a16="http://schemas.microsoft.com/office/drawing/2014/main" id="{FA6289AC-B478-35A1-807B-839EC1855B2B}"/>
-              </a:ext>
-            </a:extLst>
-          </p:cNvPr>
-          <p:cNvSpPr>
-            <a:spLocks noGrp="1"/>
-          </p:cNvSpPr>
-          <p:nvPr>
-            <p:ph idx="1"/>
-          </p:nvPr>
-        </p:nvSpPr>
-        <p:spPr>
-          <a:xfrm>
-            <a:off x="4193434" y="331667"/>
-            <a:ext cx="6906491" cy="3097333"/>
-          </a:xfrm>
-        </p:spPr>
-        <p:txBody>
-          <a:bodyPr anchor="ctr">
-            <a:normAutofit/>
-          </a:bodyPr>
-          <a:lstStyle/>
-          <a:p>
-            <a:r>
-              <a:rPr lang="pt-BR" dirty="0"/>
-              <a:t>O que é polimorfismo ?</a:t>
-            </a:r>
-          </a:p>
-          <a:p>
-            <a:r>
-              <a:rPr lang="pt-BR" dirty="0"/>
-              <a:t>Sobrecarga e sobreposição ?</a:t>
-            </a:r>
-          </a:p>
-          <a:p>
-            <a:r>
-              <a:rPr lang="pt-BR" dirty="0"/>
-              <a:t>Exemplos</a:t>
-            </a:r>
-          </a:p>
-        </p:txBody>
-      </p:sp>
-      <p:pic>
-        <p:nvPicPr>
-          <p:cNvPr id="4" name="Imagem 3" descr="Logotipo, nome da empresa&#10;&#10;Descrição gerada automaticamente">
-            <a:extLst>
-              <a:ext uri="{FF2B5EF4-FFF2-40B4-BE49-F238E27FC236}">
-                <a16:creationId xmlns:a16="http://schemas.microsoft.com/office/drawing/2014/main" id="{F04A67F5-9372-C682-3F61-7EE243540B8B}"/>
-              </a:ext>
-            </a:extLst>
-          </p:cNvPr>
-          <p:cNvPicPr>
-            <a:picLocks noChangeAspect="1"/>
-          </p:cNvPicPr>
-          <p:nvPr/>
-        </p:nvPicPr>
-        <p:blipFill>
-          <a:blip r:embed="rId2"/>
-          <a:stretch>
-            <a:fillRect/>
-          </a:stretch>
-        </p:blipFill>
-        <p:spPr>
-          <a:xfrm>
-            <a:off x="11099925" y="5824981"/>
-            <a:ext cx="1065914" cy="1065914"/>
-          </a:xfrm>
-          <a:custGeom>
-            <a:avLst/>
-            <a:gdLst/>
-            <a:ahLst/>
-            <a:cxnLst/>
-            <a:rect l="l" t="t" r="r" b="b"/>
-            <a:pathLst>
-              <a:path w="2833631" h="2677010">
-                <a:moveTo>
-                  <a:pt x="49418" y="0"/>
-                </a:moveTo>
-                <a:lnTo>
-                  <a:pt x="2784213" y="0"/>
-                </a:lnTo>
-                <a:cubicBezTo>
-                  <a:pt x="2811506" y="0"/>
-                  <a:pt x="2833631" y="22125"/>
-                  <a:pt x="2833631" y="49418"/>
-                </a:cubicBezTo>
-                <a:lnTo>
-                  <a:pt x="2833631" y="2627592"/>
-                </a:lnTo>
-                <a:cubicBezTo>
-                  <a:pt x="2833631" y="2654885"/>
-                  <a:pt x="2811506" y="2677010"/>
-                  <a:pt x="2784213" y="2677010"/>
-                </a:cubicBezTo>
-                <a:lnTo>
-                  <a:pt x="49418" y="2677010"/>
-                </a:lnTo>
-                <a:cubicBezTo>
-                  <a:pt x="22125" y="2677010"/>
-                  <a:pt x="0" y="2654885"/>
-                  <a:pt x="0" y="2627592"/>
-                </a:cubicBezTo>
-                <a:lnTo>
-                  <a:pt x="0" y="49418"/>
-                </a:lnTo>
-                <a:cubicBezTo>
-                  <a:pt x="0" y="22125"/>
-                  <a:pt x="22125" y="0"/>
-                  <a:pt x="49418" y="0"/>
-                </a:cubicBezTo>
-                <a:close/>
-              </a:path>
-            </a:pathLst>
-          </a:custGeom>
-        </p:spPr>
-      </p:pic>
-    </p:spTree>
-    <p:extLst>
-      <p:ext uri="{BB962C8B-B14F-4D97-AF65-F5344CB8AC3E}">
-        <p14:creationId xmlns:p14="http://schemas.microsoft.com/office/powerpoint/2010/main" val="563319661"/>
-      </p:ext>
-    </p:extLst>
-  </p:cSld>
-  <p:clrMapOvr>
-    <a:masterClrMapping/>
-  </p:clrMapOvr>
-</p:sld>
-</file>
-
-<file path=ppt/slides/slide7.xml><?xml version="1.0" encoding="utf-8"?>
-<p:sld xmlns:a="http://schemas.openxmlformats.org/drawingml/2006/main" xmlns:r="http://schemas.openxmlformats.org/officeDocument/2006/relationships" xmlns:p="http://schemas.openxmlformats.org/presentationml/2006/main">
-  <p:cSld>
-    <p:bg>
-      <p:bgPr>
-        <a:solidFill>
-          <a:schemeClr val="bg1"/>
-        </a:solidFill>
-        <a:effectLst/>
-      </p:bgPr>
-    </p:bg>
-    <p:spTree>
-      <p:nvGrpSpPr>
-        <p:cNvPr id="1" name="">
-          <a:extLst>
-            <a:ext uri="{FF2B5EF4-FFF2-40B4-BE49-F238E27FC236}">
-              <a16:creationId xmlns:a16="http://schemas.microsoft.com/office/drawing/2014/main" id="{7DF1D0CC-0DDA-C739-B83C-DC78C98D933C}"/>
-            </a:ext>
-          </a:extLst>
-        </p:cNvPr>
-        <p:cNvGrpSpPr/>
-        <p:nvPr/>
-      </p:nvGrpSpPr>
-      <p:grpSpPr>
-        <a:xfrm>
-          <a:off x="0" y="0"/>
-          <a:ext cx="0" cy="0"/>
-          <a:chOff x="0" y="0"/>
-          <a:chExt cx="0" cy="0"/>
-        </a:xfrm>
-      </p:grpSpPr>
-      <p:sp useBgFill="1">
-        <p:nvSpPr>
-          <p:cNvPr id="8" name="Rectangle 7">
-            <a:extLst>
-              <a:ext uri="{FF2B5EF4-FFF2-40B4-BE49-F238E27FC236}">
-                <a16:creationId xmlns:a16="http://schemas.microsoft.com/office/drawing/2014/main" id="{B4B8D680-2448-4195-E42D-AEA576A7E43A}"/>
-              </a:ext>
-              <a:ext uri="{C183D7F6-B498-43B3-948B-1728B52AA6E4}">
-                <adec:decorative xmlns:adec="http://schemas.microsoft.com/office/drawing/2017/decorative" val="1"/>
-              </a:ext>
-            </a:extLst>
-          </p:cNvPr>
-          <p:cNvSpPr>
-            <a:spLocks noGrp="1" noRot="1" noChangeAspect="1" noMove="1" noResize="1" noEditPoints="1" noAdjustHandles="1" noChangeArrowheads="1" noChangeShapeType="1" noTextEdit="1"/>
-          </p:cNvSpPr>
-          <p:nvPr>
-            <p:extLst>
-              <p:ext uri="{386F3935-93C4-4BCD-93E2-E3B085C9AB24}">
-                <p16:designElem xmlns:p16="http://schemas.microsoft.com/office/powerpoint/2015/main" val="1"/>
-              </p:ext>
-            </p:extLst>
-          </p:nvPr>
-        </p:nvSpPr>
-        <p:spPr>
-          <a:xfrm>
-            <a:off x="3048" y="0"/>
-            <a:ext cx="12188952" cy="6858000"/>
-          </a:xfrm>
-          <a:prstGeom prst="rect">
-            <a:avLst/>
-          </a:prstGeom>
-          <a:ln>
-            <a:noFill/>
-          </a:ln>
-        </p:spPr>
-        <p:style>
-          <a:lnRef idx="2">
-            <a:schemeClr val="accent1">
-              <a:shade val="50000"/>
-            </a:schemeClr>
-          </a:lnRef>
-          <a:fillRef idx="1">
-            <a:schemeClr val="accent1"/>
-          </a:fillRef>
-          <a:effectRef idx="0">
-            <a:schemeClr val="accent1"/>
-          </a:effectRef>
-          <a:fontRef idx="minor">
-            <a:schemeClr val="lt1"/>
-          </a:fontRef>
-        </p:style>
-        <p:txBody>
-          <a:bodyPr rtlCol="0" anchor="ctr"/>
-          <a:lstStyle/>
-          <a:p>
-            <a:pPr algn="ctr"/>
-            <a:endParaRPr lang="en-US"/>
-          </a:p>
-        </p:txBody>
-      </p:sp>
-      <p:sp>
-        <p:nvSpPr>
-          <p:cNvPr id="10" name="Freeform: Shape 9">
-            <a:extLst>
-              <a:ext uri="{FF2B5EF4-FFF2-40B4-BE49-F238E27FC236}">
-                <a16:creationId xmlns:a16="http://schemas.microsoft.com/office/drawing/2014/main" id="{4AA27276-7662-F9C6-D31D-B379332D7794}"/>
-              </a:ext>
-              <a:ext uri="{C183D7F6-B498-43B3-948B-1728B52AA6E4}">
-                <adec:decorative xmlns:adec="http://schemas.microsoft.com/office/drawing/2017/decorative" val="1"/>
-              </a:ext>
-            </a:extLst>
-          </p:cNvPr>
-          <p:cNvSpPr>
-            <a:spLocks noGrp="1" noRot="1" noChangeAspect="1" noMove="1" noResize="1" noEditPoints="1" noAdjustHandles="1" noChangeArrowheads="1" noChangeShapeType="1" noTextEdit="1"/>
-          </p:cNvSpPr>
-          <p:nvPr>
-            <p:extLst>
-              <p:ext uri="{386F3935-93C4-4BCD-93E2-E3B085C9AB24}">
-                <p16:designElem xmlns:p16="http://schemas.microsoft.com/office/powerpoint/2015/main" val="1"/>
-              </p:ext>
-            </p:extLst>
-          </p:nvPr>
-        </p:nvSpPr>
-        <p:spPr>
-          <a:xfrm>
-            <a:off x="1" y="0"/>
-            <a:ext cx="4167271" cy="6858000"/>
-          </a:xfrm>
-          <a:custGeom>
-            <a:avLst/>
-            <a:gdLst>
-              <a:gd name="connsiteX0" fmla="*/ 0 w 4167271"/>
-              <a:gd name="connsiteY0" fmla="*/ 0 h 6858000"/>
-              <a:gd name="connsiteX1" fmla="*/ 2259550 w 4167271"/>
-              <a:gd name="connsiteY1" fmla="*/ 0 h 6858000"/>
-              <a:gd name="connsiteX2" fmla="*/ 2387803 w 4167271"/>
-              <a:gd name="connsiteY2" fmla="*/ 82222 h 6858000"/>
-              <a:gd name="connsiteX3" fmla="*/ 4167271 w 4167271"/>
-              <a:gd name="connsiteY3" fmla="*/ 3429000 h 6858000"/>
-              <a:gd name="connsiteX4" fmla="*/ 2387803 w 4167271"/>
-              <a:gd name="connsiteY4" fmla="*/ 6775779 h 6858000"/>
-              <a:gd name="connsiteX5" fmla="*/ 2259550 w 4167271"/>
-              <a:gd name="connsiteY5" fmla="*/ 6858000 h 6858000"/>
-              <a:gd name="connsiteX6" fmla="*/ 0 w 4167271"/>
-              <a:gd name="connsiteY6" fmla="*/ 6858000 h 6858000"/>
-            </a:gdLst>
-            <a:ahLst/>
-            <a:cxnLst>
-              <a:cxn ang="0">
-                <a:pos x="connsiteX0" y="connsiteY0"/>
-              </a:cxn>
-              <a:cxn ang="0">
-                <a:pos x="connsiteX1" y="connsiteY1"/>
-              </a:cxn>
-              <a:cxn ang="0">
-                <a:pos x="connsiteX2" y="connsiteY2"/>
-              </a:cxn>
-              <a:cxn ang="0">
-                <a:pos x="connsiteX3" y="connsiteY3"/>
-              </a:cxn>
-              <a:cxn ang="0">
-                <a:pos x="connsiteX4" y="connsiteY4"/>
-              </a:cxn>
-              <a:cxn ang="0">
-                <a:pos x="connsiteX5" y="connsiteY5"/>
-              </a:cxn>
-              <a:cxn ang="0">
-                <a:pos x="connsiteX6" y="connsiteY6"/>
-              </a:cxn>
-            </a:cxnLst>
-            <a:rect l="l" t="t" r="r" b="b"/>
-            <a:pathLst>
-              <a:path w="4167271" h="6858000">
-                <a:moveTo>
-                  <a:pt x="0" y="0"/>
-                </a:moveTo>
-                <a:lnTo>
-                  <a:pt x="2259550" y="0"/>
-                </a:lnTo>
-                <a:lnTo>
-                  <a:pt x="2387803" y="82222"/>
-                </a:lnTo>
-                <a:cubicBezTo>
-                  <a:pt x="3461407" y="807534"/>
-                  <a:pt x="4167271" y="2035835"/>
-                  <a:pt x="4167271" y="3429000"/>
-                </a:cubicBezTo>
-                <a:cubicBezTo>
-                  <a:pt x="4167271" y="4822165"/>
-                  <a:pt x="3461407" y="6050467"/>
-                  <a:pt x="2387803" y="6775779"/>
-                </a:cubicBezTo>
-                <a:lnTo>
-                  <a:pt x="2259550" y="6858000"/>
-                </a:lnTo>
-                <a:lnTo>
-                  <a:pt x="0" y="6858000"/>
-                </a:lnTo>
-                <a:close/>
-              </a:path>
-            </a:pathLst>
-          </a:custGeom>
-          <a:solidFill>
-            <a:schemeClr val="accent2"/>
-          </a:solidFill>
-          <a:ln>
-            <a:noFill/>
-          </a:ln>
-        </p:spPr>
-        <p:style>
-          <a:lnRef idx="2">
-            <a:schemeClr val="accent1">
-              <a:shade val="50000"/>
-            </a:schemeClr>
-          </a:lnRef>
-          <a:fillRef idx="1">
-            <a:schemeClr val="accent1"/>
-          </a:fillRef>
-          <a:effectRef idx="0">
-            <a:schemeClr val="accent1"/>
-          </a:effectRef>
-          <a:fontRef idx="minor">
-            <a:schemeClr val="lt1"/>
-          </a:fontRef>
-        </p:style>
-        <p:txBody>
-          <a:bodyPr rtlCol="0" anchor="ctr"/>
-          <a:lstStyle/>
-          <a:p>
-            <a:pPr algn="ctr"/>
-            <a:endParaRPr lang="en-US"/>
-          </a:p>
-        </p:txBody>
-      </p:sp>
-      <p:sp>
-        <p:nvSpPr>
-          <p:cNvPr id="2" name="Título 1">
-            <a:extLst>
-              <a:ext uri="{FF2B5EF4-FFF2-40B4-BE49-F238E27FC236}">
-                <a16:creationId xmlns:a16="http://schemas.microsoft.com/office/drawing/2014/main" id="{75F091CF-853D-359E-7030-21E9A2EE5F1A}"/>
-              </a:ext>
-            </a:extLst>
-          </p:cNvPr>
-          <p:cNvSpPr>
-            <a:spLocks noGrp="1"/>
-          </p:cNvSpPr>
-          <p:nvPr>
-            <p:ph type="title"/>
-          </p:nvPr>
-        </p:nvSpPr>
-        <p:spPr>
-          <a:xfrm>
-            <a:off x="238260" y="1093188"/>
-            <a:ext cx="3200400" cy="4461163"/>
-          </a:xfrm>
-        </p:spPr>
-        <p:txBody>
-          <a:bodyPr>
-            <a:normAutofit/>
-          </a:bodyPr>
-          <a:lstStyle/>
-          <a:p>
-            <a:r>
-              <a:rPr lang="pt-BR" dirty="0">
-                <a:solidFill>
-                  <a:srgbClr val="FFFFFF"/>
-                </a:solidFill>
-              </a:rPr>
-              <a:t>Principais conceitos da POO:</a:t>
-            </a:r>
-            <a:br>
-              <a:rPr lang="pt-BR" dirty="0">
-                <a:solidFill>
-                  <a:srgbClr val="FFFFFF"/>
-                </a:solidFill>
-              </a:rPr>
-            </a:br>
-            <a:r>
-              <a:rPr lang="pt-BR" dirty="0">
-                <a:solidFill>
-                  <a:srgbClr val="FFFF00"/>
-                </a:solidFill>
-              </a:rPr>
-              <a:t>Abstração de métodos</a:t>
-            </a:r>
-          </a:p>
-        </p:txBody>
-      </p:sp>
-      <p:sp>
-        <p:nvSpPr>
-          <p:cNvPr id="12" name="Arc 11">
-            <a:extLst>
-              <a:ext uri="{FF2B5EF4-FFF2-40B4-BE49-F238E27FC236}">
-                <a16:creationId xmlns:a16="http://schemas.microsoft.com/office/drawing/2014/main" id="{D1B33535-5140-D234-E7E2-8A0A3B854DE4}"/>
-              </a:ext>
-              <a:ext uri="{C183D7F6-B498-43B3-948B-1728B52AA6E4}">
-                <adec:decorative xmlns:adec="http://schemas.microsoft.com/office/drawing/2017/decorative" val="1"/>
-              </a:ext>
-            </a:extLst>
-          </p:cNvPr>
-          <p:cNvSpPr>
-            <a:spLocks noGrp="1" noRot="1" noChangeAspect="1" noMove="1" noResize="1" noEditPoints="1" noAdjustHandles="1" noChangeArrowheads="1" noChangeShapeType="1" noTextEdit="1"/>
-          </p:cNvSpPr>
-          <p:nvPr>
-            <p:extLst>
-              <p:ext uri="{386F3935-93C4-4BCD-93E2-E3B085C9AB24}">
-                <p16:designElem xmlns:p16="http://schemas.microsoft.com/office/powerpoint/2015/main" val="1"/>
-              </p:ext>
-            </p:extLst>
-          </p:nvPr>
-        </p:nvSpPr>
-        <p:spPr>
-          <a:xfrm flipV="1">
-            <a:off x="7550402" y="2455479"/>
-            <a:ext cx="4083433" cy="4083433"/>
-          </a:xfrm>
-          <a:prstGeom prst="arc">
-            <a:avLst/>
-          </a:prstGeom>
-          <a:ln w="127000" cap="rnd">
-            <a:solidFill>
-              <a:schemeClr val="accent4"/>
-            </a:solidFill>
-            <a:prstDash val="dash"/>
-          </a:ln>
-        </p:spPr>
-        <p:style>
-          <a:lnRef idx="1">
-            <a:schemeClr val="accent1"/>
-          </a:lnRef>
-          <a:fillRef idx="0">
-            <a:schemeClr val="accent1"/>
-          </a:fillRef>
-          <a:effectRef idx="0">
-            <a:schemeClr val="accent1"/>
-          </a:effectRef>
-          <a:fontRef idx="minor">
-            <a:schemeClr val="tx1"/>
-          </a:fontRef>
-        </p:style>
-        <p:txBody>
-          <a:bodyPr rtlCol="0" anchor="ctr"/>
-          <a:lstStyle/>
-          <a:p>
-            <a:pPr algn="ctr"/>
-            <a:endParaRPr lang="en-US" dirty="0"/>
-          </a:p>
-        </p:txBody>
-      </p:sp>
-      <p:sp>
-        <p:nvSpPr>
-          <p:cNvPr id="3" name="Espaço Reservado para Conteúdo 2">
-            <a:extLst>
-              <a:ext uri="{FF2B5EF4-FFF2-40B4-BE49-F238E27FC236}">
-                <a16:creationId xmlns:a16="http://schemas.microsoft.com/office/drawing/2014/main" id="{75AD072F-34B1-99A4-92BE-1143E245DA60}"/>
-              </a:ext>
-            </a:extLst>
-          </p:cNvPr>
-          <p:cNvSpPr>
-            <a:spLocks noGrp="1"/>
-          </p:cNvSpPr>
-          <p:nvPr>
-            <p:ph idx="1"/>
-          </p:nvPr>
-        </p:nvSpPr>
-        <p:spPr>
-          <a:xfrm>
-            <a:off x="4402484" y="1775102"/>
-            <a:ext cx="6906491" cy="3097333"/>
-          </a:xfrm>
-        </p:spPr>
-        <p:txBody>
-          <a:bodyPr anchor="ctr">
-            <a:normAutofit/>
-          </a:bodyPr>
-          <a:lstStyle/>
-          <a:p>
-            <a:r>
-              <a:rPr lang="pt-BR" dirty="0"/>
-              <a:t>O que é abstração ?</a:t>
-            </a:r>
-          </a:p>
-          <a:p>
-            <a:r>
-              <a:rPr lang="pt-BR" dirty="0"/>
-              <a:t>Vantagens e desvantagens ?</a:t>
-            </a:r>
-          </a:p>
-          <a:p>
-            <a:r>
-              <a:rPr lang="pt-BR" dirty="0"/>
-              <a:t>Exemplos</a:t>
-            </a:r>
-          </a:p>
-        </p:txBody>
-      </p:sp>
-      <p:pic>
-        <p:nvPicPr>
-          <p:cNvPr id="4" name="Imagem 3" descr="Logotipo, nome da empresa&#10;&#10;Descrição gerada automaticamente">
-            <a:extLst>
-              <a:ext uri="{FF2B5EF4-FFF2-40B4-BE49-F238E27FC236}">
-                <a16:creationId xmlns:a16="http://schemas.microsoft.com/office/drawing/2014/main" id="{FAADEC1E-157F-74A5-2117-31B003120961}"/>
-              </a:ext>
-            </a:extLst>
-          </p:cNvPr>
-          <p:cNvPicPr>
-            <a:picLocks noChangeAspect="1"/>
-          </p:cNvPicPr>
-          <p:nvPr/>
-        </p:nvPicPr>
-        <p:blipFill>
-          <a:blip r:embed="rId2"/>
-          <a:stretch>
-            <a:fillRect/>
-          </a:stretch>
-        </p:blipFill>
-        <p:spPr>
-          <a:xfrm>
-            <a:off x="11099925" y="5824981"/>
-            <a:ext cx="1065914" cy="1065914"/>
-          </a:xfrm>
-          <a:custGeom>
-            <a:avLst/>
-            <a:gdLst/>
-            <a:ahLst/>
-            <a:cxnLst/>
-            <a:rect l="l" t="t" r="r" b="b"/>
-            <a:pathLst>
-              <a:path w="2833631" h="2677010">
-                <a:moveTo>
-                  <a:pt x="49418" y="0"/>
-                </a:moveTo>
-                <a:lnTo>
-                  <a:pt x="2784213" y="0"/>
-                </a:lnTo>
-                <a:cubicBezTo>
-                  <a:pt x="2811506" y="0"/>
-                  <a:pt x="2833631" y="22125"/>
-                  <a:pt x="2833631" y="49418"/>
-                </a:cubicBezTo>
-                <a:lnTo>
-                  <a:pt x="2833631" y="2627592"/>
-                </a:lnTo>
-                <a:cubicBezTo>
-                  <a:pt x="2833631" y="2654885"/>
-                  <a:pt x="2811506" y="2677010"/>
-                  <a:pt x="2784213" y="2677010"/>
-                </a:cubicBezTo>
-                <a:lnTo>
-                  <a:pt x="49418" y="2677010"/>
-                </a:lnTo>
-                <a:cubicBezTo>
-                  <a:pt x="22125" y="2677010"/>
-                  <a:pt x="0" y="2654885"/>
-                  <a:pt x="0" y="2627592"/>
-                </a:cubicBezTo>
-                <a:lnTo>
-                  <a:pt x="0" y="49418"/>
-                </a:lnTo>
-                <a:cubicBezTo>
-                  <a:pt x="0" y="22125"/>
-                  <a:pt x="22125" y="0"/>
-                  <a:pt x="49418" y="0"/>
-                </a:cubicBezTo>
-                <a:close/>
-              </a:path>
-            </a:pathLst>
-          </a:custGeom>
-        </p:spPr>
-      </p:pic>
-    </p:spTree>
-    <p:extLst>
-      <p:ext uri="{BB962C8B-B14F-4D97-AF65-F5344CB8AC3E}">
-        <p14:creationId xmlns:p14="http://schemas.microsoft.com/office/powerpoint/2010/main" val="3718441576"/>
-      </p:ext>
-    </p:extLst>
-  </p:cSld>
-  <p:clrMapOvr>
-    <a:masterClrMapping/>
-  </p:clrMapOvr>
-</p:sld>
-</file>
-
-<file path=ppt/slides/slide8.xml><?xml version="1.0" encoding="utf-8"?>
-<p:sld xmlns:a="http://schemas.openxmlformats.org/drawingml/2006/main" xmlns:r="http://schemas.openxmlformats.org/officeDocument/2006/relationships" xmlns:p="http://schemas.openxmlformats.org/presentationml/2006/main">
-  <p:cSld>
-    <p:bg>
-      <p:bgPr>
-        <a:solidFill>
-          <a:schemeClr val="bg1"/>
-        </a:solidFill>
-        <a:effectLst/>
-      </p:bgPr>
-    </p:bg>
-    <p:spTree>
-      <p:nvGrpSpPr>
-        <p:cNvPr id="1" name="">
-          <a:extLst>
-            <a:ext uri="{FF2B5EF4-FFF2-40B4-BE49-F238E27FC236}">
-              <a16:creationId xmlns:a16="http://schemas.microsoft.com/office/drawing/2014/main" id="{3F27364A-9CE8-96BE-6306-40035590DBE5}"/>
-            </a:ext>
-          </a:extLst>
-        </p:cNvPr>
-        <p:cNvGrpSpPr/>
-        <p:nvPr/>
-      </p:nvGrpSpPr>
-      <p:grpSpPr>
-        <a:xfrm>
-          <a:off x="0" y="0"/>
-          <a:ext cx="0" cy="0"/>
-          <a:chOff x="0" y="0"/>
-          <a:chExt cx="0" cy="0"/>
-        </a:xfrm>
-      </p:grpSpPr>
-      <p:sp useBgFill="1">
-        <p:nvSpPr>
-          <p:cNvPr id="8" name="Rectangle 7">
-            <a:extLst>
-              <a:ext uri="{FF2B5EF4-FFF2-40B4-BE49-F238E27FC236}">
-                <a16:creationId xmlns:a16="http://schemas.microsoft.com/office/drawing/2014/main" id="{AA52C8FC-3CA7-0B20-EFFD-603BABFC786C}"/>
-              </a:ext>
-              <a:ext uri="{C183D7F6-B498-43B3-948B-1728B52AA6E4}">
-                <adec:decorative xmlns:adec="http://schemas.microsoft.com/office/drawing/2017/decorative" val="1"/>
-              </a:ext>
-            </a:extLst>
-          </p:cNvPr>
-          <p:cNvSpPr>
-            <a:spLocks noGrp="1" noRot="1" noChangeAspect="1" noMove="1" noResize="1" noEditPoints="1" noAdjustHandles="1" noChangeArrowheads="1" noChangeShapeType="1" noTextEdit="1"/>
-          </p:cNvSpPr>
-          <p:nvPr>
-            <p:extLst>
-              <p:ext uri="{386F3935-93C4-4BCD-93E2-E3B085C9AB24}">
-                <p16:designElem xmlns:p16="http://schemas.microsoft.com/office/powerpoint/2015/main" val="1"/>
-              </p:ext>
-            </p:extLst>
-          </p:nvPr>
-        </p:nvSpPr>
-        <p:spPr>
-          <a:xfrm>
-            <a:off x="3048" y="0"/>
-            <a:ext cx="12188952" cy="6858000"/>
-          </a:xfrm>
-          <a:prstGeom prst="rect">
-            <a:avLst/>
-          </a:prstGeom>
-          <a:ln>
-            <a:noFill/>
-          </a:ln>
-        </p:spPr>
-        <p:style>
-          <a:lnRef idx="2">
-            <a:schemeClr val="accent1">
-              <a:shade val="50000"/>
-            </a:schemeClr>
-          </a:lnRef>
-          <a:fillRef idx="1">
-            <a:schemeClr val="accent1"/>
-          </a:fillRef>
-          <a:effectRef idx="0">
-            <a:schemeClr val="accent1"/>
-          </a:effectRef>
-          <a:fontRef idx="minor">
-            <a:schemeClr val="lt1"/>
-          </a:fontRef>
-        </p:style>
-        <p:txBody>
-          <a:bodyPr rtlCol="0" anchor="ctr"/>
-          <a:lstStyle/>
-          <a:p>
-            <a:pPr algn="ctr"/>
-            <a:endParaRPr lang="en-US"/>
-          </a:p>
-        </p:txBody>
-      </p:sp>
-      <p:sp>
-        <p:nvSpPr>
-          <p:cNvPr id="10" name="Freeform: Shape 9">
-            <a:extLst>
-              <a:ext uri="{FF2B5EF4-FFF2-40B4-BE49-F238E27FC236}">
-                <a16:creationId xmlns:a16="http://schemas.microsoft.com/office/drawing/2014/main" id="{2EC461EE-96BE-A266-07D7-91B5CBDF7018}"/>
-              </a:ext>
-              <a:ext uri="{C183D7F6-B498-43B3-948B-1728B52AA6E4}">
-                <adec:decorative xmlns:adec="http://schemas.microsoft.com/office/drawing/2017/decorative" val="1"/>
-              </a:ext>
-            </a:extLst>
-          </p:cNvPr>
-          <p:cNvSpPr>
-            <a:spLocks noGrp="1" noRot="1" noChangeAspect="1" noMove="1" noResize="1" noEditPoints="1" noAdjustHandles="1" noChangeArrowheads="1" noChangeShapeType="1" noTextEdit="1"/>
-          </p:cNvSpPr>
-          <p:nvPr>
-            <p:extLst>
-              <p:ext uri="{386F3935-93C4-4BCD-93E2-E3B085C9AB24}">
-                <p16:designElem xmlns:p16="http://schemas.microsoft.com/office/powerpoint/2015/main" val="1"/>
-              </p:ext>
-            </p:extLst>
-          </p:nvPr>
-        </p:nvSpPr>
-        <p:spPr>
-          <a:xfrm>
-            <a:off x="1" y="0"/>
-            <a:ext cx="4167271" cy="6858000"/>
-          </a:xfrm>
-          <a:custGeom>
-            <a:avLst/>
-            <a:gdLst>
-              <a:gd name="connsiteX0" fmla="*/ 0 w 4167271"/>
-              <a:gd name="connsiteY0" fmla="*/ 0 h 6858000"/>
-              <a:gd name="connsiteX1" fmla="*/ 2259550 w 4167271"/>
-              <a:gd name="connsiteY1" fmla="*/ 0 h 6858000"/>
-              <a:gd name="connsiteX2" fmla="*/ 2387803 w 4167271"/>
-              <a:gd name="connsiteY2" fmla="*/ 82222 h 6858000"/>
-              <a:gd name="connsiteX3" fmla="*/ 4167271 w 4167271"/>
-              <a:gd name="connsiteY3" fmla="*/ 3429000 h 6858000"/>
-              <a:gd name="connsiteX4" fmla="*/ 2387803 w 4167271"/>
-              <a:gd name="connsiteY4" fmla="*/ 6775779 h 6858000"/>
-              <a:gd name="connsiteX5" fmla="*/ 2259550 w 4167271"/>
-              <a:gd name="connsiteY5" fmla="*/ 6858000 h 6858000"/>
-              <a:gd name="connsiteX6" fmla="*/ 0 w 4167271"/>
-              <a:gd name="connsiteY6" fmla="*/ 6858000 h 6858000"/>
-            </a:gdLst>
-            <a:ahLst/>
-            <a:cxnLst>
-              <a:cxn ang="0">
-                <a:pos x="connsiteX0" y="connsiteY0"/>
-              </a:cxn>
-              <a:cxn ang="0">
-                <a:pos x="connsiteX1" y="connsiteY1"/>
-              </a:cxn>
-              <a:cxn ang="0">
-                <a:pos x="connsiteX2" y="connsiteY2"/>
-              </a:cxn>
-              <a:cxn ang="0">
-                <a:pos x="connsiteX3" y="connsiteY3"/>
-              </a:cxn>
-              <a:cxn ang="0">
-                <a:pos x="connsiteX4" y="connsiteY4"/>
-              </a:cxn>
-              <a:cxn ang="0">
-                <a:pos x="connsiteX5" y="connsiteY5"/>
-              </a:cxn>
-              <a:cxn ang="0">
-                <a:pos x="connsiteX6" y="connsiteY6"/>
-              </a:cxn>
-            </a:cxnLst>
-            <a:rect l="l" t="t" r="r" b="b"/>
-            <a:pathLst>
-              <a:path w="4167271" h="6858000">
-                <a:moveTo>
-                  <a:pt x="0" y="0"/>
-                </a:moveTo>
-                <a:lnTo>
-                  <a:pt x="2259550" y="0"/>
-                </a:lnTo>
-                <a:lnTo>
-                  <a:pt x="2387803" y="82222"/>
-                </a:lnTo>
-                <a:cubicBezTo>
-                  <a:pt x="3461407" y="807534"/>
-                  <a:pt x="4167271" y="2035835"/>
-                  <a:pt x="4167271" y="3429000"/>
-                </a:cubicBezTo>
-                <a:cubicBezTo>
-                  <a:pt x="4167271" y="4822165"/>
-                  <a:pt x="3461407" y="6050467"/>
-                  <a:pt x="2387803" y="6775779"/>
-                </a:cubicBezTo>
-                <a:lnTo>
-                  <a:pt x="2259550" y="6858000"/>
-                </a:lnTo>
-                <a:lnTo>
-                  <a:pt x="0" y="6858000"/>
-                </a:lnTo>
-                <a:close/>
-              </a:path>
-            </a:pathLst>
-          </a:custGeom>
-          <a:solidFill>
-            <a:schemeClr val="accent2"/>
-          </a:solidFill>
-          <a:ln>
-            <a:noFill/>
-          </a:ln>
-        </p:spPr>
-        <p:style>
-          <a:lnRef idx="2">
-            <a:schemeClr val="accent1">
-              <a:shade val="50000"/>
-            </a:schemeClr>
-          </a:lnRef>
-          <a:fillRef idx="1">
-            <a:schemeClr val="accent1"/>
-          </a:fillRef>
-          <a:effectRef idx="0">
-            <a:schemeClr val="accent1"/>
-          </a:effectRef>
-          <a:fontRef idx="minor">
-            <a:schemeClr val="lt1"/>
-          </a:fontRef>
-        </p:style>
-        <p:txBody>
-          <a:bodyPr rtlCol="0" anchor="ctr"/>
-          <a:lstStyle/>
-          <a:p>
-            <a:pPr algn="ctr"/>
-            <a:endParaRPr lang="en-US"/>
-          </a:p>
-        </p:txBody>
-      </p:sp>
-      <p:sp>
-        <p:nvSpPr>
-          <p:cNvPr id="2" name="Título 1">
-            <a:extLst>
-              <a:ext uri="{FF2B5EF4-FFF2-40B4-BE49-F238E27FC236}">
-                <a16:creationId xmlns:a16="http://schemas.microsoft.com/office/drawing/2014/main" id="{8B981489-28B8-3E48-CFC8-D92304B68CF0}"/>
-              </a:ext>
-            </a:extLst>
-          </p:cNvPr>
-          <p:cNvSpPr>
-            <a:spLocks noGrp="1"/>
-          </p:cNvSpPr>
-          <p:nvPr>
-            <p:ph type="title"/>
-          </p:nvPr>
-        </p:nvSpPr>
-        <p:spPr>
-          <a:xfrm>
-            <a:off x="119129" y="1075935"/>
-            <a:ext cx="3929013" cy="4461163"/>
-          </a:xfrm>
-        </p:spPr>
-        <p:txBody>
-          <a:bodyPr>
-            <a:normAutofit/>
-          </a:bodyPr>
-          <a:lstStyle/>
-          <a:p>
-            <a:r>
-              <a:rPr lang="pt-BR" dirty="0">
-                <a:solidFill>
-                  <a:srgbClr val="FFFFFF"/>
-                </a:solidFill>
-              </a:rPr>
-              <a:t>Relacionamento entre objetos</a:t>
-            </a:r>
-            <a:endParaRPr lang="pt-BR" dirty="0">
-              <a:solidFill>
-                <a:srgbClr val="FFFF00"/>
-              </a:solidFill>
-            </a:endParaRPr>
-          </a:p>
-        </p:txBody>
-      </p:sp>
-      <p:sp>
-        <p:nvSpPr>
-          <p:cNvPr id="12" name="Arc 11">
-            <a:extLst>
-              <a:ext uri="{FF2B5EF4-FFF2-40B4-BE49-F238E27FC236}">
-                <a16:creationId xmlns:a16="http://schemas.microsoft.com/office/drawing/2014/main" id="{656184F6-0153-5EF3-2094-BC0F655B6B1C}"/>
-              </a:ext>
-              <a:ext uri="{C183D7F6-B498-43B3-948B-1728B52AA6E4}">
-                <adec:decorative xmlns:adec="http://schemas.microsoft.com/office/drawing/2017/decorative" val="1"/>
-              </a:ext>
-            </a:extLst>
-          </p:cNvPr>
-          <p:cNvSpPr>
-            <a:spLocks noGrp="1" noRot="1" noChangeAspect="1" noMove="1" noResize="1" noEditPoints="1" noAdjustHandles="1" noChangeArrowheads="1" noChangeShapeType="1" noTextEdit="1"/>
-          </p:cNvSpPr>
-          <p:nvPr>
-            <p:extLst>
-              <p:ext uri="{386F3935-93C4-4BCD-93E2-E3B085C9AB24}">
-                <p16:designElem xmlns:p16="http://schemas.microsoft.com/office/powerpoint/2015/main" val="1"/>
-              </p:ext>
-            </p:extLst>
-          </p:nvPr>
-        </p:nvSpPr>
-        <p:spPr>
-          <a:xfrm flipV="1">
-            <a:off x="7550402" y="2455479"/>
-            <a:ext cx="4083433" cy="4083433"/>
-          </a:xfrm>
-          <a:prstGeom prst="arc">
-            <a:avLst/>
-          </a:prstGeom>
-          <a:ln w="127000" cap="rnd">
-            <a:solidFill>
-              <a:schemeClr val="accent4"/>
-            </a:solidFill>
-            <a:prstDash val="dash"/>
-          </a:ln>
-        </p:spPr>
-        <p:style>
-          <a:lnRef idx="1">
-            <a:schemeClr val="accent1"/>
-          </a:lnRef>
-          <a:fillRef idx="0">
-            <a:schemeClr val="accent1"/>
-          </a:fillRef>
-          <a:effectRef idx="0">
-            <a:schemeClr val="accent1"/>
-          </a:effectRef>
-          <a:fontRef idx="minor">
-            <a:schemeClr val="tx1"/>
-          </a:fontRef>
-        </p:style>
-        <p:txBody>
-          <a:bodyPr rtlCol="0" anchor="ctr"/>
-          <a:lstStyle/>
-          <a:p>
-            <a:pPr algn="ctr"/>
-            <a:endParaRPr lang="en-US" dirty="0"/>
-          </a:p>
-        </p:txBody>
-      </p:sp>
-      <p:sp>
-        <p:nvSpPr>
-          <p:cNvPr id="3" name="Espaço Reservado para Conteúdo 2">
-            <a:extLst>
-              <a:ext uri="{FF2B5EF4-FFF2-40B4-BE49-F238E27FC236}">
-                <a16:creationId xmlns:a16="http://schemas.microsoft.com/office/drawing/2014/main" id="{CF6E637D-F692-61FE-2A80-1CD03DAB61E2}"/>
-              </a:ext>
-            </a:extLst>
-          </p:cNvPr>
-          <p:cNvSpPr>
-            <a:spLocks noGrp="1"/>
-          </p:cNvSpPr>
-          <p:nvPr>
-            <p:ph idx="1"/>
-          </p:nvPr>
-        </p:nvSpPr>
-        <p:spPr>
-          <a:xfrm>
-            <a:off x="4193434" y="331667"/>
-            <a:ext cx="6906491" cy="3097333"/>
-          </a:xfrm>
-        </p:spPr>
-        <p:txBody>
-          <a:bodyPr anchor="ctr">
-            <a:normAutofit/>
-          </a:bodyPr>
-          <a:lstStyle/>
-          <a:p>
-            <a:r>
-              <a:rPr lang="pt-BR" dirty="0"/>
-              <a:t>Agregação</a:t>
-            </a:r>
-          </a:p>
-          <a:p>
-            <a:r>
-              <a:rPr lang="pt-BR" dirty="0"/>
-              <a:t>Composição</a:t>
-            </a:r>
-          </a:p>
-          <a:p>
-            <a:r>
-              <a:rPr lang="pt-BR" dirty="0"/>
-              <a:t>Exemplos</a:t>
-            </a:r>
-          </a:p>
-        </p:txBody>
-      </p:sp>
-      <p:pic>
-        <p:nvPicPr>
-          <p:cNvPr id="4" name="Imagem 3" descr="Logotipo, nome da empresa&#10;&#10;Descrição gerada automaticamente">
-            <a:extLst>
-              <a:ext uri="{FF2B5EF4-FFF2-40B4-BE49-F238E27FC236}">
-                <a16:creationId xmlns:a16="http://schemas.microsoft.com/office/drawing/2014/main" id="{44CA892C-6958-3FCD-AE25-1E153BCEEC89}"/>
-              </a:ext>
-            </a:extLst>
-          </p:cNvPr>
-          <p:cNvPicPr>
-            <a:picLocks noChangeAspect="1"/>
-          </p:cNvPicPr>
-          <p:nvPr/>
-        </p:nvPicPr>
-        <p:blipFill>
-          <a:blip r:embed="rId2"/>
-          <a:stretch>
-            <a:fillRect/>
-          </a:stretch>
-        </p:blipFill>
-        <p:spPr>
-          <a:xfrm>
-            <a:off x="11099925" y="5824981"/>
-            <a:ext cx="1065914" cy="1065914"/>
-          </a:xfrm>
-          <a:custGeom>
-            <a:avLst/>
-            <a:gdLst/>
-            <a:ahLst/>
-            <a:cxnLst/>
-            <a:rect l="l" t="t" r="r" b="b"/>
-            <a:pathLst>
-              <a:path w="2833631" h="2677010">
-                <a:moveTo>
-                  <a:pt x="49418" y="0"/>
-                </a:moveTo>
-                <a:lnTo>
-                  <a:pt x="2784213" y="0"/>
-                </a:lnTo>
-                <a:cubicBezTo>
-                  <a:pt x="2811506" y="0"/>
-                  <a:pt x="2833631" y="22125"/>
-                  <a:pt x="2833631" y="49418"/>
-                </a:cubicBezTo>
-                <a:lnTo>
-                  <a:pt x="2833631" y="2627592"/>
-                </a:lnTo>
-                <a:cubicBezTo>
-                  <a:pt x="2833631" y="2654885"/>
-                  <a:pt x="2811506" y="2677010"/>
-                  <a:pt x="2784213" y="2677010"/>
-                </a:cubicBezTo>
-                <a:lnTo>
-                  <a:pt x="49418" y="2677010"/>
-                </a:lnTo>
-                <a:cubicBezTo>
-                  <a:pt x="22125" y="2677010"/>
-                  <a:pt x="0" y="2654885"/>
-                  <a:pt x="0" y="2627592"/>
-                </a:cubicBezTo>
-                <a:lnTo>
-                  <a:pt x="0" y="49418"/>
-                </a:lnTo>
-                <a:cubicBezTo>
-                  <a:pt x="0" y="22125"/>
-                  <a:pt x="22125" y="0"/>
-                  <a:pt x="49418" y="0"/>
-                </a:cubicBezTo>
-                <a:close/>
-              </a:path>
-            </a:pathLst>
-          </a:custGeom>
-        </p:spPr>
-      </p:pic>
-    </p:spTree>
-    <p:extLst>
-      <p:ext uri="{BB962C8B-B14F-4D97-AF65-F5344CB8AC3E}">
-        <p14:creationId xmlns:p14="http://schemas.microsoft.com/office/powerpoint/2010/main" val="1890944802"/>
-      </p:ext>
-    </p:extLst>
-  </p:cSld>
-  <p:clrMapOvr>
-    <a:masterClrMapping/>
-  </p:clrMapOvr>
-</p:sld>
-</file>
-
-<file path=ppt/slides/slide9.xml><?xml version="1.0" encoding="utf-8"?>
-<p:sld xmlns:a="http://schemas.openxmlformats.org/drawingml/2006/main" xmlns:r="http://schemas.openxmlformats.org/officeDocument/2006/relationships" xmlns:p="http://schemas.openxmlformats.org/presentationml/2006/main">
-  <p:cSld>
-    <p:bg>
-      <p:bgPr>
-        <a:solidFill>
-          <a:schemeClr val="bg1"/>
-        </a:solidFill>
-        <a:effectLst/>
-      </p:bgPr>
-    </p:bg>
-    <p:spTree>
-      <p:nvGrpSpPr>
-        <p:cNvPr id="1" name="">
-          <a:extLst>
-            <a:ext uri="{FF2B5EF4-FFF2-40B4-BE49-F238E27FC236}">
-              <a16:creationId xmlns:a16="http://schemas.microsoft.com/office/drawing/2014/main" id="{A09D5871-6B5E-6604-D1EE-5F1D5DF631BD}"/>
-            </a:ext>
-          </a:extLst>
-        </p:cNvPr>
-        <p:cNvGrpSpPr/>
-        <p:nvPr/>
-      </p:nvGrpSpPr>
-      <p:grpSpPr>
-        <a:xfrm>
-          <a:off x="0" y="0"/>
-          <a:ext cx="0" cy="0"/>
-          <a:chOff x="0" y="0"/>
-          <a:chExt cx="0" cy="0"/>
-        </a:xfrm>
-      </p:grpSpPr>
-      <p:sp useBgFill="1">
-        <p:nvSpPr>
-          <p:cNvPr id="8" name="Rectangle 7">
-            <a:extLst>
-              <a:ext uri="{FF2B5EF4-FFF2-40B4-BE49-F238E27FC236}">
-                <a16:creationId xmlns:a16="http://schemas.microsoft.com/office/drawing/2014/main" id="{CB4CE495-A9F1-5517-4E4E-73194B9EF398}"/>
-              </a:ext>
-              <a:ext uri="{C183D7F6-B498-43B3-948B-1728B52AA6E4}">
-                <adec:decorative xmlns:adec="http://schemas.microsoft.com/office/drawing/2017/decorative" val="1"/>
-              </a:ext>
-            </a:extLst>
-          </p:cNvPr>
-          <p:cNvSpPr>
-            <a:spLocks noGrp="1" noRot="1" noChangeAspect="1" noMove="1" noResize="1" noEditPoints="1" noAdjustHandles="1" noChangeArrowheads="1" noChangeShapeType="1" noTextEdit="1"/>
-          </p:cNvSpPr>
-          <p:nvPr>
-            <p:extLst>
-              <p:ext uri="{386F3935-93C4-4BCD-93E2-E3B085C9AB24}">
-                <p16:designElem xmlns:p16="http://schemas.microsoft.com/office/powerpoint/2015/main" val="1"/>
-              </p:ext>
-            </p:extLst>
-          </p:nvPr>
-        </p:nvSpPr>
-        <p:spPr>
-          <a:xfrm>
-            <a:off x="3048" y="0"/>
-            <a:ext cx="12188952" cy="6858000"/>
-          </a:xfrm>
-          <a:prstGeom prst="rect">
-            <a:avLst/>
-          </a:prstGeom>
-          <a:ln>
-            <a:noFill/>
-          </a:ln>
-        </p:spPr>
-        <p:style>
-          <a:lnRef idx="2">
-            <a:schemeClr val="accent1">
-              <a:shade val="50000"/>
-            </a:schemeClr>
-          </a:lnRef>
-          <a:fillRef idx="1">
-            <a:schemeClr val="accent1"/>
-          </a:fillRef>
-          <a:effectRef idx="0">
-            <a:schemeClr val="accent1"/>
-          </a:effectRef>
-          <a:fontRef idx="minor">
-            <a:schemeClr val="lt1"/>
-          </a:fontRef>
-        </p:style>
-        <p:txBody>
-          <a:bodyPr rtlCol="0" anchor="ctr"/>
-          <a:lstStyle/>
-          <a:p>
-            <a:pPr algn="ctr"/>
-            <a:endParaRPr lang="en-US"/>
-          </a:p>
-        </p:txBody>
-      </p:sp>
-      <p:sp>
-        <p:nvSpPr>
-          <p:cNvPr id="10" name="Freeform: Shape 9">
-            <a:extLst>
-              <a:ext uri="{FF2B5EF4-FFF2-40B4-BE49-F238E27FC236}">
-                <a16:creationId xmlns:a16="http://schemas.microsoft.com/office/drawing/2014/main" id="{D73B7BCF-169F-E11A-88D7-1FBB5FFA46AF}"/>
-              </a:ext>
-              <a:ext uri="{C183D7F6-B498-43B3-948B-1728B52AA6E4}">
-                <adec:decorative xmlns:adec="http://schemas.microsoft.com/office/drawing/2017/decorative" val="1"/>
-              </a:ext>
-            </a:extLst>
-          </p:cNvPr>
-          <p:cNvSpPr>
-            <a:spLocks noGrp="1" noRot="1" noChangeAspect="1" noMove="1" noResize="1" noEditPoints="1" noAdjustHandles="1" noChangeArrowheads="1" noChangeShapeType="1" noTextEdit="1"/>
-          </p:cNvSpPr>
-          <p:nvPr>
-            <p:extLst>
-              <p:ext uri="{386F3935-93C4-4BCD-93E2-E3B085C9AB24}">
-                <p16:designElem xmlns:p16="http://schemas.microsoft.com/office/powerpoint/2015/main" val="1"/>
-              </p:ext>
-            </p:extLst>
-          </p:nvPr>
-        </p:nvSpPr>
-        <p:spPr>
-          <a:xfrm>
-            <a:off x="1" y="0"/>
-            <a:ext cx="4167271" cy="6858000"/>
-          </a:xfrm>
-          <a:custGeom>
-            <a:avLst/>
-            <a:gdLst>
-              <a:gd name="connsiteX0" fmla="*/ 0 w 4167271"/>
-              <a:gd name="connsiteY0" fmla="*/ 0 h 6858000"/>
-              <a:gd name="connsiteX1" fmla="*/ 2259550 w 4167271"/>
-              <a:gd name="connsiteY1" fmla="*/ 0 h 6858000"/>
-              <a:gd name="connsiteX2" fmla="*/ 2387803 w 4167271"/>
-              <a:gd name="connsiteY2" fmla="*/ 82222 h 6858000"/>
-              <a:gd name="connsiteX3" fmla="*/ 4167271 w 4167271"/>
-              <a:gd name="connsiteY3" fmla="*/ 3429000 h 6858000"/>
-              <a:gd name="connsiteX4" fmla="*/ 2387803 w 4167271"/>
-              <a:gd name="connsiteY4" fmla="*/ 6775779 h 6858000"/>
-              <a:gd name="connsiteX5" fmla="*/ 2259550 w 4167271"/>
-              <a:gd name="connsiteY5" fmla="*/ 6858000 h 6858000"/>
-              <a:gd name="connsiteX6" fmla="*/ 0 w 4167271"/>
-              <a:gd name="connsiteY6" fmla="*/ 6858000 h 6858000"/>
-            </a:gdLst>
-            <a:ahLst/>
-            <a:cxnLst>
-              <a:cxn ang="0">
-                <a:pos x="connsiteX0" y="connsiteY0"/>
-              </a:cxn>
-              <a:cxn ang="0">
-                <a:pos x="connsiteX1" y="connsiteY1"/>
-              </a:cxn>
-              <a:cxn ang="0">
-                <a:pos x="connsiteX2" y="connsiteY2"/>
-              </a:cxn>
-              <a:cxn ang="0">
-                <a:pos x="connsiteX3" y="connsiteY3"/>
-              </a:cxn>
-              <a:cxn ang="0">
-                <a:pos x="connsiteX4" y="connsiteY4"/>
-              </a:cxn>
-              <a:cxn ang="0">
-                <a:pos x="connsiteX5" y="connsiteY5"/>
-              </a:cxn>
-              <a:cxn ang="0">
-                <a:pos x="connsiteX6" y="connsiteY6"/>
-              </a:cxn>
-            </a:cxnLst>
-            <a:rect l="l" t="t" r="r" b="b"/>
-            <a:pathLst>
-              <a:path w="4167271" h="6858000">
-                <a:moveTo>
-                  <a:pt x="0" y="0"/>
-                </a:moveTo>
-                <a:lnTo>
-                  <a:pt x="2259550" y="0"/>
-                </a:lnTo>
-                <a:lnTo>
-                  <a:pt x="2387803" y="82222"/>
-                </a:lnTo>
-                <a:cubicBezTo>
-                  <a:pt x="3461407" y="807534"/>
-                  <a:pt x="4167271" y="2035835"/>
-                  <a:pt x="4167271" y="3429000"/>
-                </a:cubicBezTo>
-                <a:cubicBezTo>
-                  <a:pt x="4167271" y="4822165"/>
-                  <a:pt x="3461407" y="6050467"/>
-                  <a:pt x="2387803" y="6775779"/>
-                </a:cubicBezTo>
-                <a:lnTo>
-                  <a:pt x="2259550" y="6858000"/>
-                </a:lnTo>
-                <a:lnTo>
-                  <a:pt x="0" y="6858000"/>
-                </a:lnTo>
-                <a:close/>
-              </a:path>
-            </a:pathLst>
-          </a:custGeom>
-          <a:solidFill>
-            <a:schemeClr val="accent2"/>
-          </a:solidFill>
-          <a:ln>
-            <a:noFill/>
-          </a:ln>
-        </p:spPr>
-        <p:style>
-          <a:lnRef idx="2">
-            <a:schemeClr val="accent1">
-              <a:shade val="50000"/>
-            </a:schemeClr>
-          </a:lnRef>
-          <a:fillRef idx="1">
-            <a:schemeClr val="accent1"/>
-          </a:fillRef>
-          <a:effectRef idx="0">
-            <a:schemeClr val="accent1"/>
-          </a:effectRef>
-          <a:fontRef idx="minor">
-            <a:schemeClr val="lt1"/>
-          </a:fontRef>
-        </p:style>
-        <p:txBody>
-          <a:bodyPr rtlCol="0" anchor="ctr"/>
-          <a:lstStyle/>
-          <a:p>
-            <a:pPr algn="ctr"/>
-            <a:endParaRPr lang="en-US"/>
-          </a:p>
-        </p:txBody>
-      </p:sp>
-      <p:sp>
-        <p:nvSpPr>
-          <p:cNvPr id="2" name="Título 1">
-            <a:extLst>
-              <a:ext uri="{FF2B5EF4-FFF2-40B4-BE49-F238E27FC236}">
                 <a16:creationId xmlns:a16="http://schemas.microsoft.com/office/drawing/2014/main" id="{857B4356-0281-EF0C-BFF2-8BF5C1682433}"/>
               </a:ext>
             </a:extLst>
@@ -8923,7 +5092,7 @@
             <p:ph idx="1"/>
             <p:extLst>
               <p:ext uri="{D42A27DB-BD31-4B8C-83A1-F6EECF244321}">
-                <p14:modId xmlns:p14="http://schemas.microsoft.com/office/powerpoint/2010/main" val="126629696"/>
+                <p14:modId xmlns:p14="http://schemas.microsoft.com/office/powerpoint/2010/main" val="1899259287"/>
               </p:ext>
             </p:extLst>
           </p:nvPr>
@@ -9589,8 +5758,12 @@
                     <a:p>
                       <a:pPr algn="ctr"/>
                       <a:r>
-                        <a:rPr lang="pt-BR" dirty="0"/>
-                        <a:t>PARCIAL</a:t>
+                        <a:rPr lang="pt-BR" dirty="0">
+                          <a:solidFill>
+                            <a:srgbClr val="FF0000"/>
+                          </a:solidFill>
+                        </a:rPr>
+                        <a:t>NÃO</a:t>
                       </a:r>
                     </a:p>
                   </a:txBody>
@@ -9604,7 +5777,7 @@
                       <a:pPr algn="ctr"/>
                       <a:r>
                         <a:rPr lang="pt-BR" dirty="0"/>
-                        <a:t>NÃO</a:t>
+                        <a:t>SIM</a:t>
                       </a:r>
                     </a:p>
                   </a:txBody>
@@ -9636,7 +5809,7 @@
                             <a:srgbClr val="C00000"/>
                           </a:solidFill>
                         </a:rPr>
-                        <a:t>NÃO</a:t>
+                        <a:t>PARCIAL</a:t>
                       </a:r>
                     </a:p>
                   </a:txBody>
@@ -9841,7 +6014,7 @@
                     <a:p>
                       <a:r>
                         <a:rPr lang="pt-BR" dirty="0"/>
-                        <a:t>PHP</a:t>
+                        <a:t>TypeScript</a:t>
                       </a:r>
                     </a:p>
                   </a:txBody>
@@ -9919,7 +6092,7 @@
                 </a:tc>
                 <a:extLst>
                   <a:ext uri="{0D108BD9-81ED-4DB2-BD59-A6C34878D82A}">
-                    <a16:rowId xmlns:a16="http://schemas.microsoft.com/office/drawing/2014/main" val="3432083467"/>
+                    <a16:rowId xmlns:a16="http://schemas.microsoft.com/office/drawing/2014/main" val="2447320761"/>
                   </a:ext>
                 </a:extLst>
               </a:tr>
@@ -9931,6 +6104,5106 @@
     <p:extLst>
       <p:ext uri="{BB962C8B-B14F-4D97-AF65-F5344CB8AC3E}">
         <p14:creationId xmlns:p14="http://schemas.microsoft.com/office/powerpoint/2010/main" val="1143234945"/>
+      </p:ext>
+    </p:extLst>
+  </p:cSld>
+  <p:clrMapOvr>
+    <a:masterClrMapping/>
+  </p:clrMapOvr>
+</p:sld>
+</file>
+
+<file path=ppt/slides/slide2.xml><?xml version="1.0" encoding="utf-8"?>
+<p:sld xmlns:a="http://schemas.openxmlformats.org/drawingml/2006/main" xmlns:r="http://schemas.openxmlformats.org/officeDocument/2006/relationships" xmlns:p="http://schemas.openxmlformats.org/presentationml/2006/main">
+  <p:cSld>
+    <p:bg>
+      <p:bgPr>
+        <a:solidFill>
+          <a:schemeClr val="bg1"/>
+        </a:solidFill>
+        <a:effectLst/>
+      </p:bgPr>
+    </p:bg>
+    <p:spTree>
+      <p:nvGrpSpPr>
+        <p:cNvPr id="1" name=""/>
+        <p:cNvGrpSpPr/>
+        <p:nvPr/>
+      </p:nvGrpSpPr>
+      <p:grpSpPr>
+        <a:xfrm>
+          <a:off x="0" y="0"/>
+          <a:ext cx="0" cy="0"/>
+          <a:chOff x="0" y="0"/>
+          <a:chExt cx="0" cy="0"/>
+        </a:xfrm>
+      </p:grpSpPr>
+      <p:sp useBgFill="1">
+        <p:nvSpPr>
+          <p:cNvPr id="8" name="Rectangle 7">
+            <a:extLst>
+              <a:ext uri="{FF2B5EF4-FFF2-40B4-BE49-F238E27FC236}">
+                <a16:creationId xmlns:a16="http://schemas.microsoft.com/office/drawing/2014/main" id="{907EF6B7-1338-4443-8C46-6A318D952DFD}"/>
+              </a:ext>
+              <a:ext uri="{C183D7F6-B498-43B3-948B-1728B52AA6E4}">
+                <adec:decorative xmlns:adec="http://schemas.microsoft.com/office/drawing/2017/decorative" val="1"/>
+              </a:ext>
+            </a:extLst>
+          </p:cNvPr>
+          <p:cNvSpPr>
+            <a:spLocks noGrp="1" noRot="1" noChangeAspect="1" noMove="1" noResize="1" noEditPoints="1" noAdjustHandles="1" noChangeArrowheads="1" noChangeShapeType="1" noTextEdit="1"/>
+          </p:cNvSpPr>
+          <p:nvPr>
+            <p:extLst>
+              <p:ext uri="{386F3935-93C4-4BCD-93E2-E3B085C9AB24}">
+                <p16:designElem xmlns:p16="http://schemas.microsoft.com/office/powerpoint/2015/main" val="1"/>
+              </p:ext>
+            </p:extLst>
+          </p:nvPr>
+        </p:nvSpPr>
+        <p:spPr>
+          <a:xfrm>
+            <a:off x="3048" y="0"/>
+            <a:ext cx="12188952" cy="6858000"/>
+          </a:xfrm>
+          <a:prstGeom prst="rect">
+            <a:avLst/>
+          </a:prstGeom>
+          <a:ln>
+            <a:noFill/>
+          </a:ln>
+        </p:spPr>
+        <p:style>
+          <a:lnRef idx="2">
+            <a:schemeClr val="accent1">
+              <a:shade val="50000"/>
+            </a:schemeClr>
+          </a:lnRef>
+          <a:fillRef idx="1">
+            <a:schemeClr val="accent1"/>
+          </a:fillRef>
+          <a:effectRef idx="0">
+            <a:schemeClr val="accent1"/>
+          </a:effectRef>
+          <a:fontRef idx="minor">
+            <a:schemeClr val="lt1"/>
+          </a:fontRef>
+        </p:style>
+        <p:txBody>
+          <a:bodyPr rtlCol="0" anchor="ctr"/>
+          <a:lstStyle/>
+          <a:p>
+            <a:pPr algn="ctr"/>
+            <a:endParaRPr lang="en-US"/>
+          </a:p>
+        </p:txBody>
+      </p:sp>
+      <p:sp>
+        <p:nvSpPr>
+          <p:cNvPr id="10" name="Freeform: Shape 9">
+            <a:extLst>
+              <a:ext uri="{FF2B5EF4-FFF2-40B4-BE49-F238E27FC236}">
+                <a16:creationId xmlns:a16="http://schemas.microsoft.com/office/drawing/2014/main" id="{DAAE4CDD-124C-4DCF-9584-B6033B545DD5}"/>
+              </a:ext>
+              <a:ext uri="{C183D7F6-B498-43B3-948B-1728B52AA6E4}">
+                <adec:decorative xmlns:adec="http://schemas.microsoft.com/office/drawing/2017/decorative" val="1"/>
+              </a:ext>
+            </a:extLst>
+          </p:cNvPr>
+          <p:cNvSpPr>
+            <a:spLocks noGrp="1" noRot="1" noChangeAspect="1" noMove="1" noResize="1" noEditPoints="1" noAdjustHandles="1" noChangeArrowheads="1" noChangeShapeType="1" noTextEdit="1"/>
+          </p:cNvSpPr>
+          <p:nvPr>
+            <p:extLst>
+              <p:ext uri="{386F3935-93C4-4BCD-93E2-E3B085C9AB24}">
+                <p16:designElem xmlns:p16="http://schemas.microsoft.com/office/powerpoint/2015/main" val="1"/>
+              </p:ext>
+            </p:extLst>
+          </p:nvPr>
+        </p:nvSpPr>
+        <p:spPr>
+          <a:xfrm>
+            <a:off x="1" y="0"/>
+            <a:ext cx="4167271" cy="6858000"/>
+          </a:xfrm>
+          <a:custGeom>
+            <a:avLst/>
+            <a:gdLst>
+              <a:gd name="connsiteX0" fmla="*/ 0 w 4167271"/>
+              <a:gd name="connsiteY0" fmla="*/ 0 h 6858000"/>
+              <a:gd name="connsiteX1" fmla="*/ 2259550 w 4167271"/>
+              <a:gd name="connsiteY1" fmla="*/ 0 h 6858000"/>
+              <a:gd name="connsiteX2" fmla="*/ 2387803 w 4167271"/>
+              <a:gd name="connsiteY2" fmla="*/ 82222 h 6858000"/>
+              <a:gd name="connsiteX3" fmla="*/ 4167271 w 4167271"/>
+              <a:gd name="connsiteY3" fmla="*/ 3429000 h 6858000"/>
+              <a:gd name="connsiteX4" fmla="*/ 2387803 w 4167271"/>
+              <a:gd name="connsiteY4" fmla="*/ 6775779 h 6858000"/>
+              <a:gd name="connsiteX5" fmla="*/ 2259550 w 4167271"/>
+              <a:gd name="connsiteY5" fmla="*/ 6858000 h 6858000"/>
+              <a:gd name="connsiteX6" fmla="*/ 0 w 4167271"/>
+              <a:gd name="connsiteY6" fmla="*/ 6858000 h 6858000"/>
+            </a:gdLst>
+            <a:ahLst/>
+            <a:cxnLst>
+              <a:cxn ang="0">
+                <a:pos x="connsiteX0" y="connsiteY0"/>
+              </a:cxn>
+              <a:cxn ang="0">
+                <a:pos x="connsiteX1" y="connsiteY1"/>
+              </a:cxn>
+              <a:cxn ang="0">
+                <a:pos x="connsiteX2" y="connsiteY2"/>
+              </a:cxn>
+              <a:cxn ang="0">
+                <a:pos x="connsiteX3" y="connsiteY3"/>
+              </a:cxn>
+              <a:cxn ang="0">
+                <a:pos x="connsiteX4" y="connsiteY4"/>
+              </a:cxn>
+              <a:cxn ang="0">
+                <a:pos x="connsiteX5" y="connsiteY5"/>
+              </a:cxn>
+              <a:cxn ang="0">
+                <a:pos x="connsiteX6" y="connsiteY6"/>
+              </a:cxn>
+            </a:cxnLst>
+            <a:rect l="l" t="t" r="r" b="b"/>
+            <a:pathLst>
+              <a:path w="4167271" h="6858000">
+                <a:moveTo>
+                  <a:pt x="0" y="0"/>
+                </a:moveTo>
+                <a:lnTo>
+                  <a:pt x="2259550" y="0"/>
+                </a:lnTo>
+                <a:lnTo>
+                  <a:pt x="2387803" y="82222"/>
+                </a:lnTo>
+                <a:cubicBezTo>
+                  <a:pt x="3461407" y="807534"/>
+                  <a:pt x="4167271" y="2035835"/>
+                  <a:pt x="4167271" y="3429000"/>
+                </a:cubicBezTo>
+                <a:cubicBezTo>
+                  <a:pt x="4167271" y="4822165"/>
+                  <a:pt x="3461407" y="6050467"/>
+                  <a:pt x="2387803" y="6775779"/>
+                </a:cubicBezTo>
+                <a:lnTo>
+                  <a:pt x="2259550" y="6858000"/>
+                </a:lnTo>
+                <a:lnTo>
+                  <a:pt x="0" y="6858000"/>
+                </a:lnTo>
+                <a:close/>
+              </a:path>
+            </a:pathLst>
+          </a:custGeom>
+          <a:solidFill>
+            <a:schemeClr val="accent2"/>
+          </a:solidFill>
+          <a:ln>
+            <a:noFill/>
+          </a:ln>
+        </p:spPr>
+        <p:style>
+          <a:lnRef idx="2">
+            <a:schemeClr val="accent1">
+              <a:shade val="50000"/>
+            </a:schemeClr>
+          </a:lnRef>
+          <a:fillRef idx="1">
+            <a:schemeClr val="accent1"/>
+          </a:fillRef>
+          <a:effectRef idx="0">
+            <a:schemeClr val="accent1"/>
+          </a:effectRef>
+          <a:fontRef idx="minor">
+            <a:schemeClr val="lt1"/>
+          </a:fontRef>
+        </p:style>
+        <p:txBody>
+          <a:bodyPr rtlCol="0" anchor="ctr"/>
+          <a:lstStyle/>
+          <a:p>
+            <a:pPr algn="ctr"/>
+            <a:endParaRPr lang="en-US"/>
+          </a:p>
+        </p:txBody>
+      </p:sp>
+      <p:sp>
+        <p:nvSpPr>
+          <p:cNvPr id="2" name="Título 1">
+            <a:extLst>
+              <a:ext uri="{FF2B5EF4-FFF2-40B4-BE49-F238E27FC236}">
+                <a16:creationId xmlns:a16="http://schemas.microsoft.com/office/drawing/2014/main" id="{A3989186-0E8B-13B4-BB6B-AE73AE4CE94D}"/>
+              </a:ext>
+            </a:extLst>
+          </p:cNvPr>
+          <p:cNvSpPr>
+            <a:spLocks noGrp="1"/>
+          </p:cNvSpPr>
+          <p:nvPr>
+            <p:ph type="title"/>
+          </p:nvPr>
+        </p:nvSpPr>
+        <p:spPr>
+          <a:xfrm>
+            <a:off x="686834" y="1153572"/>
+            <a:ext cx="3200400" cy="4461163"/>
+          </a:xfrm>
+        </p:spPr>
+        <p:txBody>
+          <a:bodyPr>
+            <a:normAutofit/>
+          </a:bodyPr>
+          <a:lstStyle/>
+          <a:p>
+            <a:r>
+              <a:rPr lang="pt-BR" dirty="0">
+                <a:solidFill>
+                  <a:srgbClr val="FFFFFF"/>
+                </a:solidFill>
+              </a:rPr>
+              <a:t>O que é Programação Orientada a Objetos ?</a:t>
+            </a:r>
+          </a:p>
+        </p:txBody>
+      </p:sp>
+      <p:sp>
+        <p:nvSpPr>
+          <p:cNvPr id="12" name="Arc 11">
+            <a:extLst>
+              <a:ext uri="{FF2B5EF4-FFF2-40B4-BE49-F238E27FC236}">
+                <a16:creationId xmlns:a16="http://schemas.microsoft.com/office/drawing/2014/main" id="{081E4A58-353D-44AE-B2FC-2A74E2E400F7}"/>
+              </a:ext>
+              <a:ext uri="{C183D7F6-B498-43B3-948B-1728B52AA6E4}">
+                <adec:decorative xmlns:adec="http://schemas.microsoft.com/office/drawing/2017/decorative" val="1"/>
+              </a:ext>
+            </a:extLst>
+          </p:cNvPr>
+          <p:cNvSpPr>
+            <a:spLocks noGrp="1" noRot="1" noChangeAspect="1" noMove="1" noResize="1" noEditPoints="1" noAdjustHandles="1" noChangeArrowheads="1" noChangeShapeType="1" noTextEdit="1"/>
+          </p:cNvSpPr>
+          <p:nvPr>
+            <p:extLst>
+              <p:ext uri="{386F3935-93C4-4BCD-93E2-E3B085C9AB24}">
+                <p16:designElem xmlns:p16="http://schemas.microsoft.com/office/powerpoint/2015/main" val="1"/>
+              </p:ext>
+            </p:extLst>
+          </p:nvPr>
+        </p:nvSpPr>
+        <p:spPr>
+          <a:xfrm flipV="1">
+            <a:off x="7550402" y="2455479"/>
+            <a:ext cx="4083433" cy="4083433"/>
+          </a:xfrm>
+          <a:prstGeom prst="arc">
+            <a:avLst/>
+          </a:prstGeom>
+          <a:ln w="127000" cap="rnd">
+            <a:solidFill>
+              <a:schemeClr val="accent4"/>
+            </a:solidFill>
+            <a:prstDash val="dash"/>
+          </a:ln>
+        </p:spPr>
+        <p:style>
+          <a:lnRef idx="1">
+            <a:schemeClr val="accent1"/>
+          </a:lnRef>
+          <a:fillRef idx="0">
+            <a:schemeClr val="accent1"/>
+          </a:fillRef>
+          <a:effectRef idx="0">
+            <a:schemeClr val="accent1"/>
+          </a:effectRef>
+          <a:fontRef idx="minor">
+            <a:schemeClr val="tx1"/>
+          </a:fontRef>
+        </p:style>
+        <p:txBody>
+          <a:bodyPr rtlCol="0" anchor="ctr"/>
+          <a:lstStyle/>
+          <a:p>
+            <a:pPr algn="ctr"/>
+            <a:endParaRPr lang="en-US" dirty="0"/>
+          </a:p>
+        </p:txBody>
+      </p:sp>
+      <p:sp>
+        <p:nvSpPr>
+          <p:cNvPr id="3" name="Espaço Reservado para Conteúdo 2">
+            <a:extLst>
+              <a:ext uri="{FF2B5EF4-FFF2-40B4-BE49-F238E27FC236}">
+                <a16:creationId xmlns:a16="http://schemas.microsoft.com/office/drawing/2014/main" id="{69077D4C-F2A1-C668-7B95-F2B25BC939F6}"/>
+              </a:ext>
+            </a:extLst>
+          </p:cNvPr>
+          <p:cNvSpPr>
+            <a:spLocks noGrp="1"/>
+          </p:cNvSpPr>
+          <p:nvPr>
+            <p:ph idx="1"/>
+          </p:nvPr>
+        </p:nvSpPr>
+        <p:spPr>
+          <a:xfrm>
+            <a:off x="4447308" y="591344"/>
+            <a:ext cx="6906491" cy="5585619"/>
+          </a:xfrm>
+        </p:spPr>
+        <p:txBody>
+          <a:bodyPr anchor="ctr">
+            <a:normAutofit/>
+          </a:bodyPr>
+          <a:lstStyle/>
+          <a:p>
+            <a:r>
+              <a:rPr lang="pt-BR" dirty="0"/>
+              <a:t>Definição de POO</a:t>
+            </a:r>
+          </a:p>
+          <a:p>
+            <a:r>
+              <a:rPr lang="pt-BR" dirty="0"/>
+              <a:t>Comparação com outros paradigmas de programação</a:t>
+            </a:r>
+          </a:p>
+          <a:p>
+            <a:r>
+              <a:rPr lang="pt-BR" dirty="0"/>
+              <a:t>Vantagens e benefícios da OO</a:t>
+            </a:r>
+          </a:p>
+          <a:p>
+            <a:r>
+              <a:rPr lang="pt-BR" dirty="0"/>
+              <a:t>Desvantagens da OO</a:t>
+            </a:r>
+          </a:p>
+        </p:txBody>
+      </p:sp>
+      <p:pic>
+        <p:nvPicPr>
+          <p:cNvPr id="4" name="Imagem 3" descr="Logotipo, nome da empresa&#10;&#10;Descrição gerada automaticamente">
+            <a:extLst>
+              <a:ext uri="{FF2B5EF4-FFF2-40B4-BE49-F238E27FC236}">
+                <a16:creationId xmlns:a16="http://schemas.microsoft.com/office/drawing/2014/main" id="{7094D36D-C578-1FEE-CD11-3623D976B2AC}"/>
+              </a:ext>
+            </a:extLst>
+          </p:cNvPr>
+          <p:cNvPicPr>
+            <a:picLocks noChangeAspect="1"/>
+          </p:cNvPicPr>
+          <p:nvPr/>
+        </p:nvPicPr>
+        <p:blipFill>
+          <a:blip r:embed="rId2"/>
+          <a:stretch>
+            <a:fillRect/>
+          </a:stretch>
+        </p:blipFill>
+        <p:spPr>
+          <a:xfrm>
+            <a:off x="11099925" y="5824981"/>
+            <a:ext cx="1065914" cy="1065914"/>
+          </a:xfrm>
+          <a:custGeom>
+            <a:avLst/>
+            <a:gdLst/>
+            <a:ahLst/>
+            <a:cxnLst/>
+            <a:rect l="l" t="t" r="r" b="b"/>
+            <a:pathLst>
+              <a:path w="2833631" h="2677010">
+                <a:moveTo>
+                  <a:pt x="49418" y="0"/>
+                </a:moveTo>
+                <a:lnTo>
+                  <a:pt x="2784213" y="0"/>
+                </a:lnTo>
+                <a:cubicBezTo>
+                  <a:pt x="2811506" y="0"/>
+                  <a:pt x="2833631" y="22125"/>
+                  <a:pt x="2833631" y="49418"/>
+                </a:cubicBezTo>
+                <a:lnTo>
+                  <a:pt x="2833631" y="2627592"/>
+                </a:lnTo>
+                <a:cubicBezTo>
+                  <a:pt x="2833631" y="2654885"/>
+                  <a:pt x="2811506" y="2677010"/>
+                  <a:pt x="2784213" y="2677010"/>
+                </a:cubicBezTo>
+                <a:lnTo>
+                  <a:pt x="49418" y="2677010"/>
+                </a:lnTo>
+                <a:cubicBezTo>
+                  <a:pt x="22125" y="2677010"/>
+                  <a:pt x="0" y="2654885"/>
+                  <a:pt x="0" y="2627592"/>
+                </a:cubicBezTo>
+                <a:lnTo>
+                  <a:pt x="0" y="49418"/>
+                </a:lnTo>
+                <a:cubicBezTo>
+                  <a:pt x="0" y="22125"/>
+                  <a:pt x="22125" y="0"/>
+                  <a:pt x="49418" y="0"/>
+                </a:cubicBezTo>
+                <a:close/>
+              </a:path>
+            </a:pathLst>
+          </a:custGeom>
+        </p:spPr>
+      </p:pic>
+    </p:spTree>
+    <p:extLst>
+      <p:ext uri="{BB962C8B-B14F-4D97-AF65-F5344CB8AC3E}">
+        <p14:creationId xmlns:p14="http://schemas.microsoft.com/office/powerpoint/2010/main" val="372220404"/>
+      </p:ext>
+    </p:extLst>
+  </p:cSld>
+  <p:clrMapOvr>
+    <a:masterClrMapping/>
+  </p:clrMapOvr>
+</p:sld>
+</file>
+
+<file path=ppt/slides/slide3.xml><?xml version="1.0" encoding="utf-8"?>
+<p:sld xmlns:a="http://schemas.openxmlformats.org/drawingml/2006/main" xmlns:r="http://schemas.openxmlformats.org/officeDocument/2006/relationships" xmlns:p="http://schemas.openxmlformats.org/presentationml/2006/main">
+  <p:cSld>
+    <p:bg>
+      <p:bgPr>
+        <a:solidFill>
+          <a:schemeClr val="bg1"/>
+        </a:solidFill>
+        <a:effectLst/>
+      </p:bgPr>
+    </p:bg>
+    <p:spTree>
+      <p:nvGrpSpPr>
+        <p:cNvPr id="1" name="">
+          <a:extLst>
+            <a:ext uri="{FF2B5EF4-FFF2-40B4-BE49-F238E27FC236}">
+              <a16:creationId xmlns:a16="http://schemas.microsoft.com/office/drawing/2014/main" id="{A1C107B5-8882-8074-E9F7-ED041BC5A81A}"/>
+            </a:ext>
+          </a:extLst>
+        </p:cNvPr>
+        <p:cNvGrpSpPr/>
+        <p:nvPr/>
+      </p:nvGrpSpPr>
+      <p:grpSpPr>
+        <a:xfrm>
+          <a:off x="0" y="0"/>
+          <a:ext cx="0" cy="0"/>
+          <a:chOff x="0" y="0"/>
+          <a:chExt cx="0" cy="0"/>
+        </a:xfrm>
+      </p:grpSpPr>
+      <p:sp useBgFill="1">
+        <p:nvSpPr>
+          <p:cNvPr id="8" name="Rectangle 7">
+            <a:extLst>
+              <a:ext uri="{FF2B5EF4-FFF2-40B4-BE49-F238E27FC236}">
+                <a16:creationId xmlns:a16="http://schemas.microsoft.com/office/drawing/2014/main" id="{4AC0C466-F56C-43F7-8BA5-13A57EEE33C3}"/>
+              </a:ext>
+              <a:ext uri="{C183D7F6-B498-43B3-948B-1728B52AA6E4}">
+                <adec:decorative xmlns:adec="http://schemas.microsoft.com/office/drawing/2017/decorative" val="1"/>
+              </a:ext>
+            </a:extLst>
+          </p:cNvPr>
+          <p:cNvSpPr>
+            <a:spLocks noGrp="1" noRot="1" noChangeAspect="1" noMove="1" noResize="1" noEditPoints="1" noAdjustHandles="1" noChangeArrowheads="1" noChangeShapeType="1" noTextEdit="1"/>
+          </p:cNvSpPr>
+          <p:nvPr>
+            <p:extLst>
+              <p:ext uri="{386F3935-93C4-4BCD-93E2-E3B085C9AB24}">
+                <p16:designElem xmlns:p16="http://schemas.microsoft.com/office/powerpoint/2015/main" val="1"/>
+              </p:ext>
+            </p:extLst>
+          </p:nvPr>
+        </p:nvSpPr>
+        <p:spPr>
+          <a:xfrm>
+            <a:off x="3048" y="0"/>
+            <a:ext cx="12188952" cy="6858000"/>
+          </a:xfrm>
+          <a:prstGeom prst="rect">
+            <a:avLst/>
+          </a:prstGeom>
+          <a:ln>
+            <a:noFill/>
+          </a:ln>
+        </p:spPr>
+        <p:style>
+          <a:lnRef idx="2">
+            <a:schemeClr val="accent1">
+              <a:shade val="50000"/>
+            </a:schemeClr>
+          </a:lnRef>
+          <a:fillRef idx="1">
+            <a:schemeClr val="accent1"/>
+          </a:fillRef>
+          <a:effectRef idx="0">
+            <a:schemeClr val="accent1"/>
+          </a:effectRef>
+          <a:fontRef idx="minor">
+            <a:schemeClr val="lt1"/>
+          </a:fontRef>
+        </p:style>
+        <p:txBody>
+          <a:bodyPr rtlCol="0" anchor="ctr"/>
+          <a:lstStyle/>
+          <a:p>
+            <a:pPr algn="ctr"/>
+            <a:endParaRPr lang="en-US"/>
+          </a:p>
+        </p:txBody>
+      </p:sp>
+      <p:sp>
+        <p:nvSpPr>
+          <p:cNvPr id="10" name="Freeform: Shape 9">
+            <a:extLst>
+              <a:ext uri="{FF2B5EF4-FFF2-40B4-BE49-F238E27FC236}">
+                <a16:creationId xmlns:a16="http://schemas.microsoft.com/office/drawing/2014/main" id="{5BE892E1-E4C7-898C-5441-6D35058341D2}"/>
+              </a:ext>
+              <a:ext uri="{C183D7F6-B498-43B3-948B-1728B52AA6E4}">
+                <adec:decorative xmlns:adec="http://schemas.microsoft.com/office/drawing/2017/decorative" val="1"/>
+              </a:ext>
+            </a:extLst>
+          </p:cNvPr>
+          <p:cNvSpPr>
+            <a:spLocks noGrp="1" noRot="1" noChangeAspect="1" noMove="1" noResize="1" noEditPoints="1" noAdjustHandles="1" noChangeArrowheads="1" noChangeShapeType="1" noTextEdit="1"/>
+          </p:cNvSpPr>
+          <p:nvPr>
+            <p:extLst>
+              <p:ext uri="{386F3935-93C4-4BCD-93E2-E3B085C9AB24}">
+                <p16:designElem xmlns:p16="http://schemas.microsoft.com/office/powerpoint/2015/main" val="1"/>
+              </p:ext>
+            </p:extLst>
+          </p:nvPr>
+        </p:nvSpPr>
+        <p:spPr>
+          <a:xfrm>
+            <a:off x="1" y="0"/>
+            <a:ext cx="4167271" cy="6858000"/>
+          </a:xfrm>
+          <a:custGeom>
+            <a:avLst/>
+            <a:gdLst>
+              <a:gd name="connsiteX0" fmla="*/ 0 w 4167271"/>
+              <a:gd name="connsiteY0" fmla="*/ 0 h 6858000"/>
+              <a:gd name="connsiteX1" fmla="*/ 2259550 w 4167271"/>
+              <a:gd name="connsiteY1" fmla="*/ 0 h 6858000"/>
+              <a:gd name="connsiteX2" fmla="*/ 2387803 w 4167271"/>
+              <a:gd name="connsiteY2" fmla="*/ 82222 h 6858000"/>
+              <a:gd name="connsiteX3" fmla="*/ 4167271 w 4167271"/>
+              <a:gd name="connsiteY3" fmla="*/ 3429000 h 6858000"/>
+              <a:gd name="connsiteX4" fmla="*/ 2387803 w 4167271"/>
+              <a:gd name="connsiteY4" fmla="*/ 6775779 h 6858000"/>
+              <a:gd name="connsiteX5" fmla="*/ 2259550 w 4167271"/>
+              <a:gd name="connsiteY5" fmla="*/ 6858000 h 6858000"/>
+              <a:gd name="connsiteX6" fmla="*/ 0 w 4167271"/>
+              <a:gd name="connsiteY6" fmla="*/ 6858000 h 6858000"/>
+            </a:gdLst>
+            <a:ahLst/>
+            <a:cxnLst>
+              <a:cxn ang="0">
+                <a:pos x="connsiteX0" y="connsiteY0"/>
+              </a:cxn>
+              <a:cxn ang="0">
+                <a:pos x="connsiteX1" y="connsiteY1"/>
+              </a:cxn>
+              <a:cxn ang="0">
+                <a:pos x="connsiteX2" y="connsiteY2"/>
+              </a:cxn>
+              <a:cxn ang="0">
+                <a:pos x="connsiteX3" y="connsiteY3"/>
+              </a:cxn>
+              <a:cxn ang="0">
+                <a:pos x="connsiteX4" y="connsiteY4"/>
+              </a:cxn>
+              <a:cxn ang="0">
+                <a:pos x="connsiteX5" y="connsiteY5"/>
+              </a:cxn>
+              <a:cxn ang="0">
+                <a:pos x="connsiteX6" y="connsiteY6"/>
+              </a:cxn>
+            </a:cxnLst>
+            <a:rect l="l" t="t" r="r" b="b"/>
+            <a:pathLst>
+              <a:path w="4167271" h="6858000">
+                <a:moveTo>
+                  <a:pt x="0" y="0"/>
+                </a:moveTo>
+                <a:lnTo>
+                  <a:pt x="2259550" y="0"/>
+                </a:lnTo>
+                <a:lnTo>
+                  <a:pt x="2387803" y="82222"/>
+                </a:lnTo>
+                <a:cubicBezTo>
+                  <a:pt x="3461407" y="807534"/>
+                  <a:pt x="4167271" y="2035835"/>
+                  <a:pt x="4167271" y="3429000"/>
+                </a:cubicBezTo>
+                <a:cubicBezTo>
+                  <a:pt x="4167271" y="4822165"/>
+                  <a:pt x="3461407" y="6050467"/>
+                  <a:pt x="2387803" y="6775779"/>
+                </a:cubicBezTo>
+                <a:lnTo>
+                  <a:pt x="2259550" y="6858000"/>
+                </a:lnTo>
+                <a:lnTo>
+                  <a:pt x="0" y="6858000"/>
+                </a:lnTo>
+                <a:close/>
+              </a:path>
+            </a:pathLst>
+          </a:custGeom>
+          <a:solidFill>
+            <a:schemeClr val="accent2"/>
+          </a:solidFill>
+          <a:ln>
+            <a:noFill/>
+          </a:ln>
+        </p:spPr>
+        <p:style>
+          <a:lnRef idx="2">
+            <a:schemeClr val="accent1">
+              <a:shade val="50000"/>
+            </a:schemeClr>
+          </a:lnRef>
+          <a:fillRef idx="1">
+            <a:schemeClr val="accent1"/>
+          </a:fillRef>
+          <a:effectRef idx="0">
+            <a:schemeClr val="accent1"/>
+          </a:effectRef>
+          <a:fontRef idx="minor">
+            <a:schemeClr val="lt1"/>
+          </a:fontRef>
+        </p:style>
+        <p:txBody>
+          <a:bodyPr rtlCol="0" anchor="ctr"/>
+          <a:lstStyle/>
+          <a:p>
+            <a:pPr algn="ctr"/>
+            <a:endParaRPr lang="en-US"/>
+          </a:p>
+        </p:txBody>
+      </p:sp>
+      <p:sp>
+        <p:nvSpPr>
+          <p:cNvPr id="2" name="Título 1">
+            <a:extLst>
+              <a:ext uri="{FF2B5EF4-FFF2-40B4-BE49-F238E27FC236}">
+                <a16:creationId xmlns:a16="http://schemas.microsoft.com/office/drawing/2014/main" id="{E73513A7-3189-44D6-FA3E-1839F32103DB}"/>
+              </a:ext>
+            </a:extLst>
+          </p:cNvPr>
+          <p:cNvSpPr>
+            <a:spLocks noGrp="1"/>
+          </p:cNvSpPr>
+          <p:nvPr>
+            <p:ph type="title"/>
+          </p:nvPr>
+        </p:nvSpPr>
+        <p:spPr>
+          <a:xfrm>
+            <a:off x="686834" y="1153572"/>
+            <a:ext cx="3200400" cy="4461163"/>
+          </a:xfrm>
+        </p:spPr>
+        <p:txBody>
+          <a:bodyPr>
+            <a:normAutofit/>
+          </a:bodyPr>
+          <a:lstStyle/>
+          <a:p>
+            <a:r>
+              <a:rPr lang="pt-BR" dirty="0">
+                <a:solidFill>
+                  <a:srgbClr val="FFFFFF"/>
+                </a:solidFill>
+              </a:rPr>
+              <a:t>Principais conceitos da POO</a:t>
+            </a:r>
+          </a:p>
+        </p:txBody>
+      </p:sp>
+      <p:sp>
+        <p:nvSpPr>
+          <p:cNvPr id="12" name="Arc 11">
+            <a:extLst>
+              <a:ext uri="{FF2B5EF4-FFF2-40B4-BE49-F238E27FC236}">
+                <a16:creationId xmlns:a16="http://schemas.microsoft.com/office/drawing/2014/main" id="{0C09DBCD-010E-D85C-40F0-02DEC728F152}"/>
+              </a:ext>
+              <a:ext uri="{C183D7F6-B498-43B3-948B-1728B52AA6E4}">
+                <adec:decorative xmlns:adec="http://schemas.microsoft.com/office/drawing/2017/decorative" val="1"/>
+              </a:ext>
+            </a:extLst>
+          </p:cNvPr>
+          <p:cNvSpPr>
+            <a:spLocks noGrp="1" noRot="1" noChangeAspect="1" noMove="1" noResize="1" noEditPoints="1" noAdjustHandles="1" noChangeArrowheads="1" noChangeShapeType="1" noTextEdit="1"/>
+          </p:cNvSpPr>
+          <p:nvPr>
+            <p:extLst>
+              <p:ext uri="{386F3935-93C4-4BCD-93E2-E3B085C9AB24}">
+                <p16:designElem xmlns:p16="http://schemas.microsoft.com/office/powerpoint/2015/main" val="1"/>
+              </p:ext>
+            </p:extLst>
+          </p:nvPr>
+        </p:nvSpPr>
+        <p:spPr>
+          <a:xfrm flipV="1">
+            <a:off x="7550402" y="2455479"/>
+            <a:ext cx="4083433" cy="4083433"/>
+          </a:xfrm>
+          <a:prstGeom prst="arc">
+            <a:avLst/>
+          </a:prstGeom>
+          <a:ln w="127000" cap="rnd">
+            <a:solidFill>
+              <a:schemeClr val="accent4"/>
+            </a:solidFill>
+            <a:prstDash val="dash"/>
+          </a:ln>
+        </p:spPr>
+        <p:style>
+          <a:lnRef idx="1">
+            <a:schemeClr val="accent1"/>
+          </a:lnRef>
+          <a:fillRef idx="0">
+            <a:schemeClr val="accent1"/>
+          </a:fillRef>
+          <a:effectRef idx="0">
+            <a:schemeClr val="accent1"/>
+          </a:effectRef>
+          <a:fontRef idx="minor">
+            <a:schemeClr val="tx1"/>
+          </a:fontRef>
+        </p:style>
+        <p:txBody>
+          <a:bodyPr rtlCol="0" anchor="ctr"/>
+          <a:lstStyle/>
+          <a:p>
+            <a:pPr algn="ctr"/>
+            <a:endParaRPr lang="en-US" dirty="0"/>
+          </a:p>
+        </p:txBody>
+      </p:sp>
+      <p:sp>
+        <p:nvSpPr>
+          <p:cNvPr id="3" name="Espaço Reservado para Conteúdo 2">
+            <a:extLst>
+              <a:ext uri="{FF2B5EF4-FFF2-40B4-BE49-F238E27FC236}">
+                <a16:creationId xmlns:a16="http://schemas.microsoft.com/office/drawing/2014/main" id="{D658C61A-03E2-2683-0E76-811EAA72040A}"/>
+              </a:ext>
+            </a:extLst>
+          </p:cNvPr>
+          <p:cNvSpPr>
+            <a:spLocks noGrp="1"/>
+          </p:cNvSpPr>
+          <p:nvPr>
+            <p:ph idx="1"/>
+          </p:nvPr>
+        </p:nvSpPr>
+        <p:spPr>
+          <a:xfrm>
+            <a:off x="4097156" y="63163"/>
+            <a:ext cx="6906491" cy="2107644"/>
+          </a:xfrm>
+        </p:spPr>
+        <p:txBody>
+          <a:bodyPr anchor="ctr">
+            <a:normAutofit/>
+          </a:bodyPr>
+          <a:lstStyle/>
+          <a:p>
+            <a:r>
+              <a:rPr lang="pt-BR" dirty="0"/>
+              <a:t>O que é uma classe ?</a:t>
+            </a:r>
+          </a:p>
+          <a:p>
+            <a:r>
+              <a:rPr lang="pt-BR" dirty="0"/>
+              <a:t>O que é um objeto ?</a:t>
+            </a:r>
+          </a:p>
+          <a:p>
+            <a:r>
+              <a:rPr lang="pt-BR" dirty="0"/>
+              <a:t>O que são atributos e métodos?</a:t>
+            </a:r>
+          </a:p>
+        </p:txBody>
+      </p:sp>
+      <p:pic>
+        <p:nvPicPr>
+          <p:cNvPr id="4" name="Imagem 3" descr="Logotipo, nome da empresa&#10;&#10;Descrição gerada automaticamente">
+            <a:extLst>
+              <a:ext uri="{FF2B5EF4-FFF2-40B4-BE49-F238E27FC236}">
+                <a16:creationId xmlns:a16="http://schemas.microsoft.com/office/drawing/2014/main" id="{95CC3F00-718D-4748-88FE-BE80FDF2EA07}"/>
+              </a:ext>
+            </a:extLst>
+          </p:cNvPr>
+          <p:cNvPicPr>
+            <a:picLocks noChangeAspect="1"/>
+          </p:cNvPicPr>
+          <p:nvPr/>
+        </p:nvPicPr>
+        <p:blipFill>
+          <a:blip r:embed="rId2"/>
+          <a:stretch>
+            <a:fillRect/>
+          </a:stretch>
+        </p:blipFill>
+        <p:spPr>
+          <a:xfrm>
+            <a:off x="11099925" y="5824981"/>
+            <a:ext cx="1065914" cy="1065914"/>
+          </a:xfrm>
+          <a:custGeom>
+            <a:avLst/>
+            <a:gdLst/>
+            <a:ahLst/>
+            <a:cxnLst/>
+            <a:rect l="l" t="t" r="r" b="b"/>
+            <a:pathLst>
+              <a:path w="2833631" h="2677010">
+                <a:moveTo>
+                  <a:pt x="49418" y="0"/>
+                </a:moveTo>
+                <a:lnTo>
+                  <a:pt x="2784213" y="0"/>
+                </a:lnTo>
+                <a:cubicBezTo>
+                  <a:pt x="2811506" y="0"/>
+                  <a:pt x="2833631" y="22125"/>
+                  <a:pt x="2833631" y="49418"/>
+                </a:cubicBezTo>
+                <a:lnTo>
+                  <a:pt x="2833631" y="2627592"/>
+                </a:lnTo>
+                <a:cubicBezTo>
+                  <a:pt x="2833631" y="2654885"/>
+                  <a:pt x="2811506" y="2677010"/>
+                  <a:pt x="2784213" y="2677010"/>
+                </a:cubicBezTo>
+                <a:lnTo>
+                  <a:pt x="49418" y="2677010"/>
+                </a:lnTo>
+                <a:cubicBezTo>
+                  <a:pt x="22125" y="2677010"/>
+                  <a:pt x="0" y="2654885"/>
+                  <a:pt x="0" y="2627592"/>
+                </a:cubicBezTo>
+                <a:lnTo>
+                  <a:pt x="0" y="49418"/>
+                </a:lnTo>
+                <a:cubicBezTo>
+                  <a:pt x="0" y="22125"/>
+                  <a:pt x="22125" y="0"/>
+                  <a:pt x="49418" y="0"/>
+                </a:cubicBezTo>
+                <a:close/>
+              </a:path>
+            </a:pathLst>
+          </a:custGeom>
+        </p:spPr>
+      </p:pic>
+      <p:sp>
+        <p:nvSpPr>
+          <p:cNvPr id="7" name="Retângulo Arredondado 6">
+            <a:extLst>
+              <a:ext uri="{FF2B5EF4-FFF2-40B4-BE49-F238E27FC236}">
+                <a16:creationId xmlns:a16="http://schemas.microsoft.com/office/drawing/2014/main" id="{D80E1A8D-26B2-C49F-C8BC-9D179BE3C9FE}"/>
+              </a:ext>
+            </a:extLst>
+          </p:cNvPr>
+          <p:cNvSpPr/>
+          <p:nvPr/>
+        </p:nvSpPr>
+        <p:spPr>
+          <a:xfrm>
+            <a:off x="4476643" y="2957336"/>
+            <a:ext cx="1708030" cy="483079"/>
+          </a:xfrm>
+          <a:prstGeom prst="roundRect">
+            <a:avLst>
+              <a:gd name="adj" fmla="val 0"/>
+            </a:avLst>
+          </a:prstGeom>
+          <a:solidFill>
+            <a:schemeClr val="bg1"/>
+          </a:solidFill>
+          <a:ln>
+            <a:prstDash val="dashDot"/>
+          </a:ln>
+        </p:spPr>
+        <p:style>
+          <a:lnRef idx="2">
+            <a:schemeClr val="accent1">
+              <a:shade val="15000"/>
+            </a:schemeClr>
+          </a:lnRef>
+          <a:fillRef idx="1">
+            <a:schemeClr val="accent1"/>
+          </a:fillRef>
+          <a:effectRef idx="0">
+            <a:schemeClr val="accent1"/>
+          </a:effectRef>
+          <a:fontRef idx="minor">
+            <a:schemeClr val="lt1"/>
+          </a:fontRef>
+        </p:style>
+        <p:txBody>
+          <a:bodyPr rtlCol="0" anchor="ctr"/>
+          <a:lstStyle/>
+          <a:p>
+            <a:pPr algn="ctr"/>
+            <a:r>
+              <a:rPr lang="pt-BR" dirty="0">
+                <a:solidFill>
+                  <a:schemeClr val="bg2">
+                    <a:lumMod val="75000"/>
+                  </a:schemeClr>
+                </a:solidFill>
+              </a:rPr>
+              <a:t>Classe</a:t>
+            </a:r>
+          </a:p>
+        </p:txBody>
+      </p:sp>
+      <p:sp>
+        <p:nvSpPr>
+          <p:cNvPr id="11" name="Retângulo Arredondado 10">
+            <a:extLst>
+              <a:ext uri="{FF2B5EF4-FFF2-40B4-BE49-F238E27FC236}">
+                <a16:creationId xmlns:a16="http://schemas.microsoft.com/office/drawing/2014/main" id="{2396CE7D-102B-893C-039F-181C4A6B5015}"/>
+              </a:ext>
+            </a:extLst>
+          </p:cNvPr>
+          <p:cNvSpPr/>
+          <p:nvPr/>
+        </p:nvSpPr>
+        <p:spPr>
+          <a:xfrm>
+            <a:off x="4479655" y="3440415"/>
+            <a:ext cx="1708030" cy="1181819"/>
+          </a:xfrm>
+          <a:prstGeom prst="roundRect">
+            <a:avLst>
+              <a:gd name="adj" fmla="val 0"/>
+            </a:avLst>
+          </a:prstGeom>
+          <a:solidFill>
+            <a:schemeClr val="bg1"/>
+          </a:solidFill>
+          <a:ln>
+            <a:prstDash val="dashDot"/>
+          </a:ln>
+        </p:spPr>
+        <p:style>
+          <a:lnRef idx="2">
+            <a:schemeClr val="accent1">
+              <a:shade val="15000"/>
+            </a:schemeClr>
+          </a:lnRef>
+          <a:fillRef idx="1">
+            <a:schemeClr val="accent1"/>
+          </a:fillRef>
+          <a:effectRef idx="0">
+            <a:schemeClr val="accent1"/>
+          </a:effectRef>
+          <a:fontRef idx="minor">
+            <a:schemeClr val="lt1"/>
+          </a:fontRef>
+        </p:style>
+        <p:txBody>
+          <a:bodyPr rtlCol="0" anchor="ctr"/>
+          <a:lstStyle/>
+          <a:p>
+            <a:r>
+              <a:rPr lang="pt-BR" dirty="0">
+                <a:solidFill>
+                  <a:schemeClr val="bg2">
+                    <a:lumMod val="75000"/>
+                  </a:schemeClr>
+                </a:solidFill>
+              </a:rPr>
+              <a:t>Atributo1: Tipo</a:t>
+            </a:r>
+          </a:p>
+          <a:p>
+            <a:r>
+              <a:rPr lang="pt-BR" dirty="0">
+                <a:solidFill>
+                  <a:schemeClr val="bg2">
+                    <a:lumMod val="75000"/>
+                  </a:schemeClr>
+                </a:solidFill>
+              </a:rPr>
+              <a:t>Atributo2: Tipo</a:t>
+            </a:r>
+          </a:p>
+          <a:p>
+            <a:r>
+              <a:rPr lang="pt-BR" dirty="0">
+                <a:solidFill>
+                  <a:schemeClr val="bg2">
+                    <a:lumMod val="75000"/>
+                  </a:schemeClr>
+                </a:solidFill>
+              </a:rPr>
+              <a:t>Atributo3: Tipo</a:t>
+            </a:r>
+          </a:p>
+        </p:txBody>
+      </p:sp>
+      <p:sp>
+        <p:nvSpPr>
+          <p:cNvPr id="13" name="Retângulo Arredondado 12">
+            <a:extLst>
+              <a:ext uri="{FF2B5EF4-FFF2-40B4-BE49-F238E27FC236}">
+                <a16:creationId xmlns:a16="http://schemas.microsoft.com/office/drawing/2014/main" id="{35D1FB38-C830-4E1B-5928-9580B933DA0B}"/>
+              </a:ext>
+            </a:extLst>
+          </p:cNvPr>
+          <p:cNvSpPr/>
+          <p:nvPr/>
+        </p:nvSpPr>
+        <p:spPr>
+          <a:xfrm>
+            <a:off x="4476643" y="4622234"/>
+            <a:ext cx="1708030" cy="483079"/>
+          </a:xfrm>
+          <a:prstGeom prst="roundRect">
+            <a:avLst>
+              <a:gd name="adj" fmla="val 0"/>
+            </a:avLst>
+          </a:prstGeom>
+          <a:solidFill>
+            <a:schemeClr val="bg1"/>
+          </a:solidFill>
+          <a:ln>
+            <a:prstDash val="dashDot"/>
+          </a:ln>
+        </p:spPr>
+        <p:style>
+          <a:lnRef idx="2">
+            <a:schemeClr val="accent1">
+              <a:shade val="15000"/>
+            </a:schemeClr>
+          </a:lnRef>
+          <a:fillRef idx="1">
+            <a:schemeClr val="accent1"/>
+          </a:fillRef>
+          <a:effectRef idx="0">
+            <a:schemeClr val="accent1"/>
+          </a:effectRef>
+          <a:fontRef idx="minor">
+            <a:schemeClr val="lt1"/>
+          </a:fontRef>
+        </p:style>
+        <p:txBody>
+          <a:bodyPr rtlCol="0" anchor="ctr"/>
+          <a:lstStyle/>
+          <a:p>
+            <a:r>
+              <a:rPr lang="pt-BR" dirty="0">
+                <a:solidFill>
+                  <a:schemeClr val="bg2">
+                    <a:lumMod val="75000"/>
+                  </a:schemeClr>
+                </a:solidFill>
+              </a:rPr>
+              <a:t>Método1: Tipo</a:t>
+            </a:r>
+          </a:p>
+        </p:txBody>
+      </p:sp>
+      <p:sp>
+        <p:nvSpPr>
+          <p:cNvPr id="15" name="Retângulo Arredondado 14">
+            <a:extLst>
+              <a:ext uri="{FF2B5EF4-FFF2-40B4-BE49-F238E27FC236}">
+                <a16:creationId xmlns:a16="http://schemas.microsoft.com/office/drawing/2014/main" id="{71B80721-A0B9-3124-644D-7275F4C14116}"/>
+              </a:ext>
+            </a:extLst>
+          </p:cNvPr>
+          <p:cNvSpPr/>
+          <p:nvPr/>
+        </p:nvSpPr>
+        <p:spPr>
+          <a:xfrm>
+            <a:off x="7786778" y="1992430"/>
+            <a:ext cx="1708030" cy="483079"/>
+          </a:xfrm>
+          <a:prstGeom prst="roundRect">
+            <a:avLst>
+              <a:gd name="adj" fmla="val 0"/>
+            </a:avLst>
+          </a:prstGeom>
+          <a:solidFill>
+            <a:schemeClr val="bg1"/>
+          </a:solidFill>
+        </p:spPr>
+        <p:style>
+          <a:lnRef idx="2">
+            <a:schemeClr val="accent1">
+              <a:shade val="15000"/>
+            </a:schemeClr>
+          </a:lnRef>
+          <a:fillRef idx="1">
+            <a:schemeClr val="accent1"/>
+          </a:fillRef>
+          <a:effectRef idx="0">
+            <a:schemeClr val="accent1"/>
+          </a:effectRef>
+          <a:fontRef idx="minor">
+            <a:schemeClr val="lt1"/>
+          </a:fontRef>
+        </p:style>
+        <p:txBody>
+          <a:bodyPr rtlCol="0" anchor="ctr"/>
+          <a:lstStyle/>
+          <a:p>
+            <a:pPr algn="ctr"/>
+            <a:r>
+              <a:rPr lang="pt-BR" dirty="0">
+                <a:solidFill>
+                  <a:schemeClr val="tx1"/>
+                </a:solidFill>
+              </a:rPr>
+              <a:t>Objeto1</a:t>
+            </a:r>
+            <a:endParaRPr lang="pt-BR" dirty="0">
+              <a:solidFill>
+                <a:schemeClr val="accent2"/>
+              </a:solidFill>
+            </a:endParaRPr>
+          </a:p>
+        </p:txBody>
+      </p:sp>
+      <p:sp>
+        <p:nvSpPr>
+          <p:cNvPr id="16" name="Retângulo Arredondado 15">
+            <a:extLst>
+              <a:ext uri="{FF2B5EF4-FFF2-40B4-BE49-F238E27FC236}">
+                <a16:creationId xmlns:a16="http://schemas.microsoft.com/office/drawing/2014/main" id="{0D5B3838-8451-6834-D474-EE5B5FABF7FB}"/>
+              </a:ext>
+            </a:extLst>
+          </p:cNvPr>
+          <p:cNvSpPr/>
+          <p:nvPr/>
+        </p:nvSpPr>
+        <p:spPr>
+          <a:xfrm>
+            <a:off x="7789790" y="2475509"/>
+            <a:ext cx="1708030" cy="1181819"/>
+          </a:xfrm>
+          <a:prstGeom prst="roundRect">
+            <a:avLst>
+              <a:gd name="adj" fmla="val 0"/>
+            </a:avLst>
+          </a:prstGeom>
+          <a:solidFill>
+            <a:schemeClr val="bg1"/>
+          </a:solidFill>
+        </p:spPr>
+        <p:style>
+          <a:lnRef idx="2">
+            <a:schemeClr val="accent1">
+              <a:shade val="15000"/>
+            </a:schemeClr>
+          </a:lnRef>
+          <a:fillRef idx="1">
+            <a:schemeClr val="accent1"/>
+          </a:fillRef>
+          <a:effectRef idx="0">
+            <a:schemeClr val="accent1"/>
+          </a:effectRef>
+          <a:fontRef idx="minor">
+            <a:schemeClr val="lt1"/>
+          </a:fontRef>
+        </p:style>
+        <p:txBody>
+          <a:bodyPr rtlCol="0" anchor="ctr"/>
+          <a:lstStyle/>
+          <a:p>
+            <a:r>
+              <a:rPr lang="pt-BR" dirty="0">
+                <a:solidFill>
+                  <a:schemeClr val="tx1"/>
+                </a:solidFill>
+              </a:rPr>
+              <a:t>Atributo1</a:t>
+            </a:r>
+          </a:p>
+          <a:p>
+            <a:r>
+              <a:rPr lang="pt-BR" dirty="0">
+                <a:solidFill>
+                  <a:schemeClr val="tx1"/>
+                </a:solidFill>
+              </a:rPr>
+              <a:t>Atributo2</a:t>
+            </a:r>
+          </a:p>
+          <a:p>
+            <a:r>
+              <a:rPr lang="pt-BR" dirty="0">
+                <a:solidFill>
+                  <a:schemeClr val="tx1"/>
+                </a:solidFill>
+              </a:rPr>
+              <a:t>Atributo3</a:t>
+            </a:r>
+          </a:p>
+        </p:txBody>
+      </p:sp>
+      <p:sp>
+        <p:nvSpPr>
+          <p:cNvPr id="17" name="Retângulo Arredondado 16">
+            <a:extLst>
+              <a:ext uri="{FF2B5EF4-FFF2-40B4-BE49-F238E27FC236}">
+                <a16:creationId xmlns:a16="http://schemas.microsoft.com/office/drawing/2014/main" id="{990E3210-E23D-F83A-DD41-6E2E6CF5BECB}"/>
+              </a:ext>
+            </a:extLst>
+          </p:cNvPr>
+          <p:cNvSpPr/>
+          <p:nvPr/>
+        </p:nvSpPr>
+        <p:spPr>
+          <a:xfrm>
+            <a:off x="7786778" y="3657328"/>
+            <a:ext cx="1708030" cy="483079"/>
+          </a:xfrm>
+          <a:prstGeom prst="roundRect">
+            <a:avLst>
+              <a:gd name="adj" fmla="val 0"/>
+            </a:avLst>
+          </a:prstGeom>
+          <a:solidFill>
+            <a:schemeClr val="bg1"/>
+          </a:solidFill>
+        </p:spPr>
+        <p:style>
+          <a:lnRef idx="2">
+            <a:schemeClr val="accent1">
+              <a:shade val="15000"/>
+            </a:schemeClr>
+          </a:lnRef>
+          <a:fillRef idx="1">
+            <a:schemeClr val="accent1"/>
+          </a:fillRef>
+          <a:effectRef idx="0">
+            <a:schemeClr val="accent1"/>
+          </a:effectRef>
+          <a:fontRef idx="minor">
+            <a:schemeClr val="lt1"/>
+          </a:fontRef>
+        </p:style>
+        <p:txBody>
+          <a:bodyPr rtlCol="0" anchor="ctr"/>
+          <a:lstStyle/>
+          <a:p>
+            <a:r>
+              <a:rPr lang="pt-BR" dirty="0">
+                <a:solidFill>
+                  <a:schemeClr val="tx1"/>
+                </a:solidFill>
+              </a:rPr>
+              <a:t>Método1</a:t>
+            </a:r>
+          </a:p>
+        </p:txBody>
+      </p:sp>
+      <p:sp>
+        <p:nvSpPr>
+          <p:cNvPr id="18" name="Retângulo Arredondado 17">
+            <a:extLst>
+              <a:ext uri="{FF2B5EF4-FFF2-40B4-BE49-F238E27FC236}">
+                <a16:creationId xmlns:a16="http://schemas.microsoft.com/office/drawing/2014/main" id="{F5C3ECA7-A588-3261-B692-96A27C6BC8C4}"/>
+              </a:ext>
+            </a:extLst>
+          </p:cNvPr>
+          <p:cNvSpPr/>
+          <p:nvPr/>
+        </p:nvSpPr>
+        <p:spPr>
+          <a:xfrm>
+            <a:off x="7786778" y="4265671"/>
+            <a:ext cx="1708030" cy="483079"/>
+          </a:xfrm>
+          <a:prstGeom prst="roundRect">
+            <a:avLst>
+              <a:gd name="adj" fmla="val 0"/>
+            </a:avLst>
+          </a:prstGeom>
+          <a:solidFill>
+            <a:schemeClr val="bg1"/>
+          </a:solidFill>
+        </p:spPr>
+        <p:style>
+          <a:lnRef idx="2">
+            <a:schemeClr val="accent1">
+              <a:shade val="15000"/>
+            </a:schemeClr>
+          </a:lnRef>
+          <a:fillRef idx="1">
+            <a:schemeClr val="accent1"/>
+          </a:fillRef>
+          <a:effectRef idx="0">
+            <a:schemeClr val="accent1"/>
+          </a:effectRef>
+          <a:fontRef idx="minor">
+            <a:schemeClr val="lt1"/>
+          </a:fontRef>
+        </p:style>
+        <p:txBody>
+          <a:bodyPr rtlCol="0" anchor="ctr"/>
+          <a:lstStyle/>
+          <a:p>
+            <a:pPr algn="ctr"/>
+            <a:r>
+              <a:rPr lang="pt-BR" dirty="0">
+                <a:solidFill>
+                  <a:schemeClr val="tx1"/>
+                </a:solidFill>
+              </a:rPr>
+              <a:t>Objeto</a:t>
+            </a:r>
+            <a:endParaRPr lang="pt-BR" dirty="0">
+              <a:solidFill>
+                <a:schemeClr val="accent2"/>
+              </a:solidFill>
+            </a:endParaRPr>
+          </a:p>
+        </p:txBody>
+      </p:sp>
+      <p:sp>
+        <p:nvSpPr>
+          <p:cNvPr id="19" name="Retângulo Arredondado 18">
+            <a:extLst>
+              <a:ext uri="{FF2B5EF4-FFF2-40B4-BE49-F238E27FC236}">
+                <a16:creationId xmlns:a16="http://schemas.microsoft.com/office/drawing/2014/main" id="{4D824774-01B3-6CC4-7B06-03B0B3CEF773}"/>
+              </a:ext>
+            </a:extLst>
+          </p:cNvPr>
+          <p:cNvSpPr/>
+          <p:nvPr/>
+        </p:nvSpPr>
+        <p:spPr>
+          <a:xfrm>
+            <a:off x="7789790" y="4748750"/>
+            <a:ext cx="1708030" cy="1181819"/>
+          </a:xfrm>
+          <a:prstGeom prst="roundRect">
+            <a:avLst>
+              <a:gd name="adj" fmla="val 0"/>
+            </a:avLst>
+          </a:prstGeom>
+          <a:solidFill>
+            <a:schemeClr val="bg1"/>
+          </a:solidFill>
+        </p:spPr>
+        <p:style>
+          <a:lnRef idx="2">
+            <a:schemeClr val="accent1">
+              <a:shade val="15000"/>
+            </a:schemeClr>
+          </a:lnRef>
+          <a:fillRef idx="1">
+            <a:schemeClr val="accent1"/>
+          </a:fillRef>
+          <a:effectRef idx="0">
+            <a:schemeClr val="accent1"/>
+          </a:effectRef>
+          <a:fontRef idx="minor">
+            <a:schemeClr val="lt1"/>
+          </a:fontRef>
+        </p:style>
+        <p:txBody>
+          <a:bodyPr rtlCol="0" anchor="ctr"/>
+          <a:lstStyle/>
+          <a:p>
+            <a:r>
+              <a:rPr lang="pt-BR" dirty="0">
+                <a:solidFill>
+                  <a:schemeClr val="tx1"/>
+                </a:solidFill>
+              </a:rPr>
+              <a:t>Atributo1</a:t>
+            </a:r>
+          </a:p>
+          <a:p>
+            <a:r>
+              <a:rPr lang="pt-BR" dirty="0">
+                <a:solidFill>
+                  <a:schemeClr val="tx1"/>
+                </a:solidFill>
+              </a:rPr>
+              <a:t>Atributo2</a:t>
+            </a:r>
+          </a:p>
+          <a:p>
+            <a:r>
+              <a:rPr lang="pt-BR" dirty="0">
+                <a:solidFill>
+                  <a:schemeClr val="tx1"/>
+                </a:solidFill>
+              </a:rPr>
+              <a:t>Atributo3</a:t>
+            </a:r>
+          </a:p>
+        </p:txBody>
+      </p:sp>
+      <p:sp>
+        <p:nvSpPr>
+          <p:cNvPr id="20" name="Retângulo Arredondado 19">
+            <a:extLst>
+              <a:ext uri="{FF2B5EF4-FFF2-40B4-BE49-F238E27FC236}">
+                <a16:creationId xmlns:a16="http://schemas.microsoft.com/office/drawing/2014/main" id="{4D44E5CA-1E51-13BC-EAED-C293706A17C9}"/>
+              </a:ext>
+            </a:extLst>
+          </p:cNvPr>
+          <p:cNvSpPr/>
+          <p:nvPr/>
+        </p:nvSpPr>
+        <p:spPr>
+          <a:xfrm>
+            <a:off x="7786778" y="5930569"/>
+            <a:ext cx="1708030" cy="483079"/>
+          </a:xfrm>
+          <a:prstGeom prst="roundRect">
+            <a:avLst>
+              <a:gd name="adj" fmla="val 0"/>
+            </a:avLst>
+          </a:prstGeom>
+          <a:solidFill>
+            <a:schemeClr val="bg1"/>
+          </a:solidFill>
+        </p:spPr>
+        <p:style>
+          <a:lnRef idx="2">
+            <a:schemeClr val="accent1">
+              <a:shade val="15000"/>
+            </a:schemeClr>
+          </a:lnRef>
+          <a:fillRef idx="1">
+            <a:schemeClr val="accent1"/>
+          </a:fillRef>
+          <a:effectRef idx="0">
+            <a:schemeClr val="accent1"/>
+          </a:effectRef>
+          <a:fontRef idx="minor">
+            <a:schemeClr val="lt1"/>
+          </a:fontRef>
+        </p:style>
+        <p:txBody>
+          <a:bodyPr rtlCol="0" anchor="ctr"/>
+          <a:lstStyle/>
+          <a:p>
+            <a:r>
+              <a:rPr lang="pt-BR" dirty="0">
+                <a:solidFill>
+                  <a:schemeClr val="tx1"/>
+                </a:solidFill>
+              </a:rPr>
+              <a:t>Método1</a:t>
+            </a:r>
+          </a:p>
+        </p:txBody>
+      </p:sp>
+      <p:sp>
+        <p:nvSpPr>
+          <p:cNvPr id="21" name="Seta para a Direita Listrada 20">
+            <a:extLst>
+              <a:ext uri="{FF2B5EF4-FFF2-40B4-BE49-F238E27FC236}">
+                <a16:creationId xmlns:a16="http://schemas.microsoft.com/office/drawing/2014/main" id="{AF417F02-983C-7C09-D4EB-FF281A4DB05E}"/>
+              </a:ext>
+            </a:extLst>
+          </p:cNvPr>
+          <p:cNvSpPr/>
+          <p:nvPr/>
+        </p:nvSpPr>
+        <p:spPr>
+          <a:xfrm>
+            <a:off x="6366294" y="3657328"/>
+            <a:ext cx="1268083" cy="724891"/>
+          </a:xfrm>
+          <a:prstGeom prst="stripedRightArrow">
+            <a:avLst/>
+          </a:prstGeom>
+        </p:spPr>
+        <p:style>
+          <a:lnRef idx="2">
+            <a:schemeClr val="accent1">
+              <a:shade val="15000"/>
+            </a:schemeClr>
+          </a:lnRef>
+          <a:fillRef idx="1">
+            <a:schemeClr val="accent1"/>
+          </a:fillRef>
+          <a:effectRef idx="0">
+            <a:schemeClr val="accent1"/>
+          </a:effectRef>
+          <a:fontRef idx="minor">
+            <a:schemeClr val="lt1"/>
+          </a:fontRef>
+        </p:style>
+        <p:txBody>
+          <a:bodyPr rtlCol="0" anchor="ctr"/>
+          <a:lstStyle/>
+          <a:p>
+            <a:pPr algn="ctr"/>
+            <a:endParaRPr lang="pt-BR"/>
+          </a:p>
+        </p:txBody>
+      </p:sp>
+      <p:sp>
+        <p:nvSpPr>
+          <p:cNvPr id="22" name="CaixaDeTexto 21">
+            <a:extLst>
+              <a:ext uri="{FF2B5EF4-FFF2-40B4-BE49-F238E27FC236}">
+                <a16:creationId xmlns:a16="http://schemas.microsoft.com/office/drawing/2014/main" id="{3EC89574-FDA4-A8C0-A5A6-1C75FAEE07AD}"/>
+              </a:ext>
+            </a:extLst>
+          </p:cNvPr>
+          <p:cNvSpPr txBox="1"/>
+          <p:nvPr/>
+        </p:nvSpPr>
+        <p:spPr>
+          <a:xfrm>
+            <a:off x="6340086" y="3268041"/>
+            <a:ext cx="1186159" cy="369332"/>
+          </a:xfrm>
+          <a:prstGeom prst="rect">
+            <a:avLst/>
+          </a:prstGeom>
+          <a:noFill/>
+        </p:spPr>
+        <p:txBody>
+          <a:bodyPr wrap="none" rtlCol="0">
+            <a:spAutoFit/>
+          </a:bodyPr>
+          <a:lstStyle/>
+          <a:p>
+            <a:r>
+              <a:rPr lang="pt-BR" dirty="0"/>
+              <a:t>INSTANCIA</a:t>
+            </a:r>
+          </a:p>
+        </p:txBody>
+      </p:sp>
+      <p:sp>
+        <p:nvSpPr>
+          <p:cNvPr id="23" name="CaixaDeTexto 22">
+            <a:extLst>
+              <a:ext uri="{FF2B5EF4-FFF2-40B4-BE49-F238E27FC236}">
+                <a16:creationId xmlns:a16="http://schemas.microsoft.com/office/drawing/2014/main" id="{11057C50-F751-6556-347B-CA329DDFC510}"/>
+              </a:ext>
+            </a:extLst>
+          </p:cNvPr>
+          <p:cNvSpPr txBox="1"/>
+          <p:nvPr/>
+        </p:nvSpPr>
+        <p:spPr>
+          <a:xfrm>
+            <a:off x="4291218" y="5129245"/>
+            <a:ext cx="1937710" cy="369332"/>
+          </a:xfrm>
+          <a:prstGeom prst="rect">
+            <a:avLst/>
+          </a:prstGeom>
+          <a:noFill/>
+        </p:spPr>
+        <p:txBody>
+          <a:bodyPr wrap="none" rtlCol="0">
+            <a:spAutoFit/>
+          </a:bodyPr>
+          <a:lstStyle/>
+          <a:p>
+            <a:pPr algn="ctr"/>
+            <a:r>
+              <a:rPr lang="pt-BR" dirty="0"/>
+              <a:t>MOLDE/ESQUEMA</a:t>
+            </a:r>
+          </a:p>
+        </p:txBody>
+      </p:sp>
+      <p:sp>
+        <p:nvSpPr>
+          <p:cNvPr id="24" name="CaixaDeTexto 23">
+            <a:extLst>
+              <a:ext uri="{FF2B5EF4-FFF2-40B4-BE49-F238E27FC236}">
+                <a16:creationId xmlns:a16="http://schemas.microsoft.com/office/drawing/2014/main" id="{5415075F-290D-357F-C0EE-25F84FF59AF7}"/>
+              </a:ext>
+            </a:extLst>
+          </p:cNvPr>
+          <p:cNvSpPr txBox="1"/>
+          <p:nvPr/>
+        </p:nvSpPr>
+        <p:spPr>
+          <a:xfrm>
+            <a:off x="9656005" y="3868072"/>
+            <a:ext cx="1581651" cy="646331"/>
+          </a:xfrm>
+          <a:prstGeom prst="rect">
+            <a:avLst/>
+          </a:prstGeom>
+          <a:noFill/>
+        </p:spPr>
+        <p:txBody>
+          <a:bodyPr wrap="none" rtlCol="0">
+            <a:spAutoFit/>
+          </a:bodyPr>
+          <a:lstStyle/>
+          <a:p>
+            <a:r>
+              <a:rPr lang="pt-BR" dirty="0"/>
+              <a:t>ENTIDADES NA</a:t>
+            </a:r>
+          </a:p>
+          <a:p>
+            <a:r>
+              <a:rPr lang="pt-BR" dirty="0"/>
+              <a:t>MEMÓRIA</a:t>
+            </a:r>
+          </a:p>
+        </p:txBody>
+      </p:sp>
+      <p:sp>
+        <p:nvSpPr>
+          <p:cNvPr id="25" name="Chave Direita 24">
+            <a:extLst>
+              <a:ext uri="{FF2B5EF4-FFF2-40B4-BE49-F238E27FC236}">
+                <a16:creationId xmlns:a16="http://schemas.microsoft.com/office/drawing/2014/main" id="{C76FC8A1-4909-F0FA-21F8-F2988958CC62}"/>
+              </a:ext>
+            </a:extLst>
+          </p:cNvPr>
+          <p:cNvSpPr/>
+          <p:nvPr/>
+        </p:nvSpPr>
+        <p:spPr>
+          <a:xfrm>
+            <a:off x="9494808" y="1871932"/>
+            <a:ext cx="158150" cy="4606506"/>
+          </a:xfrm>
+          <a:prstGeom prst="rightBrace">
+            <a:avLst/>
+          </a:prstGeom>
+          <a:ln>
+            <a:solidFill>
+              <a:srgbClr val="FF0000"/>
+            </a:solidFill>
+          </a:ln>
+        </p:spPr>
+        <p:style>
+          <a:lnRef idx="1">
+            <a:schemeClr val="accent1"/>
+          </a:lnRef>
+          <a:fillRef idx="0">
+            <a:schemeClr val="accent1"/>
+          </a:fillRef>
+          <a:effectRef idx="0">
+            <a:schemeClr val="accent1"/>
+          </a:effectRef>
+          <a:fontRef idx="minor">
+            <a:schemeClr val="tx1"/>
+          </a:fontRef>
+        </p:style>
+        <p:txBody>
+          <a:bodyPr rtlCol="0" anchor="ctr"/>
+          <a:lstStyle/>
+          <a:p>
+            <a:pPr algn="ctr"/>
+            <a:endParaRPr lang="pt-BR" b="1" dirty="0">
+              <a:ln w="57150">
+                <a:solidFill>
+                  <a:schemeClr val="tx1"/>
+                </a:solidFill>
+              </a:ln>
+              <a:solidFill>
+                <a:srgbClr val="FF0000"/>
+              </a:solidFill>
+            </a:endParaRPr>
+          </a:p>
+        </p:txBody>
+      </p:sp>
+    </p:spTree>
+    <p:extLst>
+      <p:ext uri="{BB962C8B-B14F-4D97-AF65-F5344CB8AC3E}">
+        <p14:creationId xmlns:p14="http://schemas.microsoft.com/office/powerpoint/2010/main" val="2371777091"/>
+      </p:ext>
+    </p:extLst>
+  </p:cSld>
+  <p:clrMapOvr>
+    <a:masterClrMapping/>
+  </p:clrMapOvr>
+</p:sld>
+</file>
+
+<file path=ppt/slides/slide4.xml><?xml version="1.0" encoding="utf-8"?>
+<p:sld xmlns:a="http://schemas.openxmlformats.org/drawingml/2006/main" xmlns:r="http://schemas.openxmlformats.org/officeDocument/2006/relationships" xmlns:p="http://schemas.openxmlformats.org/presentationml/2006/main">
+  <p:cSld>
+    <p:bg>
+      <p:bgPr>
+        <a:solidFill>
+          <a:schemeClr val="bg1"/>
+        </a:solidFill>
+        <a:effectLst/>
+      </p:bgPr>
+    </p:bg>
+    <p:spTree>
+      <p:nvGrpSpPr>
+        <p:cNvPr id="1" name="">
+          <a:extLst>
+            <a:ext uri="{FF2B5EF4-FFF2-40B4-BE49-F238E27FC236}">
+              <a16:creationId xmlns:a16="http://schemas.microsoft.com/office/drawing/2014/main" id="{493B9158-B64A-6E2D-6254-C6082DACDC8F}"/>
+            </a:ext>
+          </a:extLst>
+        </p:cNvPr>
+        <p:cNvGrpSpPr/>
+        <p:nvPr/>
+      </p:nvGrpSpPr>
+      <p:grpSpPr>
+        <a:xfrm>
+          <a:off x="0" y="0"/>
+          <a:ext cx="0" cy="0"/>
+          <a:chOff x="0" y="0"/>
+          <a:chExt cx="0" cy="0"/>
+        </a:xfrm>
+      </p:grpSpPr>
+      <p:sp useBgFill="1">
+        <p:nvSpPr>
+          <p:cNvPr id="8" name="Rectangle 7">
+            <a:extLst>
+              <a:ext uri="{FF2B5EF4-FFF2-40B4-BE49-F238E27FC236}">
+                <a16:creationId xmlns:a16="http://schemas.microsoft.com/office/drawing/2014/main" id="{9A1B50FD-FFAB-B80F-6754-59EDC641649A}"/>
+              </a:ext>
+              <a:ext uri="{C183D7F6-B498-43B3-948B-1728B52AA6E4}">
+                <adec:decorative xmlns:adec="http://schemas.microsoft.com/office/drawing/2017/decorative" val="1"/>
+              </a:ext>
+            </a:extLst>
+          </p:cNvPr>
+          <p:cNvSpPr>
+            <a:spLocks noGrp="1" noRot="1" noChangeAspect="1" noMove="1" noResize="1" noEditPoints="1" noAdjustHandles="1" noChangeArrowheads="1" noChangeShapeType="1" noTextEdit="1"/>
+          </p:cNvSpPr>
+          <p:nvPr>
+            <p:extLst>
+              <p:ext uri="{386F3935-93C4-4BCD-93E2-E3B085C9AB24}">
+                <p16:designElem xmlns:p16="http://schemas.microsoft.com/office/powerpoint/2015/main" val="1"/>
+              </p:ext>
+            </p:extLst>
+          </p:nvPr>
+        </p:nvSpPr>
+        <p:spPr>
+          <a:xfrm>
+            <a:off x="3048" y="0"/>
+            <a:ext cx="12188952" cy="6858000"/>
+          </a:xfrm>
+          <a:prstGeom prst="rect">
+            <a:avLst/>
+          </a:prstGeom>
+          <a:ln>
+            <a:noFill/>
+          </a:ln>
+        </p:spPr>
+        <p:style>
+          <a:lnRef idx="2">
+            <a:schemeClr val="accent1">
+              <a:shade val="50000"/>
+            </a:schemeClr>
+          </a:lnRef>
+          <a:fillRef idx="1">
+            <a:schemeClr val="accent1"/>
+          </a:fillRef>
+          <a:effectRef idx="0">
+            <a:schemeClr val="accent1"/>
+          </a:effectRef>
+          <a:fontRef idx="minor">
+            <a:schemeClr val="lt1"/>
+          </a:fontRef>
+        </p:style>
+        <p:txBody>
+          <a:bodyPr rtlCol="0" anchor="ctr"/>
+          <a:lstStyle/>
+          <a:p>
+            <a:pPr algn="ctr"/>
+            <a:endParaRPr lang="en-US"/>
+          </a:p>
+        </p:txBody>
+      </p:sp>
+      <p:sp>
+        <p:nvSpPr>
+          <p:cNvPr id="10" name="Freeform: Shape 9">
+            <a:extLst>
+              <a:ext uri="{FF2B5EF4-FFF2-40B4-BE49-F238E27FC236}">
+                <a16:creationId xmlns:a16="http://schemas.microsoft.com/office/drawing/2014/main" id="{4FF282E3-21FB-FB91-3D09-7B3B000BC953}"/>
+              </a:ext>
+              <a:ext uri="{C183D7F6-B498-43B3-948B-1728B52AA6E4}">
+                <adec:decorative xmlns:adec="http://schemas.microsoft.com/office/drawing/2017/decorative" val="1"/>
+              </a:ext>
+            </a:extLst>
+          </p:cNvPr>
+          <p:cNvSpPr>
+            <a:spLocks noGrp="1" noRot="1" noChangeAspect="1" noMove="1" noResize="1" noEditPoints="1" noAdjustHandles="1" noChangeArrowheads="1" noChangeShapeType="1" noTextEdit="1"/>
+          </p:cNvSpPr>
+          <p:nvPr>
+            <p:extLst>
+              <p:ext uri="{386F3935-93C4-4BCD-93E2-E3B085C9AB24}">
+                <p16:designElem xmlns:p16="http://schemas.microsoft.com/office/powerpoint/2015/main" val="1"/>
+              </p:ext>
+            </p:extLst>
+          </p:nvPr>
+        </p:nvSpPr>
+        <p:spPr>
+          <a:xfrm>
+            <a:off x="1" y="0"/>
+            <a:ext cx="4167271" cy="6858000"/>
+          </a:xfrm>
+          <a:custGeom>
+            <a:avLst/>
+            <a:gdLst>
+              <a:gd name="connsiteX0" fmla="*/ 0 w 4167271"/>
+              <a:gd name="connsiteY0" fmla="*/ 0 h 6858000"/>
+              <a:gd name="connsiteX1" fmla="*/ 2259550 w 4167271"/>
+              <a:gd name="connsiteY1" fmla="*/ 0 h 6858000"/>
+              <a:gd name="connsiteX2" fmla="*/ 2387803 w 4167271"/>
+              <a:gd name="connsiteY2" fmla="*/ 82222 h 6858000"/>
+              <a:gd name="connsiteX3" fmla="*/ 4167271 w 4167271"/>
+              <a:gd name="connsiteY3" fmla="*/ 3429000 h 6858000"/>
+              <a:gd name="connsiteX4" fmla="*/ 2387803 w 4167271"/>
+              <a:gd name="connsiteY4" fmla="*/ 6775779 h 6858000"/>
+              <a:gd name="connsiteX5" fmla="*/ 2259550 w 4167271"/>
+              <a:gd name="connsiteY5" fmla="*/ 6858000 h 6858000"/>
+              <a:gd name="connsiteX6" fmla="*/ 0 w 4167271"/>
+              <a:gd name="connsiteY6" fmla="*/ 6858000 h 6858000"/>
+            </a:gdLst>
+            <a:ahLst/>
+            <a:cxnLst>
+              <a:cxn ang="0">
+                <a:pos x="connsiteX0" y="connsiteY0"/>
+              </a:cxn>
+              <a:cxn ang="0">
+                <a:pos x="connsiteX1" y="connsiteY1"/>
+              </a:cxn>
+              <a:cxn ang="0">
+                <a:pos x="connsiteX2" y="connsiteY2"/>
+              </a:cxn>
+              <a:cxn ang="0">
+                <a:pos x="connsiteX3" y="connsiteY3"/>
+              </a:cxn>
+              <a:cxn ang="0">
+                <a:pos x="connsiteX4" y="connsiteY4"/>
+              </a:cxn>
+              <a:cxn ang="0">
+                <a:pos x="connsiteX5" y="connsiteY5"/>
+              </a:cxn>
+              <a:cxn ang="0">
+                <a:pos x="connsiteX6" y="connsiteY6"/>
+              </a:cxn>
+            </a:cxnLst>
+            <a:rect l="l" t="t" r="r" b="b"/>
+            <a:pathLst>
+              <a:path w="4167271" h="6858000">
+                <a:moveTo>
+                  <a:pt x="0" y="0"/>
+                </a:moveTo>
+                <a:lnTo>
+                  <a:pt x="2259550" y="0"/>
+                </a:lnTo>
+                <a:lnTo>
+                  <a:pt x="2387803" y="82222"/>
+                </a:lnTo>
+                <a:cubicBezTo>
+                  <a:pt x="3461407" y="807534"/>
+                  <a:pt x="4167271" y="2035835"/>
+                  <a:pt x="4167271" y="3429000"/>
+                </a:cubicBezTo>
+                <a:cubicBezTo>
+                  <a:pt x="4167271" y="4822165"/>
+                  <a:pt x="3461407" y="6050467"/>
+                  <a:pt x="2387803" y="6775779"/>
+                </a:cubicBezTo>
+                <a:lnTo>
+                  <a:pt x="2259550" y="6858000"/>
+                </a:lnTo>
+                <a:lnTo>
+                  <a:pt x="0" y="6858000"/>
+                </a:lnTo>
+                <a:close/>
+              </a:path>
+            </a:pathLst>
+          </a:custGeom>
+          <a:solidFill>
+            <a:schemeClr val="accent2"/>
+          </a:solidFill>
+          <a:ln>
+            <a:noFill/>
+          </a:ln>
+        </p:spPr>
+        <p:style>
+          <a:lnRef idx="2">
+            <a:schemeClr val="accent1">
+              <a:shade val="50000"/>
+            </a:schemeClr>
+          </a:lnRef>
+          <a:fillRef idx="1">
+            <a:schemeClr val="accent1"/>
+          </a:fillRef>
+          <a:effectRef idx="0">
+            <a:schemeClr val="accent1"/>
+          </a:effectRef>
+          <a:fontRef idx="minor">
+            <a:schemeClr val="lt1"/>
+          </a:fontRef>
+        </p:style>
+        <p:txBody>
+          <a:bodyPr rtlCol="0" anchor="ctr"/>
+          <a:lstStyle/>
+          <a:p>
+            <a:pPr algn="ctr"/>
+            <a:endParaRPr lang="en-US"/>
+          </a:p>
+        </p:txBody>
+      </p:sp>
+      <p:sp>
+        <p:nvSpPr>
+          <p:cNvPr id="2" name="Título 1">
+            <a:extLst>
+              <a:ext uri="{FF2B5EF4-FFF2-40B4-BE49-F238E27FC236}">
+                <a16:creationId xmlns:a16="http://schemas.microsoft.com/office/drawing/2014/main" id="{5231EEC8-9C14-110E-3D50-F7AA400C2E61}"/>
+              </a:ext>
+            </a:extLst>
+          </p:cNvPr>
+          <p:cNvSpPr>
+            <a:spLocks noGrp="1"/>
+          </p:cNvSpPr>
+          <p:nvPr>
+            <p:ph type="title"/>
+          </p:nvPr>
+        </p:nvSpPr>
+        <p:spPr>
+          <a:xfrm>
+            <a:off x="177874" y="1153571"/>
+            <a:ext cx="3928299" cy="4461163"/>
+          </a:xfrm>
+        </p:spPr>
+        <p:txBody>
+          <a:bodyPr>
+            <a:normAutofit/>
+          </a:bodyPr>
+          <a:lstStyle/>
+          <a:p>
+            <a:r>
+              <a:rPr lang="pt-BR" dirty="0">
+                <a:solidFill>
+                  <a:srgbClr val="FFFFFF"/>
+                </a:solidFill>
+              </a:rPr>
+              <a:t>Principais conceitos da POO:</a:t>
+            </a:r>
+            <a:br>
+              <a:rPr lang="pt-BR" dirty="0">
+                <a:solidFill>
+                  <a:srgbClr val="FFFFFF"/>
+                </a:solidFill>
+              </a:rPr>
+            </a:br>
+            <a:r>
+              <a:rPr lang="pt-BR" dirty="0">
+                <a:solidFill>
+                  <a:srgbClr val="FFFF00"/>
+                </a:solidFill>
+              </a:rPr>
+              <a:t>Encapsulamento</a:t>
+            </a:r>
+          </a:p>
+        </p:txBody>
+      </p:sp>
+      <p:sp>
+        <p:nvSpPr>
+          <p:cNvPr id="12" name="Arc 11">
+            <a:extLst>
+              <a:ext uri="{FF2B5EF4-FFF2-40B4-BE49-F238E27FC236}">
+                <a16:creationId xmlns:a16="http://schemas.microsoft.com/office/drawing/2014/main" id="{44655AF9-18EA-6D73-9FD6-4F479A041EBD}"/>
+              </a:ext>
+              <a:ext uri="{C183D7F6-B498-43B3-948B-1728B52AA6E4}">
+                <adec:decorative xmlns:adec="http://schemas.microsoft.com/office/drawing/2017/decorative" val="1"/>
+              </a:ext>
+            </a:extLst>
+          </p:cNvPr>
+          <p:cNvSpPr>
+            <a:spLocks noGrp="1" noRot="1" noChangeAspect="1" noMove="1" noResize="1" noEditPoints="1" noAdjustHandles="1" noChangeArrowheads="1" noChangeShapeType="1" noTextEdit="1"/>
+          </p:cNvSpPr>
+          <p:nvPr>
+            <p:extLst>
+              <p:ext uri="{386F3935-93C4-4BCD-93E2-E3B085C9AB24}">
+                <p16:designElem xmlns:p16="http://schemas.microsoft.com/office/powerpoint/2015/main" val="1"/>
+              </p:ext>
+            </p:extLst>
+          </p:nvPr>
+        </p:nvSpPr>
+        <p:spPr>
+          <a:xfrm flipV="1">
+            <a:off x="7550402" y="2455479"/>
+            <a:ext cx="4083433" cy="4083433"/>
+          </a:xfrm>
+          <a:prstGeom prst="arc">
+            <a:avLst/>
+          </a:prstGeom>
+          <a:ln w="127000" cap="rnd">
+            <a:solidFill>
+              <a:schemeClr val="accent4"/>
+            </a:solidFill>
+            <a:prstDash val="dash"/>
+          </a:ln>
+        </p:spPr>
+        <p:style>
+          <a:lnRef idx="1">
+            <a:schemeClr val="accent1"/>
+          </a:lnRef>
+          <a:fillRef idx="0">
+            <a:schemeClr val="accent1"/>
+          </a:fillRef>
+          <a:effectRef idx="0">
+            <a:schemeClr val="accent1"/>
+          </a:effectRef>
+          <a:fontRef idx="minor">
+            <a:schemeClr val="tx1"/>
+          </a:fontRef>
+        </p:style>
+        <p:txBody>
+          <a:bodyPr rtlCol="0" anchor="ctr"/>
+          <a:lstStyle/>
+          <a:p>
+            <a:pPr algn="ctr"/>
+            <a:endParaRPr lang="en-US" dirty="0"/>
+          </a:p>
+        </p:txBody>
+      </p:sp>
+      <p:sp>
+        <p:nvSpPr>
+          <p:cNvPr id="3" name="Espaço Reservado para Conteúdo 2">
+            <a:extLst>
+              <a:ext uri="{FF2B5EF4-FFF2-40B4-BE49-F238E27FC236}">
+                <a16:creationId xmlns:a16="http://schemas.microsoft.com/office/drawing/2014/main" id="{C9830D77-514F-7106-796E-F843165CC48B}"/>
+              </a:ext>
+            </a:extLst>
+          </p:cNvPr>
+          <p:cNvSpPr>
+            <a:spLocks noGrp="1"/>
+          </p:cNvSpPr>
+          <p:nvPr>
+            <p:ph idx="1"/>
+          </p:nvPr>
+        </p:nvSpPr>
+        <p:spPr>
+          <a:xfrm>
+            <a:off x="4095633" y="266420"/>
+            <a:ext cx="6906491" cy="3727609"/>
+          </a:xfrm>
+        </p:spPr>
+        <p:txBody>
+          <a:bodyPr anchor="ctr">
+            <a:normAutofit fontScale="85000" lnSpcReduction="10000"/>
+          </a:bodyPr>
+          <a:lstStyle/>
+          <a:p>
+            <a:r>
+              <a:rPr lang="pt-BR" b="1" dirty="0"/>
+              <a:t>Encapsulamento:</a:t>
+            </a:r>
+          </a:p>
+          <a:p>
+            <a:endParaRPr lang="pt-BR" dirty="0"/>
+          </a:p>
+          <a:p>
+            <a:pPr lvl="1"/>
+            <a:r>
+              <a:rPr lang="pt-BR" b="1" dirty="0"/>
+              <a:t>Definição:</a:t>
+            </a:r>
+            <a:r>
+              <a:rPr lang="pt-BR" dirty="0"/>
+              <a:t> Encapsulamento refere-se à prática de agrupar os dados (variáveis) e os métodos (funções) que operam nesses dados em uma única unidade chamada classe. O encapsulamento implica em esconder a implementação interna dos objetos e expor apenas a interface necessária para interagir com esses objetos.</a:t>
+            </a:r>
+          </a:p>
+          <a:p>
+            <a:pPr lvl="1"/>
+            <a:endParaRPr lang="pt-BR" dirty="0"/>
+          </a:p>
+          <a:p>
+            <a:pPr lvl="1"/>
+            <a:r>
+              <a:rPr lang="pt-BR" b="1" dirty="0"/>
+              <a:t>Objetivo:</a:t>
+            </a:r>
+            <a:r>
+              <a:rPr lang="pt-BR" dirty="0"/>
+              <a:t> Proteger a integridade dos dados, restringindo o acesso direto a eles e promovendo a modificação através de métodos específicos. Isso ajuda a prevenir alterações indesejadas nos dados e facilita a manutenção do código.</a:t>
+            </a:r>
+          </a:p>
+        </p:txBody>
+      </p:sp>
+      <p:pic>
+        <p:nvPicPr>
+          <p:cNvPr id="4" name="Imagem 3" descr="Logotipo, nome da empresa&#10;&#10;Descrição gerada automaticamente">
+            <a:extLst>
+              <a:ext uri="{FF2B5EF4-FFF2-40B4-BE49-F238E27FC236}">
+                <a16:creationId xmlns:a16="http://schemas.microsoft.com/office/drawing/2014/main" id="{4085434F-E0E8-7F04-6D40-A7F433A1D48F}"/>
+              </a:ext>
+            </a:extLst>
+          </p:cNvPr>
+          <p:cNvPicPr>
+            <a:picLocks noChangeAspect="1"/>
+          </p:cNvPicPr>
+          <p:nvPr/>
+        </p:nvPicPr>
+        <p:blipFill>
+          <a:blip r:embed="rId2"/>
+          <a:stretch>
+            <a:fillRect/>
+          </a:stretch>
+        </p:blipFill>
+        <p:spPr>
+          <a:xfrm>
+            <a:off x="11099925" y="5824981"/>
+            <a:ext cx="1065914" cy="1065914"/>
+          </a:xfrm>
+          <a:custGeom>
+            <a:avLst/>
+            <a:gdLst/>
+            <a:ahLst/>
+            <a:cxnLst/>
+            <a:rect l="l" t="t" r="r" b="b"/>
+            <a:pathLst>
+              <a:path w="2833631" h="2677010">
+                <a:moveTo>
+                  <a:pt x="49418" y="0"/>
+                </a:moveTo>
+                <a:lnTo>
+                  <a:pt x="2784213" y="0"/>
+                </a:lnTo>
+                <a:cubicBezTo>
+                  <a:pt x="2811506" y="0"/>
+                  <a:pt x="2833631" y="22125"/>
+                  <a:pt x="2833631" y="49418"/>
+                </a:cubicBezTo>
+                <a:lnTo>
+                  <a:pt x="2833631" y="2627592"/>
+                </a:lnTo>
+                <a:cubicBezTo>
+                  <a:pt x="2833631" y="2654885"/>
+                  <a:pt x="2811506" y="2677010"/>
+                  <a:pt x="2784213" y="2677010"/>
+                </a:cubicBezTo>
+                <a:lnTo>
+                  <a:pt x="49418" y="2677010"/>
+                </a:lnTo>
+                <a:cubicBezTo>
+                  <a:pt x="22125" y="2677010"/>
+                  <a:pt x="0" y="2654885"/>
+                  <a:pt x="0" y="2627592"/>
+                </a:cubicBezTo>
+                <a:lnTo>
+                  <a:pt x="0" y="49418"/>
+                </a:lnTo>
+                <a:cubicBezTo>
+                  <a:pt x="0" y="22125"/>
+                  <a:pt x="22125" y="0"/>
+                  <a:pt x="49418" y="0"/>
+                </a:cubicBezTo>
+                <a:close/>
+              </a:path>
+            </a:pathLst>
+          </a:custGeom>
+        </p:spPr>
+      </p:pic>
+      <p:grpSp>
+        <p:nvGrpSpPr>
+          <p:cNvPr id="9" name="Agrupar 8">
+            <a:extLst>
+              <a:ext uri="{FF2B5EF4-FFF2-40B4-BE49-F238E27FC236}">
+                <a16:creationId xmlns:a16="http://schemas.microsoft.com/office/drawing/2014/main" id="{50EADD53-9FA9-5D71-4A02-38ADFDC79A60}"/>
+              </a:ext>
+            </a:extLst>
+          </p:cNvPr>
+          <p:cNvGrpSpPr/>
+          <p:nvPr/>
+        </p:nvGrpSpPr>
+        <p:grpSpPr>
+          <a:xfrm>
+            <a:off x="4908430" y="4260449"/>
+            <a:ext cx="2375140" cy="2147977"/>
+            <a:chOff x="6096000" y="2845193"/>
+            <a:chExt cx="2375140" cy="2147977"/>
+          </a:xfrm>
+        </p:grpSpPr>
+        <p:sp>
+          <p:nvSpPr>
+            <p:cNvPr id="5" name="Retângulo Arredondado 4">
+              <a:extLst>
+                <a:ext uri="{FF2B5EF4-FFF2-40B4-BE49-F238E27FC236}">
+                  <a16:creationId xmlns:a16="http://schemas.microsoft.com/office/drawing/2014/main" id="{E8443714-9910-A864-F5B7-5393A3F93C4C}"/>
+                </a:ext>
+              </a:extLst>
+            </p:cNvPr>
+            <p:cNvSpPr/>
+            <p:nvPr/>
+          </p:nvSpPr>
+          <p:spPr>
+            <a:xfrm>
+              <a:off x="6096000" y="2845193"/>
+              <a:ext cx="2372128" cy="483079"/>
+            </a:xfrm>
+            <a:prstGeom prst="roundRect">
+              <a:avLst>
+                <a:gd name="adj" fmla="val 0"/>
+              </a:avLst>
+            </a:prstGeom>
+            <a:solidFill>
+              <a:schemeClr val="bg1"/>
+            </a:solidFill>
+            <a:ln>
+              <a:prstDash val="dashDot"/>
+            </a:ln>
+          </p:spPr>
+          <p:style>
+            <a:lnRef idx="2">
+              <a:schemeClr val="accent1">
+                <a:shade val="15000"/>
+              </a:schemeClr>
+            </a:lnRef>
+            <a:fillRef idx="1">
+              <a:schemeClr val="accent1"/>
+            </a:fillRef>
+            <a:effectRef idx="0">
+              <a:schemeClr val="accent1"/>
+            </a:effectRef>
+            <a:fontRef idx="minor">
+              <a:schemeClr val="lt1"/>
+            </a:fontRef>
+          </p:style>
+          <p:txBody>
+            <a:bodyPr rtlCol="0" anchor="ctr"/>
+            <a:lstStyle/>
+            <a:p>
+              <a:pPr algn="ctr"/>
+              <a:r>
+                <a:rPr lang="pt-BR" dirty="0">
+                  <a:solidFill>
+                    <a:schemeClr val="bg2">
+                      <a:lumMod val="75000"/>
+                    </a:schemeClr>
+                  </a:solidFill>
+                </a:rPr>
+                <a:t>Classe</a:t>
+              </a:r>
+            </a:p>
+          </p:txBody>
+        </p:sp>
+        <p:sp>
+          <p:nvSpPr>
+            <p:cNvPr id="6" name="Retângulo Arredondado 5">
+              <a:extLst>
+                <a:ext uri="{FF2B5EF4-FFF2-40B4-BE49-F238E27FC236}">
+                  <a16:creationId xmlns:a16="http://schemas.microsoft.com/office/drawing/2014/main" id="{6838A9FF-BCD7-A60A-0EBF-D4623E1A560E}"/>
+                </a:ext>
+              </a:extLst>
+            </p:cNvPr>
+            <p:cNvSpPr/>
+            <p:nvPr/>
+          </p:nvSpPr>
+          <p:spPr>
+            <a:xfrm>
+              <a:off x="6099012" y="3328272"/>
+              <a:ext cx="2372128" cy="1181819"/>
+            </a:xfrm>
+            <a:prstGeom prst="roundRect">
+              <a:avLst>
+                <a:gd name="adj" fmla="val 0"/>
+              </a:avLst>
+            </a:prstGeom>
+            <a:solidFill>
+              <a:schemeClr val="bg1"/>
+            </a:solidFill>
+            <a:ln>
+              <a:prstDash val="dashDot"/>
+            </a:ln>
+          </p:spPr>
+          <p:style>
+            <a:lnRef idx="2">
+              <a:schemeClr val="accent1">
+                <a:shade val="15000"/>
+              </a:schemeClr>
+            </a:lnRef>
+            <a:fillRef idx="1">
+              <a:schemeClr val="accent1"/>
+            </a:fillRef>
+            <a:effectRef idx="0">
+              <a:schemeClr val="accent1"/>
+            </a:effectRef>
+            <a:fontRef idx="minor">
+              <a:schemeClr val="lt1"/>
+            </a:fontRef>
+          </p:style>
+          <p:txBody>
+            <a:bodyPr rtlCol="0" anchor="ctr"/>
+            <a:lstStyle/>
+            <a:p>
+              <a:r>
+                <a:rPr lang="pt-BR" dirty="0">
+                  <a:solidFill>
+                    <a:schemeClr val="accent2"/>
+                  </a:solidFill>
+                </a:rPr>
+                <a:t>privado</a:t>
+              </a:r>
+              <a:r>
+                <a:rPr lang="pt-BR" dirty="0">
+                  <a:solidFill>
+                    <a:schemeClr val="bg2">
+                      <a:lumMod val="75000"/>
+                    </a:schemeClr>
+                  </a:solidFill>
+                </a:rPr>
+                <a:t> Atributo1: Tipo</a:t>
+              </a:r>
+            </a:p>
+            <a:p>
+              <a:r>
+                <a:rPr lang="pt-BR" dirty="0">
+                  <a:solidFill>
+                    <a:schemeClr val="accent2"/>
+                  </a:solidFill>
+                </a:rPr>
+                <a:t>privado</a:t>
+              </a:r>
+              <a:r>
+                <a:rPr lang="pt-BR" dirty="0">
+                  <a:solidFill>
+                    <a:schemeClr val="bg2">
+                      <a:lumMod val="75000"/>
+                    </a:schemeClr>
+                  </a:solidFill>
+                </a:rPr>
+                <a:t> Atributo2: Tipo</a:t>
+              </a:r>
+            </a:p>
+            <a:p>
+              <a:r>
+                <a:rPr lang="pt-BR" dirty="0">
+                  <a:solidFill>
+                    <a:schemeClr val="accent2"/>
+                  </a:solidFill>
+                </a:rPr>
+                <a:t>privado</a:t>
+              </a:r>
+              <a:r>
+                <a:rPr lang="pt-BR" dirty="0">
+                  <a:solidFill>
+                    <a:schemeClr val="bg2">
+                      <a:lumMod val="75000"/>
+                    </a:schemeClr>
+                  </a:solidFill>
+                </a:rPr>
+                <a:t> Atributo3: Tipo</a:t>
+              </a:r>
+            </a:p>
+          </p:txBody>
+        </p:sp>
+        <p:sp>
+          <p:nvSpPr>
+            <p:cNvPr id="7" name="Retângulo Arredondado 6">
+              <a:extLst>
+                <a:ext uri="{FF2B5EF4-FFF2-40B4-BE49-F238E27FC236}">
+                  <a16:creationId xmlns:a16="http://schemas.microsoft.com/office/drawing/2014/main" id="{FC537141-984D-B69F-4DA7-82C703B0D3EA}"/>
+                </a:ext>
+              </a:extLst>
+            </p:cNvPr>
+            <p:cNvSpPr/>
+            <p:nvPr/>
+          </p:nvSpPr>
+          <p:spPr>
+            <a:xfrm>
+              <a:off x="6096000" y="4510091"/>
+              <a:ext cx="2372128" cy="483079"/>
+            </a:xfrm>
+            <a:prstGeom prst="roundRect">
+              <a:avLst>
+                <a:gd name="adj" fmla="val 0"/>
+              </a:avLst>
+            </a:prstGeom>
+            <a:solidFill>
+              <a:schemeClr val="bg1"/>
+            </a:solidFill>
+            <a:ln>
+              <a:prstDash val="dashDot"/>
+            </a:ln>
+          </p:spPr>
+          <p:style>
+            <a:lnRef idx="2">
+              <a:schemeClr val="accent1">
+                <a:shade val="15000"/>
+              </a:schemeClr>
+            </a:lnRef>
+            <a:fillRef idx="1">
+              <a:schemeClr val="accent1"/>
+            </a:fillRef>
+            <a:effectRef idx="0">
+              <a:schemeClr val="accent1"/>
+            </a:effectRef>
+            <a:fontRef idx="minor">
+              <a:schemeClr val="lt1"/>
+            </a:fontRef>
+          </p:style>
+          <p:txBody>
+            <a:bodyPr rtlCol="0" anchor="ctr"/>
+            <a:lstStyle/>
+            <a:p>
+              <a:r>
+                <a:rPr lang="pt-BR" dirty="0">
+                  <a:solidFill>
+                    <a:schemeClr val="accent2"/>
+                  </a:solidFill>
+                </a:rPr>
+                <a:t>público</a:t>
+              </a:r>
+              <a:r>
+                <a:rPr lang="pt-BR" dirty="0">
+                  <a:solidFill>
+                    <a:schemeClr val="bg2">
+                      <a:lumMod val="75000"/>
+                    </a:schemeClr>
+                  </a:solidFill>
+                </a:rPr>
+                <a:t> Método1: Tipo</a:t>
+              </a:r>
+            </a:p>
+          </p:txBody>
+        </p:sp>
+      </p:grpSp>
+    </p:spTree>
+    <p:extLst>
+      <p:ext uri="{BB962C8B-B14F-4D97-AF65-F5344CB8AC3E}">
+        <p14:creationId xmlns:p14="http://schemas.microsoft.com/office/powerpoint/2010/main" val="2353546905"/>
+      </p:ext>
+    </p:extLst>
+  </p:cSld>
+  <p:clrMapOvr>
+    <a:masterClrMapping/>
+  </p:clrMapOvr>
+</p:sld>
+</file>
+
+<file path=ppt/slides/slide5.xml><?xml version="1.0" encoding="utf-8"?>
+<p:sld xmlns:a="http://schemas.openxmlformats.org/drawingml/2006/main" xmlns:r="http://schemas.openxmlformats.org/officeDocument/2006/relationships" xmlns:p="http://schemas.openxmlformats.org/presentationml/2006/main">
+  <p:cSld>
+    <p:bg>
+      <p:bgPr>
+        <a:solidFill>
+          <a:schemeClr val="bg1"/>
+        </a:solidFill>
+        <a:effectLst/>
+      </p:bgPr>
+    </p:bg>
+    <p:spTree>
+      <p:nvGrpSpPr>
+        <p:cNvPr id="1" name="">
+          <a:extLst>
+            <a:ext uri="{FF2B5EF4-FFF2-40B4-BE49-F238E27FC236}">
+              <a16:creationId xmlns:a16="http://schemas.microsoft.com/office/drawing/2014/main" id="{5BF099C5-975D-34F8-A779-6D8D631BD493}"/>
+            </a:ext>
+          </a:extLst>
+        </p:cNvPr>
+        <p:cNvGrpSpPr/>
+        <p:nvPr/>
+      </p:nvGrpSpPr>
+      <p:grpSpPr>
+        <a:xfrm>
+          <a:off x="0" y="0"/>
+          <a:ext cx="0" cy="0"/>
+          <a:chOff x="0" y="0"/>
+          <a:chExt cx="0" cy="0"/>
+        </a:xfrm>
+      </p:grpSpPr>
+      <p:sp useBgFill="1">
+        <p:nvSpPr>
+          <p:cNvPr id="8" name="Rectangle 7">
+            <a:extLst>
+              <a:ext uri="{FF2B5EF4-FFF2-40B4-BE49-F238E27FC236}">
+                <a16:creationId xmlns:a16="http://schemas.microsoft.com/office/drawing/2014/main" id="{8CE7749E-5B93-5ABA-C476-128C0E4517E4}"/>
+              </a:ext>
+              <a:ext uri="{C183D7F6-B498-43B3-948B-1728B52AA6E4}">
+                <adec:decorative xmlns:adec="http://schemas.microsoft.com/office/drawing/2017/decorative" val="1"/>
+              </a:ext>
+            </a:extLst>
+          </p:cNvPr>
+          <p:cNvSpPr>
+            <a:spLocks noGrp="1" noRot="1" noChangeAspect="1" noMove="1" noResize="1" noEditPoints="1" noAdjustHandles="1" noChangeArrowheads="1" noChangeShapeType="1" noTextEdit="1"/>
+          </p:cNvSpPr>
+          <p:nvPr>
+            <p:extLst>
+              <p:ext uri="{386F3935-93C4-4BCD-93E2-E3B085C9AB24}">
+                <p16:designElem xmlns:p16="http://schemas.microsoft.com/office/powerpoint/2015/main" val="1"/>
+              </p:ext>
+            </p:extLst>
+          </p:nvPr>
+        </p:nvSpPr>
+        <p:spPr>
+          <a:xfrm>
+            <a:off x="3048" y="0"/>
+            <a:ext cx="12188952" cy="6858000"/>
+          </a:xfrm>
+          <a:prstGeom prst="rect">
+            <a:avLst/>
+          </a:prstGeom>
+          <a:ln>
+            <a:noFill/>
+          </a:ln>
+        </p:spPr>
+        <p:style>
+          <a:lnRef idx="2">
+            <a:schemeClr val="accent1">
+              <a:shade val="50000"/>
+            </a:schemeClr>
+          </a:lnRef>
+          <a:fillRef idx="1">
+            <a:schemeClr val="accent1"/>
+          </a:fillRef>
+          <a:effectRef idx="0">
+            <a:schemeClr val="accent1"/>
+          </a:effectRef>
+          <a:fontRef idx="minor">
+            <a:schemeClr val="lt1"/>
+          </a:fontRef>
+        </p:style>
+        <p:txBody>
+          <a:bodyPr rtlCol="0" anchor="ctr"/>
+          <a:lstStyle/>
+          <a:p>
+            <a:pPr algn="ctr"/>
+            <a:endParaRPr lang="en-US"/>
+          </a:p>
+        </p:txBody>
+      </p:sp>
+      <p:sp>
+        <p:nvSpPr>
+          <p:cNvPr id="10" name="Freeform: Shape 9">
+            <a:extLst>
+              <a:ext uri="{FF2B5EF4-FFF2-40B4-BE49-F238E27FC236}">
+                <a16:creationId xmlns:a16="http://schemas.microsoft.com/office/drawing/2014/main" id="{83623ED0-DFBB-43C3-B94C-876364D9FA4C}"/>
+              </a:ext>
+              <a:ext uri="{C183D7F6-B498-43B3-948B-1728B52AA6E4}">
+                <adec:decorative xmlns:adec="http://schemas.microsoft.com/office/drawing/2017/decorative" val="1"/>
+              </a:ext>
+            </a:extLst>
+          </p:cNvPr>
+          <p:cNvSpPr>
+            <a:spLocks noGrp="1" noRot="1" noChangeAspect="1" noMove="1" noResize="1" noEditPoints="1" noAdjustHandles="1" noChangeArrowheads="1" noChangeShapeType="1" noTextEdit="1"/>
+          </p:cNvSpPr>
+          <p:nvPr>
+            <p:extLst>
+              <p:ext uri="{386F3935-93C4-4BCD-93E2-E3B085C9AB24}">
+                <p16:designElem xmlns:p16="http://schemas.microsoft.com/office/powerpoint/2015/main" val="1"/>
+              </p:ext>
+            </p:extLst>
+          </p:nvPr>
+        </p:nvSpPr>
+        <p:spPr>
+          <a:xfrm>
+            <a:off x="1" y="0"/>
+            <a:ext cx="4167271" cy="6858000"/>
+          </a:xfrm>
+          <a:custGeom>
+            <a:avLst/>
+            <a:gdLst>
+              <a:gd name="connsiteX0" fmla="*/ 0 w 4167271"/>
+              <a:gd name="connsiteY0" fmla="*/ 0 h 6858000"/>
+              <a:gd name="connsiteX1" fmla="*/ 2259550 w 4167271"/>
+              <a:gd name="connsiteY1" fmla="*/ 0 h 6858000"/>
+              <a:gd name="connsiteX2" fmla="*/ 2387803 w 4167271"/>
+              <a:gd name="connsiteY2" fmla="*/ 82222 h 6858000"/>
+              <a:gd name="connsiteX3" fmla="*/ 4167271 w 4167271"/>
+              <a:gd name="connsiteY3" fmla="*/ 3429000 h 6858000"/>
+              <a:gd name="connsiteX4" fmla="*/ 2387803 w 4167271"/>
+              <a:gd name="connsiteY4" fmla="*/ 6775779 h 6858000"/>
+              <a:gd name="connsiteX5" fmla="*/ 2259550 w 4167271"/>
+              <a:gd name="connsiteY5" fmla="*/ 6858000 h 6858000"/>
+              <a:gd name="connsiteX6" fmla="*/ 0 w 4167271"/>
+              <a:gd name="connsiteY6" fmla="*/ 6858000 h 6858000"/>
+            </a:gdLst>
+            <a:ahLst/>
+            <a:cxnLst>
+              <a:cxn ang="0">
+                <a:pos x="connsiteX0" y="connsiteY0"/>
+              </a:cxn>
+              <a:cxn ang="0">
+                <a:pos x="connsiteX1" y="connsiteY1"/>
+              </a:cxn>
+              <a:cxn ang="0">
+                <a:pos x="connsiteX2" y="connsiteY2"/>
+              </a:cxn>
+              <a:cxn ang="0">
+                <a:pos x="connsiteX3" y="connsiteY3"/>
+              </a:cxn>
+              <a:cxn ang="0">
+                <a:pos x="connsiteX4" y="connsiteY4"/>
+              </a:cxn>
+              <a:cxn ang="0">
+                <a:pos x="connsiteX5" y="connsiteY5"/>
+              </a:cxn>
+              <a:cxn ang="0">
+                <a:pos x="connsiteX6" y="connsiteY6"/>
+              </a:cxn>
+            </a:cxnLst>
+            <a:rect l="l" t="t" r="r" b="b"/>
+            <a:pathLst>
+              <a:path w="4167271" h="6858000">
+                <a:moveTo>
+                  <a:pt x="0" y="0"/>
+                </a:moveTo>
+                <a:lnTo>
+                  <a:pt x="2259550" y="0"/>
+                </a:lnTo>
+                <a:lnTo>
+                  <a:pt x="2387803" y="82222"/>
+                </a:lnTo>
+                <a:cubicBezTo>
+                  <a:pt x="3461407" y="807534"/>
+                  <a:pt x="4167271" y="2035835"/>
+                  <a:pt x="4167271" y="3429000"/>
+                </a:cubicBezTo>
+                <a:cubicBezTo>
+                  <a:pt x="4167271" y="4822165"/>
+                  <a:pt x="3461407" y="6050467"/>
+                  <a:pt x="2387803" y="6775779"/>
+                </a:cubicBezTo>
+                <a:lnTo>
+                  <a:pt x="2259550" y="6858000"/>
+                </a:lnTo>
+                <a:lnTo>
+                  <a:pt x="0" y="6858000"/>
+                </a:lnTo>
+                <a:close/>
+              </a:path>
+            </a:pathLst>
+          </a:custGeom>
+          <a:solidFill>
+            <a:schemeClr val="accent2"/>
+          </a:solidFill>
+          <a:ln>
+            <a:noFill/>
+          </a:ln>
+        </p:spPr>
+        <p:style>
+          <a:lnRef idx="2">
+            <a:schemeClr val="accent1">
+              <a:shade val="50000"/>
+            </a:schemeClr>
+          </a:lnRef>
+          <a:fillRef idx="1">
+            <a:schemeClr val="accent1"/>
+          </a:fillRef>
+          <a:effectRef idx="0">
+            <a:schemeClr val="accent1"/>
+          </a:effectRef>
+          <a:fontRef idx="minor">
+            <a:schemeClr val="lt1"/>
+          </a:fontRef>
+        </p:style>
+        <p:txBody>
+          <a:bodyPr rtlCol="0" anchor="ctr"/>
+          <a:lstStyle/>
+          <a:p>
+            <a:pPr algn="ctr"/>
+            <a:endParaRPr lang="en-US"/>
+          </a:p>
+        </p:txBody>
+      </p:sp>
+      <p:sp>
+        <p:nvSpPr>
+          <p:cNvPr id="2" name="Título 1">
+            <a:extLst>
+              <a:ext uri="{FF2B5EF4-FFF2-40B4-BE49-F238E27FC236}">
+                <a16:creationId xmlns:a16="http://schemas.microsoft.com/office/drawing/2014/main" id="{1BD04CB2-7113-E6EA-39CA-82B9B92D88B1}"/>
+              </a:ext>
+            </a:extLst>
+          </p:cNvPr>
+          <p:cNvSpPr>
+            <a:spLocks noGrp="1"/>
+          </p:cNvSpPr>
+          <p:nvPr>
+            <p:ph type="title"/>
+          </p:nvPr>
+        </p:nvSpPr>
+        <p:spPr>
+          <a:xfrm>
+            <a:off x="195129" y="1101813"/>
+            <a:ext cx="3200400" cy="4461163"/>
+          </a:xfrm>
+        </p:spPr>
+        <p:txBody>
+          <a:bodyPr>
+            <a:normAutofit/>
+          </a:bodyPr>
+          <a:lstStyle/>
+          <a:p>
+            <a:r>
+              <a:rPr lang="pt-BR" dirty="0">
+                <a:solidFill>
+                  <a:srgbClr val="FFFFFF"/>
+                </a:solidFill>
+              </a:rPr>
+              <a:t>Principais conceitos da POO:</a:t>
+            </a:r>
+            <a:br>
+              <a:rPr lang="pt-BR" dirty="0">
+                <a:solidFill>
+                  <a:srgbClr val="FFFFFF"/>
+                </a:solidFill>
+              </a:rPr>
+            </a:br>
+            <a:r>
+              <a:rPr lang="pt-BR" dirty="0">
+                <a:solidFill>
+                  <a:srgbClr val="FFFF00"/>
+                </a:solidFill>
+              </a:rPr>
+              <a:t>Herança</a:t>
+            </a:r>
+          </a:p>
+        </p:txBody>
+      </p:sp>
+      <p:sp>
+        <p:nvSpPr>
+          <p:cNvPr id="12" name="Arc 11">
+            <a:extLst>
+              <a:ext uri="{FF2B5EF4-FFF2-40B4-BE49-F238E27FC236}">
+                <a16:creationId xmlns:a16="http://schemas.microsoft.com/office/drawing/2014/main" id="{703C9269-DD9C-9ADA-837D-2E0C9E482A84}"/>
+              </a:ext>
+              <a:ext uri="{C183D7F6-B498-43B3-948B-1728B52AA6E4}">
+                <adec:decorative xmlns:adec="http://schemas.microsoft.com/office/drawing/2017/decorative" val="1"/>
+              </a:ext>
+            </a:extLst>
+          </p:cNvPr>
+          <p:cNvSpPr>
+            <a:spLocks noGrp="1" noRot="1" noChangeAspect="1" noMove="1" noResize="1" noEditPoints="1" noAdjustHandles="1" noChangeArrowheads="1" noChangeShapeType="1" noTextEdit="1"/>
+          </p:cNvSpPr>
+          <p:nvPr>
+            <p:extLst>
+              <p:ext uri="{386F3935-93C4-4BCD-93E2-E3B085C9AB24}">
+                <p16:designElem xmlns:p16="http://schemas.microsoft.com/office/powerpoint/2015/main" val="1"/>
+              </p:ext>
+            </p:extLst>
+          </p:nvPr>
+        </p:nvSpPr>
+        <p:spPr>
+          <a:xfrm flipV="1">
+            <a:off x="7550402" y="2455479"/>
+            <a:ext cx="4083433" cy="4083433"/>
+          </a:xfrm>
+          <a:prstGeom prst="arc">
+            <a:avLst/>
+          </a:prstGeom>
+          <a:ln w="127000" cap="rnd">
+            <a:solidFill>
+              <a:schemeClr val="accent4"/>
+            </a:solidFill>
+            <a:prstDash val="dash"/>
+          </a:ln>
+        </p:spPr>
+        <p:style>
+          <a:lnRef idx="1">
+            <a:schemeClr val="accent1"/>
+          </a:lnRef>
+          <a:fillRef idx="0">
+            <a:schemeClr val="accent1"/>
+          </a:fillRef>
+          <a:effectRef idx="0">
+            <a:schemeClr val="accent1"/>
+          </a:effectRef>
+          <a:fontRef idx="minor">
+            <a:schemeClr val="tx1"/>
+          </a:fontRef>
+        </p:style>
+        <p:txBody>
+          <a:bodyPr rtlCol="0" anchor="ctr"/>
+          <a:lstStyle/>
+          <a:p>
+            <a:pPr algn="ctr"/>
+            <a:endParaRPr lang="en-US" dirty="0"/>
+          </a:p>
+        </p:txBody>
+      </p:sp>
+      <p:pic>
+        <p:nvPicPr>
+          <p:cNvPr id="4" name="Imagem 3" descr="Logotipo, nome da empresa&#10;&#10;Descrição gerada automaticamente">
+            <a:extLst>
+              <a:ext uri="{FF2B5EF4-FFF2-40B4-BE49-F238E27FC236}">
+                <a16:creationId xmlns:a16="http://schemas.microsoft.com/office/drawing/2014/main" id="{FCFBA3CA-491A-A18F-DCC7-55FE7A7D81DC}"/>
+              </a:ext>
+            </a:extLst>
+          </p:cNvPr>
+          <p:cNvPicPr>
+            <a:picLocks noChangeAspect="1"/>
+          </p:cNvPicPr>
+          <p:nvPr/>
+        </p:nvPicPr>
+        <p:blipFill>
+          <a:blip r:embed="rId2"/>
+          <a:stretch>
+            <a:fillRect/>
+          </a:stretch>
+        </p:blipFill>
+        <p:spPr>
+          <a:xfrm>
+            <a:off x="11099925" y="5824981"/>
+            <a:ext cx="1065914" cy="1065914"/>
+          </a:xfrm>
+          <a:custGeom>
+            <a:avLst/>
+            <a:gdLst/>
+            <a:ahLst/>
+            <a:cxnLst/>
+            <a:rect l="l" t="t" r="r" b="b"/>
+            <a:pathLst>
+              <a:path w="2833631" h="2677010">
+                <a:moveTo>
+                  <a:pt x="49418" y="0"/>
+                </a:moveTo>
+                <a:lnTo>
+                  <a:pt x="2784213" y="0"/>
+                </a:lnTo>
+                <a:cubicBezTo>
+                  <a:pt x="2811506" y="0"/>
+                  <a:pt x="2833631" y="22125"/>
+                  <a:pt x="2833631" y="49418"/>
+                </a:cubicBezTo>
+                <a:lnTo>
+                  <a:pt x="2833631" y="2627592"/>
+                </a:lnTo>
+                <a:cubicBezTo>
+                  <a:pt x="2833631" y="2654885"/>
+                  <a:pt x="2811506" y="2677010"/>
+                  <a:pt x="2784213" y="2677010"/>
+                </a:cubicBezTo>
+                <a:lnTo>
+                  <a:pt x="49418" y="2677010"/>
+                </a:lnTo>
+                <a:cubicBezTo>
+                  <a:pt x="22125" y="2677010"/>
+                  <a:pt x="0" y="2654885"/>
+                  <a:pt x="0" y="2627592"/>
+                </a:cubicBezTo>
+                <a:lnTo>
+                  <a:pt x="0" y="49418"/>
+                </a:lnTo>
+                <a:cubicBezTo>
+                  <a:pt x="0" y="22125"/>
+                  <a:pt x="22125" y="0"/>
+                  <a:pt x="49418" y="0"/>
+                </a:cubicBezTo>
+                <a:close/>
+              </a:path>
+            </a:pathLst>
+          </a:custGeom>
+        </p:spPr>
+      </p:pic>
+      <p:sp>
+        <p:nvSpPr>
+          <p:cNvPr id="9" name="CaixaDeTexto 8">
+            <a:extLst>
+              <a:ext uri="{FF2B5EF4-FFF2-40B4-BE49-F238E27FC236}">
+                <a16:creationId xmlns:a16="http://schemas.microsoft.com/office/drawing/2014/main" id="{E43F6A29-9A3E-145D-1901-5EBA71EE39CF}"/>
+              </a:ext>
+            </a:extLst>
+          </p:cNvPr>
+          <p:cNvSpPr txBox="1"/>
+          <p:nvPr/>
+        </p:nvSpPr>
+        <p:spPr>
+          <a:xfrm>
+            <a:off x="4167271" y="319088"/>
+            <a:ext cx="7607786" cy="3508653"/>
+          </a:xfrm>
+          <a:prstGeom prst="rect">
+            <a:avLst/>
+          </a:prstGeom>
+          <a:noFill/>
+        </p:spPr>
+        <p:txBody>
+          <a:bodyPr wrap="square">
+            <a:spAutoFit/>
+          </a:bodyPr>
+          <a:lstStyle/>
+          <a:p>
+            <a:pPr marL="285750" indent="-285750">
+              <a:buFont typeface="Arial" panose="020B0604020202020204" pitchFamily="34" charset="0"/>
+              <a:buChar char="•"/>
+            </a:pPr>
+            <a:r>
+              <a:rPr lang="pt-BR" sz="2400" b="1" dirty="0"/>
+              <a:t>Herança:</a:t>
+            </a:r>
+          </a:p>
+          <a:p>
+            <a:pPr marL="285750" indent="-285750">
+              <a:buFont typeface="Arial" panose="020B0604020202020204" pitchFamily="34" charset="0"/>
+              <a:buChar char="•"/>
+            </a:pPr>
+            <a:endParaRPr lang="pt-BR" dirty="0"/>
+          </a:p>
+          <a:p>
+            <a:pPr lvl="1">
+              <a:buFont typeface="Arial" panose="020B0604020202020204" pitchFamily="34" charset="0"/>
+              <a:buChar char="•"/>
+            </a:pPr>
+            <a:r>
+              <a:rPr lang="pt-BR" b="1" dirty="0"/>
+              <a:t> </a:t>
+            </a:r>
+            <a:r>
+              <a:rPr lang="pt-BR" sz="2000" b="1" dirty="0"/>
+              <a:t>Definição:</a:t>
+            </a:r>
+            <a:r>
+              <a:rPr lang="pt-BR" sz="2000" dirty="0"/>
+              <a:t> Herança é um mecanismo que permite que uma classe (subclasse ou classe derivada) herde os atributos e métodos de outra classe (superclasse ou classe base). A subclasse pode estender ou especializar a funcionalidade da superclasse.</a:t>
+            </a:r>
+          </a:p>
+          <a:p>
+            <a:pPr lvl="1">
+              <a:buFont typeface="Arial" panose="020B0604020202020204" pitchFamily="34" charset="0"/>
+              <a:buChar char="•"/>
+            </a:pPr>
+            <a:endParaRPr lang="pt-BR" sz="2000" dirty="0"/>
+          </a:p>
+          <a:p>
+            <a:pPr lvl="1">
+              <a:buFont typeface="Arial" panose="020B0604020202020204" pitchFamily="34" charset="0"/>
+              <a:buChar char="•"/>
+            </a:pPr>
+            <a:r>
+              <a:rPr lang="pt-BR" sz="2000" b="1" dirty="0"/>
+              <a:t> Objetivo:</a:t>
+            </a:r>
+            <a:r>
+              <a:rPr lang="pt-BR" sz="2000" dirty="0"/>
+              <a:t> Reutilizar código, promover a extensibilidade e facilitar a criação de hierarquias de classes. A herança permite modelar relações entre objetos de maneira mais natural, refletindo a relação "é um" entre as classes.</a:t>
+            </a:r>
+          </a:p>
+        </p:txBody>
+      </p:sp>
+      <p:pic>
+        <p:nvPicPr>
+          <p:cNvPr id="13" name="Imagem 12" descr="Forma&#10;&#10;Descrição gerada automaticamente com confiança baixa">
+            <a:extLst>
+              <a:ext uri="{FF2B5EF4-FFF2-40B4-BE49-F238E27FC236}">
+                <a16:creationId xmlns:a16="http://schemas.microsoft.com/office/drawing/2014/main" id="{4C31A4EB-3AA7-D655-CF03-5398BEBF7219}"/>
+              </a:ext>
+            </a:extLst>
+          </p:cNvPr>
+          <p:cNvPicPr>
+            <a:picLocks noChangeAspect="1"/>
+          </p:cNvPicPr>
+          <p:nvPr/>
+        </p:nvPicPr>
+        <p:blipFill>
+          <a:blip r:embed="rId3"/>
+          <a:stretch>
+            <a:fillRect/>
+          </a:stretch>
+        </p:blipFill>
+        <p:spPr>
+          <a:xfrm>
+            <a:off x="8342103" y="3598571"/>
+            <a:ext cx="1612779" cy="2807430"/>
+          </a:xfrm>
+          <a:prstGeom prst="rect">
+            <a:avLst/>
+          </a:prstGeom>
+        </p:spPr>
+      </p:pic>
+    </p:spTree>
+    <p:extLst>
+      <p:ext uri="{BB962C8B-B14F-4D97-AF65-F5344CB8AC3E}">
+        <p14:creationId xmlns:p14="http://schemas.microsoft.com/office/powerpoint/2010/main" val="820364426"/>
+      </p:ext>
+    </p:extLst>
+  </p:cSld>
+  <p:clrMapOvr>
+    <a:masterClrMapping/>
+  </p:clrMapOvr>
+</p:sld>
+</file>
+
+<file path=ppt/slides/slide6.xml><?xml version="1.0" encoding="utf-8"?>
+<p:sld xmlns:a="http://schemas.openxmlformats.org/drawingml/2006/main" xmlns:r="http://schemas.openxmlformats.org/officeDocument/2006/relationships" xmlns:p="http://schemas.openxmlformats.org/presentationml/2006/main">
+  <p:cSld>
+    <p:bg>
+      <p:bgPr>
+        <a:solidFill>
+          <a:schemeClr val="bg1"/>
+        </a:solidFill>
+        <a:effectLst/>
+      </p:bgPr>
+    </p:bg>
+    <p:spTree>
+      <p:nvGrpSpPr>
+        <p:cNvPr id="1" name="">
+          <a:extLst>
+            <a:ext uri="{FF2B5EF4-FFF2-40B4-BE49-F238E27FC236}">
+              <a16:creationId xmlns:a16="http://schemas.microsoft.com/office/drawing/2014/main" id="{E6F34019-234C-018D-6BE5-65C94A68A42C}"/>
+            </a:ext>
+          </a:extLst>
+        </p:cNvPr>
+        <p:cNvGrpSpPr/>
+        <p:nvPr/>
+      </p:nvGrpSpPr>
+      <p:grpSpPr>
+        <a:xfrm>
+          <a:off x="0" y="0"/>
+          <a:ext cx="0" cy="0"/>
+          <a:chOff x="0" y="0"/>
+          <a:chExt cx="0" cy="0"/>
+        </a:xfrm>
+      </p:grpSpPr>
+      <p:sp useBgFill="1">
+        <p:nvSpPr>
+          <p:cNvPr id="8" name="Rectangle 7">
+            <a:extLst>
+              <a:ext uri="{FF2B5EF4-FFF2-40B4-BE49-F238E27FC236}">
+                <a16:creationId xmlns:a16="http://schemas.microsoft.com/office/drawing/2014/main" id="{545F40CA-F38F-69B3-A141-609E0239AD00}"/>
+              </a:ext>
+              <a:ext uri="{C183D7F6-B498-43B3-948B-1728B52AA6E4}">
+                <adec:decorative xmlns:adec="http://schemas.microsoft.com/office/drawing/2017/decorative" val="1"/>
+              </a:ext>
+            </a:extLst>
+          </p:cNvPr>
+          <p:cNvSpPr>
+            <a:spLocks noGrp="1" noRot="1" noChangeAspect="1" noMove="1" noResize="1" noEditPoints="1" noAdjustHandles="1" noChangeArrowheads="1" noChangeShapeType="1" noTextEdit="1"/>
+          </p:cNvSpPr>
+          <p:nvPr>
+            <p:extLst>
+              <p:ext uri="{386F3935-93C4-4BCD-93E2-E3B085C9AB24}">
+                <p16:designElem xmlns:p16="http://schemas.microsoft.com/office/powerpoint/2015/main" val="1"/>
+              </p:ext>
+            </p:extLst>
+          </p:nvPr>
+        </p:nvSpPr>
+        <p:spPr>
+          <a:xfrm>
+            <a:off x="3048" y="0"/>
+            <a:ext cx="12188952" cy="6858000"/>
+          </a:xfrm>
+          <a:prstGeom prst="rect">
+            <a:avLst/>
+          </a:prstGeom>
+          <a:ln>
+            <a:noFill/>
+          </a:ln>
+        </p:spPr>
+        <p:style>
+          <a:lnRef idx="2">
+            <a:schemeClr val="accent1">
+              <a:shade val="50000"/>
+            </a:schemeClr>
+          </a:lnRef>
+          <a:fillRef idx="1">
+            <a:schemeClr val="accent1"/>
+          </a:fillRef>
+          <a:effectRef idx="0">
+            <a:schemeClr val="accent1"/>
+          </a:effectRef>
+          <a:fontRef idx="minor">
+            <a:schemeClr val="lt1"/>
+          </a:fontRef>
+        </p:style>
+        <p:txBody>
+          <a:bodyPr rtlCol="0" anchor="ctr"/>
+          <a:lstStyle/>
+          <a:p>
+            <a:pPr algn="ctr"/>
+            <a:endParaRPr lang="en-US"/>
+          </a:p>
+        </p:txBody>
+      </p:sp>
+      <p:sp>
+        <p:nvSpPr>
+          <p:cNvPr id="10" name="Freeform: Shape 9">
+            <a:extLst>
+              <a:ext uri="{FF2B5EF4-FFF2-40B4-BE49-F238E27FC236}">
+                <a16:creationId xmlns:a16="http://schemas.microsoft.com/office/drawing/2014/main" id="{2438B4FB-E541-8D72-DF63-3149B20DB03B}"/>
+              </a:ext>
+              <a:ext uri="{C183D7F6-B498-43B3-948B-1728B52AA6E4}">
+                <adec:decorative xmlns:adec="http://schemas.microsoft.com/office/drawing/2017/decorative" val="1"/>
+              </a:ext>
+            </a:extLst>
+          </p:cNvPr>
+          <p:cNvSpPr>
+            <a:spLocks noGrp="1" noRot="1" noChangeAspect="1" noMove="1" noResize="1" noEditPoints="1" noAdjustHandles="1" noChangeArrowheads="1" noChangeShapeType="1" noTextEdit="1"/>
+          </p:cNvSpPr>
+          <p:nvPr>
+            <p:extLst>
+              <p:ext uri="{386F3935-93C4-4BCD-93E2-E3B085C9AB24}">
+                <p16:designElem xmlns:p16="http://schemas.microsoft.com/office/powerpoint/2015/main" val="1"/>
+              </p:ext>
+            </p:extLst>
+          </p:nvPr>
+        </p:nvSpPr>
+        <p:spPr>
+          <a:xfrm>
+            <a:off x="1" y="0"/>
+            <a:ext cx="4167271" cy="6858000"/>
+          </a:xfrm>
+          <a:custGeom>
+            <a:avLst/>
+            <a:gdLst>
+              <a:gd name="connsiteX0" fmla="*/ 0 w 4167271"/>
+              <a:gd name="connsiteY0" fmla="*/ 0 h 6858000"/>
+              <a:gd name="connsiteX1" fmla="*/ 2259550 w 4167271"/>
+              <a:gd name="connsiteY1" fmla="*/ 0 h 6858000"/>
+              <a:gd name="connsiteX2" fmla="*/ 2387803 w 4167271"/>
+              <a:gd name="connsiteY2" fmla="*/ 82222 h 6858000"/>
+              <a:gd name="connsiteX3" fmla="*/ 4167271 w 4167271"/>
+              <a:gd name="connsiteY3" fmla="*/ 3429000 h 6858000"/>
+              <a:gd name="connsiteX4" fmla="*/ 2387803 w 4167271"/>
+              <a:gd name="connsiteY4" fmla="*/ 6775779 h 6858000"/>
+              <a:gd name="connsiteX5" fmla="*/ 2259550 w 4167271"/>
+              <a:gd name="connsiteY5" fmla="*/ 6858000 h 6858000"/>
+              <a:gd name="connsiteX6" fmla="*/ 0 w 4167271"/>
+              <a:gd name="connsiteY6" fmla="*/ 6858000 h 6858000"/>
+            </a:gdLst>
+            <a:ahLst/>
+            <a:cxnLst>
+              <a:cxn ang="0">
+                <a:pos x="connsiteX0" y="connsiteY0"/>
+              </a:cxn>
+              <a:cxn ang="0">
+                <a:pos x="connsiteX1" y="connsiteY1"/>
+              </a:cxn>
+              <a:cxn ang="0">
+                <a:pos x="connsiteX2" y="connsiteY2"/>
+              </a:cxn>
+              <a:cxn ang="0">
+                <a:pos x="connsiteX3" y="connsiteY3"/>
+              </a:cxn>
+              <a:cxn ang="0">
+                <a:pos x="connsiteX4" y="connsiteY4"/>
+              </a:cxn>
+              <a:cxn ang="0">
+                <a:pos x="connsiteX5" y="connsiteY5"/>
+              </a:cxn>
+              <a:cxn ang="0">
+                <a:pos x="connsiteX6" y="connsiteY6"/>
+              </a:cxn>
+            </a:cxnLst>
+            <a:rect l="l" t="t" r="r" b="b"/>
+            <a:pathLst>
+              <a:path w="4167271" h="6858000">
+                <a:moveTo>
+                  <a:pt x="0" y="0"/>
+                </a:moveTo>
+                <a:lnTo>
+                  <a:pt x="2259550" y="0"/>
+                </a:lnTo>
+                <a:lnTo>
+                  <a:pt x="2387803" y="82222"/>
+                </a:lnTo>
+                <a:cubicBezTo>
+                  <a:pt x="3461407" y="807534"/>
+                  <a:pt x="4167271" y="2035835"/>
+                  <a:pt x="4167271" y="3429000"/>
+                </a:cubicBezTo>
+                <a:cubicBezTo>
+                  <a:pt x="4167271" y="4822165"/>
+                  <a:pt x="3461407" y="6050467"/>
+                  <a:pt x="2387803" y="6775779"/>
+                </a:cubicBezTo>
+                <a:lnTo>
+                  <a:pt x="2259550" y="6858000"/>
+                </a:lnTo>
+                <a:lnTo>
+                  <a:pt x="0" y="6858000"/>
+                </a:lnTo>
+                <a:close/>
+              </a:path>
+            </a:pathLst>
+          </a:custGeom>
+          <a:solidFill>
+            <a:schemeClr val="accent2"/>
+          </a:solidFill>
+          <a:ln>
+            <a:noFill/>
+          </a:ln>
+        </p:spPr>
+        <p:style>
+          <a:lnRef idx="2">
+            <a:schemeClr val="accent1">
+              <a:shade val="50000"/>
+            </a:schemeClr>
+          </a:lnRef>
+          <a:fillRef idx="1">
+            <a:schemeClr val="accent1"/>
+          </a:fillRef>
+          <a:effectRef idx="0">
+            <a:schemeClr val="accent1"/>
+          </a:effectRef>
+          <a:fontRef idx="minor">
+            <a:schemeClr val="lt1"/>
+          </a:fontRef>
+        </p:style>
+        <p:txBody>
+          <a:bodyPr rtlCol="0" anchor="ctr"/>
+          <a:lstStyle/>
+          <a:p>
+            <a:pPr algn="ctr"/>
+            <a:endParaRPr lang="en-US"/>
+          </a:p>
+        </p:txBody>
+      </p:sp>
+      <p:sp>
+        <p:nvSpPr>
+          <p:cNvPr id="2" name="Título 1">
+            <a:extLst>
+              <a:ext uri="{FF2B5EF4-FFF2-40B4-BE49-F238E27FC236}">
+                <a16:creationId xmlns:a16="http://schemas.microsoft.com/office/drawing/2014/main" id="{F5D50A7A-27C1-5B6A-4D08-0E4C947DD86D}"/>
+              </a:ext>
+            </a:extLst>
+          </p:cNvPr>
+          <p:cNvSpPr>
+            <a:spLocks noGrp="1"/>
+          </p:cNvSpPr>
+          <p:nvPr>
+            <p:ph type="title"/>
+          </p:nvPr>
+        </p:nvSpPr>
+        <p:spPr>
+          <a:xfrm>
+            <a:off x="238260" y="1093188"/>
+            <a:ext cx="3200400" cy="4461163"/>
+          </a:xfrm>
+        </p:spPr>
+        <p:txBody>
+          <a:bodyPr>
+            <a:normAutofit/>
+          </a:bodyPr>
+          <a:lstStyle/>
+          <a:p>
+            <a:r>
+              <a:rPr lang="pt-BR" dirty="0">
+                <a:solidFill>
+                  <a:srgbClr val="FFFFFF"/>
+                </a:solidFill>
+              </a:rPr>
+              <a:t>Principais conceitos da POO:</a:t>
+            </a:r>
+            <a:br>
+              <a:rPr lang="pt-BR" dirty="0">
+                <a:solidFill>
+                  <a:srgbClr val="FFFFFF"/>
+                </a:solidFill>
+              </a:rPr>
+            </a:br>
+            <a:r>
+              <a:rPr lang="pt-BR" dirty="0">
+                <a:solidFill>
+                  <a:srgbClr val="FFFF00"/>
+                </a:solidFill>
+              </a:rPr>
+              <a:t>Polimorfismo</a:t>
+            </a:r>
+          </a:p>
+        </p:txBody>
+      </p:sp>
+      <p:sp>
+        <p:nvSpPr>
+          <p:cNvPr id="12" name="Arc 11">
+            <a:extLst>
+              <a:ext uri="{FF2B5EF4-FFF2-40B4-BE49-F238E27FC236}">
+                <a16:creationId xmlns:a16="http://schemas.microsoft.com/office/drawing/2014/main" id="{0C2A184C-4961-E3EE-8386-30372B766794}"/>
+              </a:ext>
+              <a:ext uri="{C183D7F6-B498-43B3-948B-1728B52AA6E4}">
+                <adec:decorative xmlns:adec="http://schemas.microsoft.com/office/drawing/2017/decorative" val="1"/>
+              </a:ext>
+            </a:extLst>
+          </p:cNvPr>
+          <p:cNvSpPr>
+            <a:spLocks noGrp="1" noRot="1" noChangeAspect="1" noMove="1" noResize="1" noEditPoints="1" noAdjustHandles="1" noChangeArrowheads="1" noChangeShapeType="1" noTextEdit="1"/>
+          </p:cNvSpPr>
+          <p:nvPr>
+            <p:extLst>
+              <p:ext uri="{386F3935-93C4-4BCD-93E2-E3B085C9AB24}">
+                <p16:designElem xmlns:p16="http://schemas.microsoft.com/office/powerpoint/2015/main" val="1"/>
+              </p:ext>
+            </p:extLst>
+          </p:nvPr>
+        </p:nvSpPr>
+        <p:spPr>
+          <a:xfrm flipV="1">
+            <a:off x="7550402" y="2455479"/>
+            <a:ext cx="4083433" cy="4083433"/>
+          </a:xfrm>
+          <a:prstGeom prst="arc">
+            <a:avLst/>
+          </a:prstGeom>
+          <a:ln w="127000" cap="rnd">
+            <a:solidFill>
+              <a:schemeClr val="accent4"/>
+            </a:solidFill>
+            <a:prstDash val="dash"/>
+          </a:ln>
+        </p:spPr>
+        <p:style>
+          <a:lnRef idx="1">
+            <a:schemeClr val="accent1"/>
+          </a:lnRef>
+          <a:fillRef idx="0">
+            <a:schemeClr val="accent1"/>
+          </a:fillRef>
+          <a:effectRef idx="0">
+            <a:schemeClr val="accent1"/>
+          </a:effectRef>
+          <a:fontRef idx="minor">
+            <a:schemeClr val="tx1"/>
+          </a:fontRef>
+        </p:style>
+        <p:txBody>
+          <a:bodyPr rtlCol="0" anchor="ctr"/>
+          <a:lstStyle/>
+          <a:p>
+            <a:pPr algn="ctr"/>
+            <a:endParaRPr lang="en-US" dirty="0"/>
+          </a:p>
+        </p:txBody>
+      </p:sp>
+      <p:pic>
+        <p:nvPicPr>
+          <p:cNvPr id="4" name="Imagem 3" descr="Logotipo, nome da empresa&#10;&#10;Descrição gerada automaticamente">
+            <a:extLst>
+              <a:ext uri="{FF2B5EF4-FFF2-40B4-BE49-F238E27FC236}">
+                <a16:creationId xmlns:a16="http://schemas.microsoft.com/office/drawing/2014/main" id="{F04A67F5-9372-C682-3F61-7EE243540B8B}"/>
+              </a:ext>
+            </a:extLst>
+          </p:cNvPr>
+          <p:cNvPicPr>
+            <a:picLocks noChangeAspect="1"/>
+          </p:cNvPicPr>
+          <p:nvPr/>
+        </p:nvPicPr>
+        <p:blipFill>
+          <a:blip r:embed="rId2"/>
+          <a:stretch>
+            <a:fillRect/>
+          </a:stretch>
+        </p:blipFill>
+        <p:spPr>
+          <a:xfrm>
+            <a:off x="11099925" y="5824981"/>
+            <a:ext cx="1065914" cy="1065914"/>
+          </a:xfrm>
+          <a:custGeom>
+            <a:avLst/>
+            <a:gdLst/>
+            <a:ahLst/>
+            <a:cxnLst/>
+            <a:rect l="l" t="t" r="r" b="b"/>
+            <a:pathLst>
+              <a:path w="2833631" h="2677010">
+                <a:moveTo>
+                  <a:pt x="49418" y="0"/>
+                </a:moveTo>
+                <a:lnTo>
+                  <a:pt x="2784213" y="0"/>
+                </a:lnTo>
+                <a:cubicBezTo>
+                  <a:pt x="2811506" y="0"/>
+                  <a:pt x="2833631" y="22125"/>
+                  <a:pt x="2833631" y="49418"/>
+                </a:cubicBezTo>
+                <a:lnTo>
+                  <a:pt x="2833631" y="2627592"/>
+                </a:lnTo>
+                <a:cubicBezTo>
+                  <a:pt x="2833631" y="2654885"/>
+                  <a:pt x="2811506" y="2677010"/>
+                  <a:pt x="2784213" y="2677010"/>
+                </a:cubicBezTo>
+                <a:lnTo>
+                  <a:pt x="49418" y="2677010"/>
+                </a:lnTo>
+                <a:cubicBezTo>
+                  <a:pt x="22125" y="2677010"/>
+                  <a:pt x="0" y="2654885"/>
+                  <a:pt x="0" y="2627592"/>
+                </a:cubicBezTo>
+                <a:lnTo>
+                  <a:pt x="0" y="49418"/>
+                </a:lnTo>
+                <a:cubicBezTo>
+                  <a:pt x="0" y="22125"/>
+                  <a:pt x="22125" y="0"/>
+                  <a:pt x="49418" y="0"/>
+                </a:cubicBezTo>
+                <a:close/>
+              </a:path>
+            </a:pathLst>
+          </a:custGeom>
+        </p:spPr>
+      </p:pic>
+      <p:sp>
+        <p:nvSpPr>
+          <p:cNvPr id="9" name="CaixaDeTexto 8">
+            <a:extLst>
+              <a:ext uri="{FF2B5EF4-FFF2-40B4-BE49-F238E27FC236}">
+                <a16:creationId xmlns:a16="http://schemas.microsoft.com/office/drawing/2014/main" id="{BB664B5F-79F4-59A9-1F10-30735A733A97}"/>
+              </a:ext>
+            </a:extLst>
+          </p:cNvPr>
+          <p:cNvSpPr txBox="1"/>
+          <p:nvPr/>
+        </p:nvSpPr>
+        <p:spPr>
+          <a:xfrm>
+            <a:off x="4167272" y="319088"/>
+            <a:ext cx="7551256" cy="4431983"/>
+          </a:xfrm>
+          <a:prstGeom prst="rect">
+            <a:avLst/>
+          </a:prstGeom>
+          <a:noFill/>
+        </p:spPr>
+        <p:txBody>
+          <a:bodyPr wrap="square">
+            <a:spAutoFit/>
+          </a:bodyPr>
+          <a:lstStyle/>
+          <a:p>
+            <a:pPr marL="285750" indent="-285750">
+              <a:buFont typeface="Arial" panose="020B0604020202020204" pitchFamily="34" charset="0"/>
+              <a:buChar char="•"/>
+            </a:pPr>
+            <a:r>
+              <a:rPr lang="pt-BR" sz="2400" b="1" dirty="0"/>
+              <a:t>Polimorfismo</a:t>
+            </a:r>
+            <a:r>
+              <a:rPr lang="pt-BR" b="1" dirty="0"/>
+              <a:t>:</a:t>
+            </a:r>
+          </a:p>
+          <a:p>
+            <a:endParaRPr lang="pt-BR" dirty="0"/>
+          </a:p>
+          <a:p>
+            <a:pPr marL="742950" lvl="1" indent="-285750">
+              <a:buFont typeface="Arial" panose="020B0604020202020204" pitchFamily="34" charset="0"/>
+              <a:buChar char="•"/>
+            </a:pPr>
+            <a:r>
+              <a:rPr lang="pt-BR" sz="2000" b="1" dirty="0"/>
+              <a:t>Definição:</a:t>
+            </a:r>
+            <a:r>
+              <a:rPr lang="pt-BR" sz="2000" dirty="0"/>
+              <a:t> Polimorfismo refere-se à capacidade de um objeto tomar diferentes formas ou comportar-se de maneiras diferentes com base no contexto. Existem dois tipos principais de polimorfismo: </a:t>
+            </a:r>
+            <a:r>
+              <a:rPr lang="pt-BR" sz="2000" dirty="0">
+                <a:solidFill>
+                  <a:srgbClr val="FF0000"/>
+                </a:solidFill>
+              </a:rPr>
+              <a:t>polimorfismo de sobrecarga</a:t>
+            </a:r>
+            <a:r>
+              <a:rPr lang="pt-BR" sz="2000" dirty="0"/>
+              <a:t> (métodos com o mesmo nome, mas diferentes parâmetros) e </a:t>
+            </a:r>
+            <a:r>
+              <a:rPr lang="pt-BR" sz="2000" dirty="0">
+                <a:solidFill>
+                  <a:srgbClr val="FF0000"/>
+                </a:solidFill>
+              </a:rPr>
+              <a:t>polimorfismo de sobreposição</a:t>
+            </a:r>
+            <a:r>
+              <a:rPr lang="pt-BR" sz="2000" dirty="0"/>
+              <a:t> (métodos na classe derivada substituindo métodos na classe base).</a:t>
+            </a:r>
+          </a:p>
+          <a:p>
+            <a:pPr>
+              <a:buFont typeface="Arial" panose="020B0604020202020204" pitchFamily="34" charset="0"/>
+              <a:buChar char="•"/>
+            </a:pPr>
+            <a:endParaRPr lang="pt-BR" sz="2000" dirty="0"/>
+          </a:p>
+          <a:p>
+            <a:pPr marL="742950" lvl="1" indent="-285750">
+              <a:buFont typeface="Arial" panose="020B0604020202020204" pitchFamily="34" charset="0"/>
+              <a:buChar char="•"/>
+            </a:pPr>
+            <a:r>
+              <a:rPr lang="pt-BR" sz="2000" b="1" dirty="0"/>
+              <a:t>Objetivo:</a:t>
+            </a:r>
+            <a:r>
+              <a:rPr lang="pt-BR" sz="2000" dirty="0"/>
+              <a:t> Melhorar a flexibilidade e a extensibilidade do código. O polimorfismo permite que diferentes objetos possam ser tratados de maneira uniforme, simplificando a lógica do programa.</a:t>
+            </a:r>
+          </a:p>
+        </p:txBody>
+      </p:sp>
+    </p:spTree>
+    <p:extLst>
+      <p:ext uri="{BB962C8B-B14F-4D97-AF65-F5344CB8AC3E}">
+        <p14:creationId xmlns:p14="http://schemas.microsoft.com/office/powerpoint/2010/main" val="563319661"/>
+      </p:ext>
+    </p:extLst>
+  </p:cSld>
+  <p:clrMapOvr>
+    <a:masterClrMapping/>
+  </p:clrMapOvr>
+</p:sld>
+</file>
+
+<file path=ppt/slides/slide7.xml><?xml version="1.0" encoding="utf-8"?>
+<p:sld xmlns:a="http://schemas.openxmlformats.org/drawingml/2006/main" xmlns:r="http://schemas.openxmlformats.org/officeDocument/2006/relationships" xmlns:p="http://schemas.openxmlformats.org/presentationml/2006/main">
+  <p:cSld>
+    <p:bg>
+      <p:bgPr>
+        <a:solidFill>
+          <a:schemeClr val="bg1"/>
+        </a:solidFill>
+        <a:effectLst/>
+      </p:bgPr>
+    </p:bg>
+    <p:spTree>
+      <p:nvGrpSpPr>
+        <p:cNvPr id="1" name="">
+          <a:extLst>
+            <a:ext uri="{FF2B5EF4-FFF2-40B4-BE49-F238E27FC236}">
+              <a16:creationId xmlns:a16="http://schemas.microsoft.com/office/drawing/2014/main" id="{7DF1D0CC-0DDA-C739-B83C-DC78C98D933C}"/>
+            </a:ext>
+          </a:extLst>
+        </p:cNvPr>
+        <p:cNvGrpSpPr/>
+        <p:nvPr/>
+      </p:nvGrpSpPr>
+      <p:grpSpPr>
+        <a:xfrm>
+          <a:off x="0" y="0"/>
+          <a:ext cx="0" cy="0"/>
+          <a:chOff x="0" y="0"/>
+          <a:chExt cx="0" cy="0"/>
+        </a:xfrm>
+      </p:grpSpPr>
+      <p:sp useBgFill="1">
+        <p:nvSpPr>
+          <p:cNvPr id="8" name="Rectangle 7">
+            <a:extLst>
+              <a:ext uri="{FF2B5EF4-FFF2-40B4-BE49-F238E27FC236}">
+                <a16:creationId xmlns:a16="http://schemas.microsoft.com/office/drawing/2014/main" id="{B4B8D680-2448-4195-E42D-AEA576A7E43A}"/>
+              </a:ext>
+              <a:ext uri="{C183D7F6-B498-43B3-948B-1728B52AA6E4}">
+                <adec:decorative xmlns:adec="http://schemas.microsoft.com/office/drawing/2017/decorative" val="1"/>
+              </a:ext>
+            </a:extLst>
+          </p:cNvPr>
+          <p:cNvSpPr>
+            <a:spLocks noGrp="1" noRot="1" noChangeAspect="1" noMove="1" noResize="1" noEditPoints="1" noAdjustHandles="1" noChangeArrowheads="1" noChangeShapeType="1" noTextEdit="1"/>
+          </p:cNvSpPr>
+          <p:nvPr>
+            <p:extLst>
+              <p:ext uri="{386F3935-93C4-4BCD-93E2-E3B085C9AB24}">
+                <p16:designElem xmlns:p16="http://schemas.microsoft.com/office/powerpoint/2015/main" val="1"/>
+              </p:ext>
+            </p:extLst>
+          </p:nvPr>
+        </p:nvSpPr>
+        <p:spPr>
+          <a:xfrm>
+            <a:off x="3048" y="0"/>
+            <a:ext cx="12188952" cy="6858000"/>
+          </a:xfrm>
+          <a:prstGeom prst="rect">
+            <a:avLst/>
+          </a:prstGeom>
+          <a:ln>
+            <a:noFill/>
+          </a:ln>
+        </p:spPr>
+        <p:style>
+          <a:lnRef idx="2">
+            <a:schemeClr val="accent1">
+              <a:shade val="50000"/>
+            </a:schemeClr>
+          </a:lnRef>
+          <a:fillRef idx="1">
+            <a:schemeClr val="accent1"/>
+          </a:fillRef>
+          <a:effectRef idx="0">
+            <a:schemeClr val="accent1"/>
+          </a:effectRef>
+          <a:fontRef idx="minor">
+            <a:schemeClr val="lt1"/>
+          </a:fontRef>
+        </p:style>
+        <p:txBody>
+          <a:bodyPr rtlCol="0" anchor="ctr"/>
+          <a:lstStyle/>
+          <a:p>
+            <a:pPr algn="ctr"/>
+            <a:endParaRPr lang="en-US"/>
+          </a:p>
+        </p:txBody>
+      </p:sp>
+      <p:sp>
+        <p:nvSpPr>
+          <p:cNvPr id="10" name="Freeform: Shape 9">
+            <a:extLst>
+              <a:ext uri="{FF2B5EF4-FFF2-40B4-BE49-F238E27FC236}">
+                <a16:creationId xmlns:a16="http://schemas.microsoft.com/office/drawing/2014/main" id="{4AA27276-7662-F9C6-D31D-B379332D7794}"/>
+              </a:ext>
+              <a:ext uri="{C183D7F6-B498-43B3-948B-1728B52AA6E4}">
+                <adec:decorative xmlns:adec="http://schemas.microsoft.com/office/drawing/2017/decorative" val="1"/>
+              </a:ext>
+            </a:extLst>
+          </p:cNvPr>
+          <p:cNvSpPr>
+            <a:spLocks noGrp="1" noRot="1" noChangeAspect="1" noMove="1" noResize="1" noEditPoints="1" noAdjustHandles="1" noChangeArrowheads="1" noChangeShapeType="1" noTextEdit="1"/>
+          </p:cNvSpPr>
+          <p:nvPr>
+            <p:extLst>
+              <p:ext uri="{386F3935-93C4-4BCD-93E2-E3B085C9AB24}">
+                <p16:designElem xmlns:p16="http://schemas.microsoft.com/office/powerpoint/2015/main" val="1"/>
+              </p:ext>
+            </p:extLst>
+          </p:nvPr>
+        </p:nvSpPr>
+        <p:spPr>
+          <a:xfrm>
+            <a:off x="1" y="0"/>
+            <a:ext cx="4167271" cy="6858000"/>
+          </a:xfrm>
+          <a:custGeom>
+            <a:avLst/>
+            <a:gdLst>
+              <a:gd name="connsiteX0" fmla="*/ 0 w 4167271"/>
+              <a:gd name="connsiteY0" fmla="*/ 0 h 6858000"/>
+              <a:gd name="connsiteX1" fmla="*/ 2259550 w 4167271"/>
+              <a:gd name="connsiteY1" fmla="*/ 0 h 6858000"/>
+              <a:gd name="connsiteX2" fmla="*/ 2387803 w 4167271"/>
+              <a:gd name="connsiteY2" fmla="*/ 82222 h 6858000"/>
+              <a:gd name="connsiteX3" fmla="*/ 4167271 w 4167271"/>
+              <a:gd name="connsiteY3" fmla="*/ 3429000 h 6858000"/>
+              <a:gd name="connsiteX4" fmla="*/ 2387803 w 4167271"/>
+              <a:gd name="connsiteY4" fmla="*/ 6775779 h 6858000"/>
+              <a:gd name="connsiteX5" fmla="*/ 2259550 w 4167271"/>
+              <a:gd name="connsiteY5" fmla="*/ 6858000 h 6858000"/>
+              <a:gd name="connsiteX6" fmla="*/ 0 w 4167271"/>
+              <a:gd name="connsiteY6" fmla="*/ 6858000 h 6858000"/>
+            </a:gdLst>
+            <a:ahLst/>
+            <a:cxnLst>
+              <a:cxn ang="0">
+                <a:pos x="connsiteX0" y="connsiteY0"/>
+              </a:cxn>
+              <a:cxn ang="0">
+                <a:pos x="connsiteX1" y="connsiteY1"/>
+              </a:cxn>
+              <a:cxn ang="0">
+                <a:pos x="connsiteX2" y="connsiteY2"/>
+              </a:cxn>
+              <a:cxn ang="0">
+                <a:pos x="connsiteX3" y="connsiteY3"/>
+              </a:cxn>
+              <a:cxn ang="0">
+                <a:pos x="connsiteX4" y="connsiteY4"/>
+              </a:cxn>
+              <a:cxn ang="0">
+                <a:pos x="connsiteX5" y="connsiteY5"/>
+              </a:cxn>
+              <a:cxn ang="0">
+                <a:pos x="connsiteX6" y="connsiteY6"/>
+              </a:cxn>
+            </a:cxnLst>
+            <a:rect l="l" t="t" r="r" b="b"/>
+            <a:pathLst>
+              <a:path w="4167271" h="6858000">
+                <a:moveTo>
+                  <a:pt x="0" y="0"/>
+                </a:moveTo>
+                <a:lnTo>
+                  <a:pt x="2259550" y="0"/>
+                </a:lnTo>
+                <a:lnTo>
+                  <a:pt x="2387803" y="82222"/>
+                </a:lnTo>
+                <a:cubicBezTo>
+                  <a:pt x="3461407" y="807534"/>
+                  <a:pt x="4167271" y="2035835"/>
+                  <a:pt x="4167271" y="3429000"/>
+                </a:cubicBezTo>
+                <a:cubicBezTo>
+                  <a:pt x="4167271" y="4822165"/>
+                  <a:pt x="3461407" y="6050467"/>
+                  <a:pt x="2387803" y="6775779"/>
+                </a:cubicBezTo>
+                <a:lnTo>
+                  <a:pt x="2259550" y="6858000"/>
+                </a:lnTo>
+                <a:lnTo>
+                  <a:pt x="0" y="6858000"/>
+                </a:lnTo>
+                <a:close/>
+              </a:path>
+            </a:pathLst>
+          </a:custGeom>
+          <a:solidFill>
+            <a:schemeClr val="accent2"/>
+          </a:solidFill>
+          <a:ln>
+            <a:noFill/>
+          </a:ln>
+        </p:spPr>
+        <p:style>
+          <a:lnRef idx="2">
+            <a:schemeClr val="accent1">
+              <a:shade val="50000"/>
+            </a:schemeClr>
+          </a:lnRef>
+          <a:fillRef idx="1">
+            <a:schemeClr val="accent1"/>
+          </a:fillRef>
+          <a:effectRef idx="0">
+            <a:schemeClr val="accent1"/>
+          </a:effectRef>
+          <a:fontRef idx="minor">
+            <a:schemeClr val="lt1"/>
+          </a:fontRef>
+        </p:style>
+        <p:txBody>
+          <a:bodyPr rtlCol="0" anchor="ctr"/>
+          <a:lstStyle/>
+          <a:p>
+            <a:pPr algn="ctr"/>
+            <a:endParaRPr lang="en-US"/>
+          </a:p>
+        </p:txBody>
+      </p:sp>
+      <p:sp>
+        <p:nvSpPr>
+          <p:cNvPr id="2" name="Título 1">
+            <a:extLst>
+              <a:ext uri="{FF2B5EF4-FFF2-40B4-BE49-F238E27FC236}">
+                <a16:creationId xmlns:a16="http://schemas.microsoft.com/office/drawing/2014/main" id="{75F091CF-853D-359E-7030-21E9A2EE5F1A}"/>
+              </a:ext>
+            </a:extLst>
+          </p:cNvPr>
+          <p:cNvSpPr>
+            <a:spLocks noGrp="1"/>
+          </p:cNvSpPr>
+          <p:nvPr>
+            <p:ph type="title"/>
+          </p:nvPr>
+        </p:nvSpPr>
+        <p:spPr>
+          <a:xfrm>
+            <a:off x="238260" y="1093188"/>
+            <a:ext cx="3200400" cy="4461163"/>
+          </a:xfrm>
+        </p:spPr>
+        <p:txBody>
+          <a:bodyPr>
+            <a:normAutofit/>
+          </a:bodyPr>
+          <a:lstStyle/>
+          <a:p>
+            <a:r>
+              <a:rPr lang="pt-BR" dirty="0">
+                <a:solidFill>
+                  <a:srgbClr val="FFFFFF"/>
+                </a:solidFill>
+              </a:rPr>
+              <a:t>Principais conceitos da POO:</a:t>
+            </a:r>
+            <a:br>
+              <a:rPr lang="pt-BR" dirty="0">
+                <a:solidFill>
+                  <a:srgbClr val="FFFFFF"/>
+                </a:solidFill>
+              </a:rPr>
+            </a:br>
+            <a:r>
+              <a:rPr lang="pt-BR" dirty="0">
+                <a:solidFill>
+                  <a:srgbClr val="FFFF00"/>
+                </a:solidFill>
+              </a:rPr>
+              <a:t>Abstração de métodos</a:t>
+            </a:r>
+          </a:p>
+        </p:txBody>
+      </p:sp>
+      <p:sp>
+        <p:nvSpPr>
+          <p:cNvPr id="12" name="Arc 11">
+            <a:extLst>
+              <a:ext uri="{FF2B5EF4-FFF2-40B4-BE49-F238E27FC236}">
+                <a16:creationId xmlns:a16="http://schemas.microsoft.com/office/drawing/2014/main" id="{D1B33535-5140-D234-E7E2-8A0A3B854DE4}"/>
+              </a:ext>
+              <a:ext uri="{C183D7F6-B498-43B3-948B-1728B52AA6E4}">
+                <adec:decorative xmlns:adec="http://schemas.microsoft.com/office/drawing/2017/decorative" val="1"/>
+              </a:ext>
+            </a:extLst>
+          </p:cNvPr>
+          <p:cNvSpPr>
+            <a:spLocks noGrp="1" noRot="1" noChangeAspect="1" noMove="1" noResize="1" noEditPoints="1" noAdjustHandles="1" noChangeArrowheads="1" noChangeShapeType="1" noTextEdit="1"/>
+          </p:cNvSpPr>
+          <p:nvPr>
+            <p:extLst>
+              <p:ext uri="{386F3935-93C4-4BCD-93E2-E3B085C9AB24}">
+                <p16:designElem xmlns:p16="http://schemas.microsoft.com/office/powerpoint/2015/main" val="1"/>
+              </p:ext>
+            </p:extLst>
+          </p:nvPr>
+        </p:nvSpPr>
+        <p:spPr>
+          <a:xfrm flipV="1">
+            <a:off x="7550402" y="2455479"/>
+            <a:ext cx="4083433" cy="4083433"/>
+          </a:xfrm>
+          <a:prstGeom prst="arc">
+            <a:avLst/>
+          </a:prstGeom>
+          <a:ln w="127000" cap="rnd">
+            <a:solidFill>
+              <a:schemeClr val="accent4"/>
+            </a:solidFill>
+            <a:prstDash val="dash"/>
+          </a:ln>
+        </p:spPr>
+        <p:style>
+          <a:lnRef idx="1">
+            <a:schemeClr val="accent1"/>
+          </a:lnRef>
+          <a:fillRef idx="0">
+            <a:schemeClr val="accent1"/>
+          </a:fillRef>
+          <a:effectRef idx="0">
+            <a:schemeClr val="accent1"/>
+          </a:effectRef>
+          <a:fontRef idx="minor">
+            <a:schemeClr val="tx1"/>
+          </a:fontRef>
+        </p:style>
+        <p:txBody>
+          <a:bodyPr rtlCol="0" anchor="ctr"/>
+          <a:lstStyle/>
+          <a:p>
+            <a:pPr algn="ctr"/>
+            <a:endParaRPr lang="en-US" dirty="0"/>
+          </a:p>
+        </p:txBody>
+      </p:sp>
+      <p:pic>
+        <p:nvPicPr>
+          <p:cNvPr id="4" name="Imagem 3" descr="Logotipo, nome da empresa&#10;&#10;Descrição gerada automaticamente">
+            <a:extLst>
+              <a:ext uri="{FF2B5EF4-FFF2-40B4-BE49-F238E27FC236}">
+                <a16:creationId xmlns:a16="http://schemas.microsoft.com/office/drawing/2014/main" id="{FAADEC1E-157F-74A5-2117-31B003120961}"/>
+              </a:ext>
+            </a:extLst>
+          </p:cNvPr>
+          <p:cNvPicPr>
+            <a:picLocks noChangeAspect="1"/>
+          </p:cNvPicPr>
+          <p:nvPr/>
+        </p:nvPicPr>
+        <p:blipFill>
+          <a:blip r:embed="rId2"/>
+          <a:stretch>
+            <a:fillRect/>
+          </a:stretch>
+        </p:blipFill>
+        <p:spPr>
+          <a:xfrm>
+            <a:off x="11099925" y="5824981"/>
+            <a:ext cx="1065914" cy="1065914"/>
+          </a:xfrm>
+          <a:custGeom>
+            <a:avLst/>
+            <a:gdLst/>
+            <a:ahLst/>
+            <a:cxnLst/>
+            <a:rect l="l" t="t" r="r" b="b"/>
+            <a:pathLst>
+              <a:path w="2833631" h="2677010">
+                <a:moveTo>
+                  <a:pt x="49418" y="0"/>
+                </a:moveTo>
+                <a:lnTo>
+                  <a:pt x="2784213" y="0"/>
+                </a:lnTo>
+                <a:cubicBezTo>
+                  <a:pt x="2811506" y="0"/>
+                  <a:pt x="2833631" y="22125"/>
+                  <a:pt x="2833631" y="49418"/>
+                </a:cubicBezTo>
+                <a:lnTo>
+                  <a:pt x="2833631" y="2627592"/>
+                </a:lnTo>
+                <a:cubicBezTo>
+                  <a:pt x="2833631" y="2654885"/>
+                  <a:pt x="2811506" y="2677010"/>
+                  <a:pt x="2784213" y="2677010"/>
+                </a:cubicBezTo>
+                <a:lnTo>
+                  <a:pt x="49418" y="2677010"/>
+                </a:lnTo>
+                <a:cubicBezTo>
+                  <a:pt x="22125" y="2677010"/>
+                  <a:pt x="0" y="2654885"/>
+                  <a:pt x="0" y="2627592"/>
+                </a:cubicBezTo>
+                <a:lnTo>
+                  <a:pt x="0" y="49418"/>
+                </a:lnTo>
+                <a:cubicBezTo>
+                  <a:pt x="0" y="22125"/>
+                  <a:pt x="22125" y="0"/>
+                  <a:pt x="49418" y="0"/>
+                </a:cubicBezTo>
+                <a:close/>
+              </a:path>
+            </a:pathLst>
+          </a:custGeom>
+        </p:spPr>
+      </p:pic>
+      <p:sp>
+        <p:nvSpPr>
+          <p:cNvPr id="9" name="CaixaDeTexto 8">
+            <a:extLst>
+              <a:ext uri="{FF2B5EF4-FFF2-40B4-BE49-F238E27FC236}">
+                <a16:creationId xmlns:a16="http://schemas.microsoft.com/office/drawing/2014/main" id="{6CFF3ADF-945D-5E57-C16F-207B82083126}"/>
+              </a:ext>
+            </a:extLst>
+          </p:cNvPr>
+          <p:cNvSpPr txBox="1"/>
+          <p:nvPr/>
+        </p:nvSpPr>
+        <p:spPr>
+          <a:xfrm>
+            <a:off x="4167272" y="319088"/>
+            <a:ext cx="7466563" cy="4524315"/>
+          </a:xfrm>
+          <a:prstGeom prst="rect">
+            <a:avLst/>
+          </a:prstGeom>
+          <a:noFill/>
+        </p:spPr>
+        <p:txBody>
+          <a:bodyPr wrap="square">
+            <a:spAutoFit/>
+          </a:bodyPr>
+          <a:lstStyle/>
+          <a:p>
+            <a:pPr marL="342900" indent="-342900">
+              <a:buFont typeface="Arial" panose="020B0604020202020204" pitchFamily="34" charset="0"/>
+              <a:buChar char="•"/>
+            </a:pPr>
+            <a:r>
+              <a:rPr lang="pt-BR" sz="2400" b="1" dirty="0"/>
+              <a:t>Abstração:</a:t>
+            </a:r>
+          </a:p>
+          <a:p>
+            <a:pPr marL="342900" indent="-342900">
+              <a:buFont typeface="Arial" panose="020B0604020202020204" pitchFamily="34" charset="0"/>
+              <a:buChar char="•"/>
+            </a:pPr>
+            <a:endParaRPr lang="pt-BR" sz="2400" dirty="0"/>
+          </a:p>
+          <a:p>
+            <a:pPr marL="800100" lvl="1" indent="-342900">
+              <a:buFont typeface="Arial" panose="020B0604020202020204" pitchFamily="34" charset="0"/>
+              <a:buChar char="•"/>
+            </a:pPr>
+            <a:r>
+              <a:rPr lang="pt-BR" sz="2000" b="1" dirty="0"/>
+              <a:t>Definição:</a:t>
+            </a:r>
+            <a:r>
+              <a:rPr lang="pt-BR" sz="2000" dirty="0"/>
+              <a:t> Abstração envolve a criação de modelos simplificados e representações de entidades do mundo real. Na POO, as classes são uma forma de abstração, onde se identificam as características essenciais e o comportamento de um objeto, enquanto se omitem os detalhes desnecessários.</a:t>
+            </a:r>
+          </a:p>
+          <a:p>
+            <a:pPr marL="800100" lvl="1" indent="-342900">
+              <a:buFont typeface="Arial" panose="020B0604020202020204" pitchFamily="34" charset="0"/>
+              <a:buChar char="•"/>
+            </a:pPr>
+            <a:endParaRPr lang="pt-BR" sz="2000" dirty="0"/>
+          </a:p>
+          <a:p>
+            <a:pPr marL="800100" lvl="1" indent="-342900">
+              <a:buFont typeface="Arial" panose="020B0604020202020204" pitchFamily="34" charset="0"/>
+              <a:buChar char="•"/>
+            </a:pPr>
+            <a:r>
+              <a:rPr lang="pt-BR" sz="2000" b="1" dirty="0"/>
+              <a:t>Objetivo:</a:t>
+            </a:r>
+            <a:r>
+              <a:rPr lang="pt-BR" sz="2000" dirty="0"/>
+              <a:t> Simplificar a complexidade do sistema, fornecendo uma visão de alto nível. Abstração permite que os programadores concentrem-se nos aspectos relevantes de um objeto ou sistema, tornando mais fácil entender, implementar e manter o código.</a:t>
+            </a:r>
+          </a:p>
+        </p:txBody>
+      </p:sp>
+    </p:spTree>
+    <p:extLst>
+      <p:ext uri="{BB962C8B-B14F-4D97-AF65-F5344CB8AC3E}">
+        <p14:creationId xmlns:p14="http://schemas.microsoft.com/office/powerpoint/2010/main" val="3718441576"/>
+      </p:ext>
+    </p:extLst>
+  </p:cSld>
+  <p:clrMapOvr>
+    <a:masterClrMapping/>
+  </p:clrMapOvr>
+</p:sld>
+</file>
+
+<file path=ppt/slides/slide8.xml><?xml version="1.0" encoding="utf-8"?>
+<p:sld xmlns:a="http://schemas.openxmlformats.org/drawingml/2006/main" xmlns:r="http://schemas.openxmlformats.org/officeDocument/2006/relationships" xmlns:p="http://schemas.openxmlformats.org/presentationml/2006/main">
+  <p:cSld>
+    <p:bg>
+      <p:bgPr>
+        <a:solidFill>
+          <a:schemeClr val="bg1"/>
+        </a:solidFill>
+        <a:effectLst/>
+      </p:bgPr>
+    </p:bg>
+    <p:spTree>
+      <p:nvGrpSpPr>
+        <p:cNvPr id="1" name="">
+          <a:extLst>
+            <a:ext uri="{FF2B5EF4-FFF2-40B4-BE49-F238E27FC236}">
+              <a16:creationId xmlns:a16="http://schemas.microsoft.com/office/drawing/2014/main" id="{3F27364A-9CE8-96BE-6306-40035590DBE5}"/>
+            </a:ext>
+          </a:extLst>
+        </p:cNvPr>
+        <p:cNvGrpSpPr/>
+        <p:nvPr/>
+      </p:nvGrpSpPr>
+      <p:grpSpPr>
+        <a:xfrm>
+          <a:off x="0" y="0"/>
+          <a:ext cx="0" cy="0"/>
+          <a:chOff x="0" y="0"/>
+          <a:chExt cx="0" cy="0"/>
+        </a:xfrm>
+      </p:grpSpPr>
+      <p:sp useBgFill="1">
+        <p:nvSpPr>
+          <p:cNvPr id="8" name="Rectangle 7">
+            <a:extLst>
+              <a:ext uri="{FF2B5EF4-FFF2-40B4-BE49-F238E27FC236}">
+                <a16:creationId xmlns:a16="http://schemas.microsoft.com/office/drawing/2014/main" id="{AA52C8FC-3CA7-0B20-EFFD-603BABFC786C}"/>
+              </a:ext>
+              <a:ext uri="{C183D7F6-B498-43B3-948B-1728B52AA6E4}">
+                <adec:decorative xmlns:adec="http://schemas.microsoft.com/office/drawing/2017/decorative" val="1"/>
+              </a:ext>
+            </a:extLst>
+          </p:cNvPr>
+          <p:cNvSpPr>
+            <a:spLocks noGrp="1" noRot="1" noChangeAspect="1" noMove="1" noResize="1" noEditPoints="1" noAdjustHandles="1" noChangeArrowheads="1" noChangeShapeType="1" noTextEdit="1"/>
+          </p:cNvSpPr>
+          <p:nvPr>
+            <p:extLst>
+              <p:ext uri="{386F3935-93C4-4BCD-93E2-E3B085C9AB24}">
+                <p16:designElem xmlns:p16="http://schemas.microsoft.com/office/powerpoint/2015/main" val="1"/>
+              </p:ext>
+            </p:extLst>
+          </p:nvPr>
+        </p:nvSpPr>
+        <p:spPr>
+          <a:xfrm>
+            <a:off x="3048" y="0"/>
+            <a:ext cx="12188952" cy="6858000"/>
+          </a:xfrm>
+          <a:prstGeom prst="rect">
+            <a:avLst/>
+          </a:prstGeom>
+          <a:ln>
+            <a:noFill/>
+          </a:ln>
+        </p:spPr>
+        <p:style>
+          <a:lnRef idx="2">
+            <a:schemeClr val="accent1">
+              <a:shade val="50000"/>
+            </a:schemeClr>
+          </a:lnRef>
+          <a:fillRef idx="1">
+            <a:schemeClr val="accent1"/>
+          </a:fillRef>
+          <a:effectRef idx="0">
+            <a:schemeClr val="accent1"/>
+          </a:effectRef>
+          <a:fontRef idx="minor">
+            <a:schemeClr val="lt1"/>
+          </a:fontRef>
+        </p:style>
+        <p:txBody>
+          <a:bodyPr rtlCol="0" anchor="ctr"/>
+          <a:lstStyle/>
+          <a:p>
+            <a:pPr algn="ctr"/>
+            <a:endParaRPr lang="en-US"/>
+          </a:p>
+        </p:txBody>
+      </p:sp>
+      <p:sp>
+        <p:nvSpPr>
+          <p:cNvPr id="10" name="Freeform: Shape 9">
+            <a:extLst>
+              <a:ext uri="{FF2B5EF4-FFF2-40B4-BE49-F238E27FC236}">
+                <a16:creationId xmlns:a16="http://schemas.microsoft.com/office/drawing/2014/main" id="{2EC461EE-96BE-A266-07D7-91B5CBDF7018}"/>
+              </a:ext>
+              <a:ext uri="{C183D7F6-B498-43B3-948B-1728B52AA6E4}">
+                <adec:decorative xmlns:adec="http://schemas.microsoft.com/office/drawing/2017/decorative" val="1"/>
+              </a:ext>
+            </a:extLst>
+          </p:cNvPr>
+          <p:cNvSpPr>
+            <a:spLocks noGrp="1" noRot="1" noChangeAspect="1" noMove="1" noResize="1" noEditPoints="1" noAdjustHandles="1" noChangeArrowheads="1" noChangeShapeType="1" noTextEdit="1"/>
+          </p:cNvSpPr>
+          <p:nvPr>
+            <p:extLst>
+              <p:ext uri="{386F3935-93C4-4BCD-93E2-E3B085C9AB24}">
+                <p16:designElem xmlns:p16="http://schemas.microsoft.com/office/powerpoint/2015/main" val="1"/>
+              </p:ext>
+            </p:extLst>
+          </p:nvPr>
+        </p:nvSpPr>
+        <p:spPr>
+          <a:xfrm>
+            <a:off x="1" y="0"/>
+            <a:ext cx="4167271" cy="6858000"/>
+          </a:xfrm>
+          <a:custGeom>
+            <a:avLst/>
+            <a:gdLst>
+              <a:gd name="connsiteX0" fmla="*/ 0 w 4167271"/>
+              <a:gd name="connsiteY0" fmla="*/ 0 h 6858000"/>
+              <a:gd name="connsiteX1" fmla="*/ 2259550 w 4167271"/>
+              <a:gd name="connsiteY1" fmla="*/ 0 h 6858000"/>
+              <a:gd name="connsiteX2" fmla="*/ 2387803 w 4167271"/>
+              <a:gd name="connsiteY2" fmla="*/ 82222 h 6858000"/>
+              <a:gd name="connsiteX3" fmla="*/ 4167271 w 4167271"/>
+              <a:gd name="connsiteY3" fmla="*/ 3429000 h 6858000"/>
+              <a:gd name="connsiteX4" fmla="*/ 2387803 w 4167271"/>
+              <a:gd name="connsiteY4" fmla="*/ 6775779 h 6858000"/>
+              <a:gd name="connsiteX5" fmla="*/ 2259550 w 4167271"/>
+              <a:gd name="connsiteY5" fmla="*/ 6858000 h 6858000"/>
+              <a:gd name="connsiteX6" fmla="*/ 0 w 4167271"/>
+              <a:gd name="connsiteY6" fmla="*/ 6858000 h 6858000"/>
+            </a:gdLst>
+            <a:ahLst/>
+            <a:cxnLst>
+              <a:cxn ang="0">
+                <a:pos x="connsiteX0" y="connsiteY0"/>
+              </a:cxn>
+              <a:cxn ang="0">
+                <a:pos x="connsiteX1" y="connsiteY1"/>
+              </a:cxn>
+              <a:cxn ang="0">
+                <a:pos x="connsiteX2" y="connsiteY2"/>
+              </a:cxn>
+              <a:cxn ang="0">
+                <a:pos x="connsiteX3" y="connsiteY3"/>
+              </a:cxn>
+              <a:cxn ang="0">
+                <a:pos x="connsiteX4" y="connsiteY4"/>
+              </a:cxn>
+              <a:cxn ang="0">
+                <a:pos x="connsiteX5" y="connsiteY5"/>
+              </a:cxn>
+              <a:cxn ang="0">
+                <a:pos x="connsiteX6" y="connsiteY6"/>
+              </a:cxn>
+            </a:cxnLst>
+            <a:rect l="l" t="t" r="r" b="b"/>
+            <a:pathLst>
+              <a:path w="4167271" h="6858000">
+                <a:moveTo>
+                  <a:pt x="0" y="0"/>
+                </a:moveTo>
+                <a:lnTo>
+                  <a:pt x="2259550" y="0"/>
+                </a:lnTo>
+                <a:lnTo>
+                  <a:pt x="2387803" y="82222"/>
+                </a:lnTo>
+                <a:cubicBezTo>
+                  <a:pt x="3461407" y="807534"/>
+                  <a:pt x="4167271" y="2035835"/>
+                  <a:pt x="4167271" y="3429000"/>
+                </a:cubicBezTo>
+                <a:cubicBezTo>
+                  <a:pt x="4167271" y="4822165"/>
+                  <a:pt x="3461407" y="6050467"/>
+                  <a:pt x="2387803" y="6775779"/>
+                </a:cubicBezTo>
+                <a:lnTo>
+                  <a:pt x="2259550" y="6858000"/>
+                </a:lnTo>
+                <a:lnTo>
+                  <a:pt x="0" y="6858000"/>
+                </a:lnTo>
+                <a:close/>
+              </a:path>
+            </a:pathLst>
+          </a:custGeom>
+          <a:solidFill>
+            <a:schemeClr val="accent2"/>
+          </a:solidFill>
+          <a:ln>
+            <a:noFill/>
+          </a:ln>
+        </p:spPr>
+        <p:style>
+          <a:lnRef idx="2">
+            <a:schemeClr val="accent1">
+              <a:shade val="50000"/>
+            </a:schemeClr>
+          </a:lnRef>
+          <a:fillRef idx="1">
+            <a:schemeClr val="accent1"/>
+          </a:fillRef>
+          <a:effectRef idx="0">
+            <a:schemeClr val="accent1"/>
+          </a:effectRef>
+          <a:fontRef idx="minor">
+            <a:schemeClr val="lt1"/>
+          </a:fontRef>
+        </p:style>
+        <p:txBody>
+          <a:bodyPr rtlCol="0" anchor="ctr"/>
+          <a:lstStyle/>
+          <a:p>
+            <a:pPr algn="ctr"/>
+            <a:endParaRPr lang="en-US"/>
+          </a:p>
+        </p:txBody>
+      </p:sp>
+      <p:sp>
+        <p:nvSpPr>
+          <p:cNvPr id="2" name="Título 1">
+            <a:extLst>
+              <a:ext uri="{FF2B5EF4-FFF2-40B4-BE49-F238E27FC236}">
+                <a16:creationId xmlns:a16="http://schemas.microsoft.com/office/drawing/2014/main" id="{8B981489-28B8-3E48-CFC8-D92304B68CF0}"/>
+              </a:ext>
+            </a:extLst>
+          </p:cNvPr>
+          <p:cNvSpPr>
+            <a:spLocks noGrp="1"/>
+          </p:cNvSpPr>
+          <p:nvPr>
+            <p:ph type="title"/>
+          </p:nvPr>
+        </p:nvSpPr>
+        <p:spPr>
+          <a:xfrm>
+            <a:off x="119129" y="1075935"/>
+            <a:ext cx="3929013" cy="4461163"/>
+          </a:xfrm>
+        </p:spPr>
+        <p:txBody>
+          <a:bodyPr>
+            <a:normAutofit/>
+          </a:bodyPr>
+          <a:lstStyle/>
+          <a:p>
+            <a:r>
+              <a:rPr lang="pt-BR" dirty="0">
+                <a:solidFill>
+                  <a:srgbClr val="FFFFFF"/>
+                </a:solidFill>
+              </a:rPr>
+              <a:t>Relacionamento entre objetos:</a:t>
+            </a:r>
+            <a:br>
+              <a:rPr lang="pt-BR" dirty="0">
+                <a:solidFill>
+                  <a:srgbClr val="FFFFFF"/>
+                </a:solidFill>
+              </a:rPr>
+            </a:br>
+            <a:r>
+              <a:rPr lang="pt-BR" dirty="0">
+                <a:solidFill>
+                  <a:srgbClr val="FFFF00"/>
+                </a:solidFill>
+              </a:rPr>
+              <a:t>Agregação</a:t>
+            </a:r>
+          </a:p>
+        </p:txBody>
+      </p:sp>
+      <p:sp>
+        <p:nvSpPr>
+          <p:cNvPr id="12" name="Arc 11">
+            <a:extLst>
+              <a:ext uri="{FF2B5EF4-FFF2-40B4-BE49-F238E27FC236}">
+                <a16:creationId xmlns:a16="http://schemas.microsoft.com/office/drawing/2014/main" id="{656184F6-0153-5EF3-2094-BC0F655B6B1C}"/>
+              </a:ext>
+              <a:ext uri="{C183D7F6-B498-43B3-948B-1728B52AA6E4}">
+                <adec:decorative xmlns:adec="http://schemas.microsoft.com/office/drawing/2017/decorative" val="1"/>
+              </a:ext>
+            </a:extLst>
+          </p:cNvPr>
+          <p:cNvSpPr>
+            <a:spLocks noGrp="1" noRot="1" noChangeAspect="1" noMove="1" noResize="1" noEditPoints="1" noAdjustHandles="1" noChangeArrowheads="1" noChangeShapeType="1" noTextEdit="1"/>
+          </p:cNvSpPr>
+          <p:nvPr>
+            <p:extLst>
+              <p:ext uri="{386F3935-93C4-4BCD-93E2-E3B085C9AB24}">
+                <p16:designElem xmlns:p16="http://schemas.microsoft.com/office/powerpoint/2015/main" val="1"/>
+              </p:ext>
+            </p:extLst>
+          </p:nvPr>
+        </p:nvSpPr>
+        <p:spPr>
+          <a:xfrm flipV="1">
+            <a:off x="7550402" y="2455479"/>
+            <a:ext cx="4083433" cy="4083433"/>
+          </a:xfrm>
+          <a:prstGeom prst="arc">
+            <a:avLst/>
+          </a:prstGeom>
+          <a:ln w="127000" cap="rnd">
+            <a:solidFill>
+              <a:schemeClr val="accent4"/>
+            </a:solidFill>
+            <a:prstDash val="dash"/>
+          </a:ln>
+        </p:spPr>
+        <p:style>
+          <a:lnRef idx="1">
+            <a:schemeClr val="accent1"/>
+          </a:lnRef>
+          <a:fillRef idx="0">
+            <a:schemeClr val="accent1"/>
+          </a:fillRef>
+          <a:effectRef idx="0">
+            <a:schemeClr val="accent1"/>
+          </a:effectRef>
+          <a:fontRef idx="minor">
+            <a:schemeClr val="tx1"/>
+          </a:fontRef>
+        </p:style>
+        <p:txBody>
+          <a:bodyPr rtlCol="0" anchor="ctr"/>
+          <a:lstStyle/>
+          <a:p>
+            <a:pPr algn="ctr"/>
+            <a:endParaRPr lang="en-US" dirty="0"/>
+          </a:p>
+        </p:txBody>
+      </p:sp>
+      <p:pic>
+        <p:nvPicPr>
+          <p:cNvPr id="4" name="Imagem 3" descr="Logotipo, nome da empresa&#10;&#10;Descrição gerada automaticamente">
+            <a:extLst>
+              <a:ext uri="{FF2B5EF4-FFF2-40B4-BE49-F238E27FC236}">
+                <a16:creationId xmlns:a16="http://schemas.microsoft.com/office/drawing/2014/main" id="{44CA892C-6958-3FCD-AE25-1E153BCEEC89}"/>
+              </a:ext>
+            </a:extLst>
+          </p:cNvPr>
+          <p:cNvPicPr>
+            <a:picLocks noChangeAspect="1"/>
+          </p:cNvPicPr>
+          <p:nvPr/>
+        </p:nvPicPr>
+        <p:blipFill>
+          <a:blip r:embed="rId2"/>
+          <a:stretch>
+            <a:fillRect/>
+          </a:stretch>
+        </p:blipFill>
+        <p:spPr>
+          <a:xfrm>
+            <a:off x="11099925" y="5824981"/>
+            <a:ext cx="1065914" cy="1065914"/>
+          </a:xfrm>
+          <a:custGeom>
+            <a:avLst/>
+            <a:gdLst/>
+            <a:ahLst/>
+            <a:cxnLst/>
+            <a:rect l="l" t="t" r="r" b="b"/>
+            <a:pathLst>
+              <a:path w="2833631" h="2677010">
+                <a:moveTo>
+                  <a:pt x="49418" y="0"/>
+                </a:moveTo>
+                <a:lnTo>
+                  <a:pt x="2784213" y="0"/>
+                </a:lnTo>
+                <a:cubicBezTo>
+                  <a:pt x="2811506" y="0"/>
+                  <a:pt x="2833631" y="22125"/>
+                  <a:pt x="2833631" y="49418"/>
+                </a:cubicBezTo>
+                <a:lnTo>
+                  <a:pt x="2833631" y="2627592"/>
+                </a:lnTo>
+                <a:cubicBezTo>
+                  <a:pt x="2833631" y="2654885"/>
+                  <a:pt x="2811506" y="2677010"/>
+                  <a:pt x="2784213" y="2677010"/>
+                </a:cubicBezTo>
+                <a:lnTo>
+                  <a:pt x="49418" y="2677010"/>
+                </a:lnTo>
+                <a:cubicBezTo>
+                  <a:pt x="22125" y="2677010"/>
+                  <a:pt x="0" y="2654885"/>
+                  <a:pt x="0" y="2627592"/>
+                </a:cubicBezTo>
+                <a:lnTo>
+                  <a:pt x="0" y="49418"/>
+                </a:lnTo>
+                <a:cubicBezTo>
+                  <a:pt x="0" y="22125"/>
+                  <a:pt x="22125" y="0"/>
+                  <a:pt x="49418" y="0"/>
+                </a:cubicBezTo>
+                <a:close/>
+              </a:path>
+            </a:pathLst>
+          </a:custGeom>
+        </p:spPr>
+      </p:pic>
+      <p:sp>
+        <p:nvSpPr>
+          <p:cNvPr id="9" name="CaixaDeTexto 8">
+            <a:extLst>
+              <a:ext uri="{FF2B5EF4-FFF2-40B4-BE49-F238E27FC236}">
+                <a16:creationId xmlns:a16="http://schemas.microsoft.com/office/drawing/2014/main" id="{B1CA2A5B-2244-1E75-F834-FE7C314B9453}"/>
+              </a:ext>
+            </a:extLst>
+          </p:cNvPr>
+          <p:cNvSpPr txBox="1"/>
+          <p:nvPr/>
+        </p:nvSpPr>
+        <p:spPr>
+          <a:xfrm>
+            <a:off x="4164223" y="221275"/>
+            <a:ext cx="6159260" cy="3816429"/>
+          </a:xfrm>
+          <a:prstGeom prst="rect">
+            <a:avLst/>
+          </a:prstGeom>
+          <a:noFill/>
+        </p:spPr>
+        <p:txBody>
+          <a:bodyPr wrap="square">
+            <a:spAutoFit/>
+          </a:bodyPr>
+          <a:lstStyle/>
+          <a:p>
+            <a:pPr marL="342900" indent="-342900">
+              <a:buFont typeface="Arial" panose="020B0604020202020204" pitchFamily="34" charset="0"/>
+              <a:buChar char="•"/>
+            </a:pPr>
+            <a:r>
+              <a:rPr lang="pt-BR" sz="2400" b="1" dirty="0"/>
+              <a:t>Agregação:</a:t>
+            </a:r>
+          </a:p>
+          <a:p>
+            <a:pPr marL="342900" indent="-342900">
+              <a:buFont typeface="Arial" panose="020B0604020202020204" pitchFamily="34" charset="0"/>
+              <a:buChar char="•"/>
+            </a:pPr>
+            <a:endParaRPr lang="pt-BR" dirty="0"/>
+          </a:p>
+          <a:p>
+            <a:pPr marL="800100" lvl="1" indent="-342900">
+              <a:buFont typeface="Arial" panose="020B0604020202020204" pitchFamily="34" charset="0"/>
+              <a:buChar char="•"/>
+            </a:pPr>
+            <a:r>
+              <a:rPr lang="pt-BR" sz="2000" b="1" dirty="0"/>
+              <a:t>Definição:</a:t>
+            </a:r>
+            <a:r>
+              <a:rPr lang="pt-BR" sz="2000" dirty="0"/>
+              <a:t> Agregação é uma relação entre duas classes em que uma classe é parte de outra, mas ambas podem existir independentemente. É uma relação "</a:t>
+            </a:r>
+            <a:r>
+              <a:rPr lang="pt-BR" sz="2000" dirty="0" err="1"/>
+              <a:t>tem-um</a:t>
+            </a:r>
+            <a:r>
+              <a:rPr lang="pt-BR" sz="2000" dirty="0"/>
+              <a:t>" fraca, indicando que um objeto pode conter outro, mas a existência de um não é fundamental para o outro.</a:t>
+            </a:r>
+          </a:p>
+          <a:p>
+            <a:pPr marL="800100" lvl="1" indent="-342900">
+              <a:buFont typeface="Arial" panose="020B0604020202020204" pitchFamily="34" charset="0"/>
+              <a:buChar char="•"/>
+            </a:pPr>
+            <a:endParaRPr lang="pt-BR" sz="2000" dirty="0"/>
+          </a:p>
+          <a:p>
+            <a:pPr marL="800100" lvl="1" indent="-342900">
+              <a:buFont typeface="Arial" panose="020B0604020202020204" pitchFamily="34" charset="0"/>
+              <a:buChar char="•"/>
+            </a:pPr>
+            <a:r>
+              <a:rPr lang="pt-BR" sz="2000" b="1" dirty="0"/>
+              <a:t>Exemplo:</a:t>
+            </a:r>
+            <a:r>
+              <a:rPr lang="pt-BR" sz="2000" dirty="0"/>
+              <a:t> Um departamento pode agregar vários funcionários. Se o departamento for dissolvido, os funcionários ainda existirão.</a:t>
+            </a:r>
+          </a:p>
+        </p:txBody>
+      </p:sp>
+    </p:spTree>
+    <p:extLst>
+      <p:ext uri="{BB962C8B-B14F-4D97-AF65-F5344CB8AC3E}">
+        <p14:creationId xmlns:p14="http://schemas.microsoft.com/office/powerpoint/2010/main" val="1890944802"/>
+      </p:ext>
+    </p:extLst>
+  </p:cSld>
+  <p:clrMapOvr>
+    <a:masterClrMapping/>
+  </p:clrMapOvr>
+</p:sld>
+</file>
+
+<file path=ppt/slides/slide9.xml><?xml version="1.0" encoding="utf-8"?>
+<p:sld xmlns:a="http://schemas.openxmlformats.org/drawingml/2006/main" xmlns:r="http://schemas.openxmlformats.org/officeDocument/2006/relationships" xmlns:p="http://schemas.openxmlformats.org/presentationml/2006/main">
+  <p:cSld>
+    <p:bg>
+      <p:bgPr>
+        <a:solidFill>
+          <a:schemeClr val="bg1"/>
+        </a:solidFill>
+        <a:effectLst/>
+      </p:bgPr>
+    </p:bg>
+    <p:spTree>
+      <p:nvGrpSpPr>
+        <p:cNvPr id="1" name="">
+          <a:extLst>
+            <a:ext uri="{FF2B5EF4-FFF2-40B4-BE49-F238E27FC236}">
+              <a16:creationId xmlns:a16="http://schemas.microsoft.com/office/drawing/2014/main" id="{3F27364A-9CE8-96BE-6306-40035590DBE5}"/>
+            </a:ext>
+          </a:extLst>
+        </p:cNvPr>
+        <p:cNvGrpSpPr/>
+        <p:nvPr/>
+      </p:nvGrpSpPr>
+      <p:grpSpPr>
+        <a:xfrm>
+          <a:off x="0" y="0"/>
+          <a:ext cx="0" cy="0"/>
+          <a:chOff x="0" y="0"/>
+          <a:chExt cx="0" cy="0"/>
+        </a:xfrm>
+      </p:grpSpPr>
+      <p:sp useBgFill="1">
+        <p:nvSpPr>
+          <p:cNvPr id="8" name="Rectangle 7">
+            <a:extLst>
+              <a:ext uri="{FF2B5EF4-FFF2-40B4-BE49-F238E27FC236}">
+                <a16:creationId xmlns:a16="http://schemas.microsoft.com/office/drawing/2014/main" id="{AA52C8FC-3CA7-0B20-EFFD-603BABFC786C}"/>
+              </a:ext>
+              <a:ext uri="{C183D7F6-B498-43B3-948B-1728B52AA6E4}">
+                <adec:decorative xmlns:adec="http://schemas.microsoft.com/office/drawing/2017/decorative" val="1"/>
+              </a:ext>
+            </a:extLst>
+          </p:cNvPr>
+          <p:cNvSpPr>
+            <a:spLocks noGrp="1" noRot="1" noChangeAspect="1" noMove="1" noResize="1" noEditPoints="1" noAdjustHandles="1" noChangeArrowheads="1" noChangeShapeType="1" noTextEdit="1"/>
+          </p:cNvSpPr>
+          <p:nvPr>
+            <p:extLst>
+              <p:ext uri="{386F3935-93C4-4BCD-93E2-E3B085C9AB24}">
+                <p16:designElem xmlns:p16="http://schemas.microsoft.com/office/powerpoint/2015/main" val="1"/>
+              </p:ext>
+            </p:extLst>
+          </p:nvPr>
+        </p:nvSpPr>
+        <p:spPr>
+          <a:xfrm>
+            <a:off x="3048" y="0"/>
+            <a:ext cx="12188952" cy="6858000"/>
+          </a:xfrm>
+          <a:prstGeom prst="rect">
+            <a:avLst/>
+          </a:prstGeom>
+          <a:ln>
+            <a:noFill/>
+          </a:ln>
+        </p:spPr>
+        <p:style>
+          <a:lnRef idx="2">
+            <a:schemeClr val="accent1">
+              <a:shade val="50000"/>
+            </a:schemeClr>
+          </a:lnRef>
+          <a:fillRef idx="1">
+            <a:schemeClr val="accent1"/>
+          </a:fillRef>
+          <a:effectRef idx="0">
+            <a:schemeClr val="accent1"/>
+          </a:effectRef>
+          <a:fontRef idx="minor">
+            <a:schemeClr val="lt1"/>
+          </a:fontRef>
+        </p:style>
+        <p:txBody>
+          <a:bodyPr rtlCol="0" anchor="ctr"/>
+          <a:lstStyle/>
+          <a:p>
+            <a:pPr algn="ctr"/>
+            <a:endParaRPr lang="en-US"/>
+          </a:p>
+        </p:txBody>
+      </p:sp>
+      <p:sp>
+        <p:nvSpPr>
+          <p:cNvPr id="10" name="Freeform: Shape 9">
+            <a:extLst>
+              <a:ext uri="{FF2B5EF4-FFF2-40B4-BE49-F238E27FC236}">
+                <a16:creationId xmlns:a16="http://schemas.microsoft.com/office/drawing/2014/main" id="{2EC461EE-96BE-A266-07D7-91B5CBDF7018}"/>
+              </a:ext>
+              <a:ext uri="{C183D7F6-B498-43B3-948B-1728B52AA6E4}">
+                <adec:decorative xmlns:adec="http://schemas.microsoft.com/office/drawing/2017/decorative" val="1"/>
+              </a:ext>
+            </a:extLst>
+          </p:cNvPr>
+          <p:cNvSpPr>
+            <a:spLocks noGrp="1" noRot="1" noChangeAspect="1" noMove="1" noResize="1" noEditPoints="1" noAdjustHandles="1" noChangeArrowheads="1" noChangeShapeType="1" noTextEdit="1"/>
+          </p:cNvSpPr>
+          <p:nvPr>
+            <p:extLst>
+              <p:ext uri="{386F3935-93C4-4BCD-93E2-E3B085C9AB24}">
+                <p16:designElem xmlns:p16="http://schemas.microsoft.com/office/powerpoint/2015/main" val="1"/>
+              </p:ext>
+            </p:extLst>
+          </p:nvPr>
+        </p:nvSpPr>
+        <p:spPr>
+          <a:xfrm>
+            <a:off x="1" y="0"/>
+            <a:ext cx="4167271" cy="6858000"/>
+          </a:xfrm>
+          <a:custGeom>
+            <a:avLst/>
+            <a:gdLst>
+              <a:gd name="connsiteX0" fmla="*/ 0 w 4167271"/>
+              <a:gd name="connsiteY0" fmla="*/ 0 h 6858000"/>
+              <a:gd name="connsiteX1" fmla="*/ 2259550 w 4167271"/>
+              <a:gd name="connsiteY1" fmla="*/ 0 h 6858000"/>
+              <a:gd name="connsiteX2" fmla="*/ 2387803 w 4167271"/>
+              <a:gd name="connsiteY2" fmla="*/ 82222 h 6858000"/>
+              <a:gd name="connsiteX3" fmla="*/ 4167271 w 4167271"/>
+              <a:gd name="connsiteY3" fmla="*/ 3429000 h 6858000"/>
+              <a:gd name="connsiteX4" fmla="*/ 2387803 w 4167271"/>
+              <a:gd name="connsiteY4" fmla="*/ 6775779 h 6858000"/>
+              <a:gd name="connsiteX5" fmla="*/ 2259550 w 4167271"/>
+              <a:gd name="connsiteY5" fmla="*/ 6858000 h 6858000"/>
+              <a:gd name="connsiteX6" fmla="*/ 0 w 4167271"/>
+              <a:gd name="connsiteY6" fmla="*/ 6858000 h 6858000"/>
+            </a:gdLst>
+            <a:ahLst/>
+            <a:cxnLst>
+              <a:cxn ang="0">
+                <a:pos x="connsiteX0" y="connsiteY0"/>
+              </a:cxn>
+              <a:cxn ang="0">
+                <a:pos x="connsiteX1" y="connsiteY1"/>
+              </a:cxn>
+              <a:cxn ang="0">
+                <a:pos x="connsiteX2" y="connsiteY2"/>
+              </a:cxn>
+              <a:cxn ang="0">
+                <a:pos x="connsiteX3" y="connsiteY3"/>
+              </a:cxn>
+              <a:cxn ang="0">
+                <a:pos x="connsiteX4" y="connsiteY4"/>
+              </a:cxn>
+              <a:cxn ang="0">
+                <a:pos x="connsiteX5" y="connsiteY5"/>
+              </a:cxn>
+              <a:cxn ang="0">
+                <a:pos x="connsiteX6" y="connsiteY6"/>
+              </a:cxn>
+            </a:cxnLst>
+            <a:rect l="l" t="t" r="r" b="b"/>
+            <a:pathLst>
+              <a:path w="4167271" h="6858000">
+                <a:moveTo>
+                  <a:pt x="0" y="0"/>
+                </a:moveTo>
+                <a:lnTo>
+                  <a:pt x="2259550" y="0"/>
+                </a:lnTo>
+                <a:lnTo>
+                  <a:pt x="2387803" y="82222"/>
+                </a:lnTo>
+                <a:cubicBezTo>
+                  <a:pt x="3461407" y="807534"/>
+                  <a:pt x="4167271" y="2035835"/>
+                  <a:pt x="4167271" y="3429000"/>
+                </a:cubicBezTo>
+                <a:cubicBezTo>
+                  <a:pt x="4167271" y="4822165"/>
+                  <a:pt x="3461407" y="6050467"/>
+                  <a:pt x="2387803" y="6775779"/>
+                </a:cubicBezTo>
+                <a:lnTo>
+                  <a:pt x="2259550" y="6858000"/>
+                </a:lnTo>
+                <a:lnTo>
+                  <a:pt x="0" y="6858000"/>
+                </a:lnTo>
+                <a:close/>
+              </a:path>
+            </a:pathLst>
+          </a:custGeom>
+          <a:solidFill>
+            <a:schemeClr val="accent2"/>
+          </a:solidFill>
+          <a:ln>
+            <a:noFill/>
+          </a:ln>
+        </p:spPr>
+        <p:style>
+          <a:lnRef idx="2">
+            <a:schemeClr val="accent1">
+              <a:shade val="50000"/>
+            </a:schemeClr>
+          </a:lnRef>
+          <a:fillRef idx="1">
+            <a:schemeClr val="accent1"/>
+          </a:fillRef>
+          <a:effectRef idx="0">
+            <a:schemeClr val="accent1"/>
+          </a:effectRef>
+          <a:fontRef idx="minor">
+            <a:schemeClr val="lt1"/>
+          </a:fontRef>
+        </p:style>
+        <p:txBody>
+          <a:bodyPr rtlCol="0" anchor="ctr"/>
+          <a:lstStyle/>
+          <a:p>
+            <a:pPr algn="ctr"/>
+            <a:endParaRPr lang="en-US"/>
+          </a:p>
+        </p:txBody>
+      </p:sp>
+      <p:sp>
+        <p:nvSpPr>
+          <p:cNvPr id="2" name="Título 1">
+            <a:extLst>
+              <a:ext uri="{FF2B5EF4-FFF2-40B4-BE49-F238E27FC236}">
+                <a16:creationId xmlns:a16="http://schemas.microsoft.com/office/drawing/2014/main" id="{8B981489-28B8-3E48-CFC8-D92304B68CF0}"/>
+              </a:ext>
+            </a:extLst>
+          </p:cNvPr>
+          <p:cNvSpPr>
+            <a:spLocks noGrp="1"/>
+          </p:cNvSpPr>
+          <p:nvPr>
+            <p:ph type="title"/>
+          </p:nvPr>
+        </p:nvSpPr>
+        <p:spPr>
+          <a:xfrm>
+            <a:off x="119129" y="1075935"/>
+            <a:ext cx="3929013" cy="4461163"/>
+          </a:xfrm>
+        </p:spPr>
+        <p:txBody>
+          <a:bodyPr>
+            <a:normAutofit/>
+          </a:bodyPr>
+          <a:lstStyle/>
+          <a:p>
+            <a:r>
+              <a:rPr lang="pt-BR" dirty="0">
+                <a:solidFill>
+                  <a:srgbClr val="FFFFFF"/>
+                </a:solidFill>
+              </a:rPr>
+              <a:t>Relacionamento entre objetos:</a:t>
+            </a:r>
+            <a:br>
+              <a:rPr lang="pt-BR" dirty="0">
+                <a:solidFill>
+                  <a:srgbClr val="FFFFFF"/>
+                </a:solidFill>
+              </a:rPr>
+            </a:br>
+            <a:r>
+              <a:rPr lang="pt-BR" dirty="0">
+                <a:solidFill>
+                  <a:srgbClr val="FFFF00"/>
+                </a:solidFill>
+              </a:rPr>
+              <a:t>Composição</a:t>
+            </a:r>
+          </a:p>
+        </p:txBody>
+      </p:sp>
+      <p:sp>
+        <p:nvSpPr>
+          <p:cNvPr id="12" name="Arc 11">
+            <a:extLst>
+              <a:ext uri="{FF2B5EF4-FFF2-40B4-BE49-F238E27FC236}">
+                <a16:creationId xmlns:a16="http://schemas.microsoft.com/office/drawing/2014/main" id="{656184F6-0153-5EF3-2094-BC0F655B6B1C}"/>
+              </a:ext>
+              <a:ext uri="{C183D7F6-B498-43B3-948B-1728B52AA6E4}">
+                <adec:decorative xmlns:adec="http://schemas.microsoft.com/office/drawing/2017/decorative" val="1"/>
+              </a:ext>
+            </a:extLst>
+          </p:cNvPr>
+          <p:cNvSpPr>
+            <a:spLocks noGrp="1" noRot="1" noChangeAspect="1" noMove="1" noResize="1" noEditPoints="1" noAdjustHandles="1" noChangeArrowheads="1" noChangeShapeType="1" noTextEdit="1"/>
+          </p:cNvSpPr>
+          <p:nvPr>
+            <p:extLst>
+              <p:ext uri="{386F3935-93C4-4BCD-93E2-E3B085C9AB24}">
+                <p16:designElem xmlns:p16="http://schemas.microsoft.com/office/powerpoint/2015/main" val="1"/>
+              </p:ext>
+            </p:extLst>
+          </p:nvPr>
+        </p:nvSpPr>
+        <p:spPr>
+          <a:xfrm flipV="1">
+            <a:off x="7550402" y="2455479"/>
+            <a:ext cx="4083433" cy="4083433"/>
+          </a:xfrm>
+          <a:prstGeom prst="arc">
+            <a:avLst/>
+          </a:prstGeom>
+          <a:ln w="127000" cap="rnd">
+            <a:solidFill>
+              <a:schemeClr val="accent4"/>
+            </a:solidFill>
+            <a:prstDash val="dash"/>
+          </a:ln>
+        </p:spPr>
+        <p:style>
+          <a:lnRef idx="1">
+            <a:schemeClr val="accent1"/>
+          </a:lnRef>
+          <a:fillRef idx="0">
+            <a:schemeClr val="accent1"/>
+          </a:fillRef>
+          <a:effectRef idx="0">
+            <a:schemeClr val="accent1"/>
+          </a:effectRef>
+          <a:fontRef idx="minor">
+            <a:schemeClr val="tx1"/>
+          </a:fontRef>
+        </p:style>
+        <p:txBody>
+          <a:bodyPr rtlCol="0" anchor="ctr"/>
+          <a:lstStyle/>
+          <a:p>
+            <a:pPr algn="ctr"/>
+            <a:endParaRPr lang="en-US" dirty="0"/>
+          </a:p>
+        </p:txBody>
+      </p:sp>
+      <p:pic>
+        <p:nvPicPr>
+          <p:cNvPr id="4" name="Imagem 3" descr="Logotipo, nome da empresa&#10;&#10;Descrição gerada automaticamente">
+            <a:extLst>
+              <a:ext uri="{FF2B5EF4-FFF2-40B4-BE49-F238E27FC236}">
+                <a16:creationId xmlns:a16="http://schemas.microsoft.com/office/drawing/2014/main" id="{44CA892C-6958-3FCD-AE25-1E153BCEEC89}"/>
+              </a:ext>
+            </a:extLst>
+          </p:cNvPr>
+          <p:cNvPicPr>
+            <a:picLocks noChangeAspect="1"/>
+          </p:cNvPicPr>
+          <p:nvPr/>
+        </p:nvPicPr>
+        <p:blipFill>
+          <a:blip r:embed="rId2"/>
+          <a:stretch>
+            <a:fillRect/>
+          </a:stretch>
+        </p:blipFill>
+        <p:spPr>
+          <a:xfrm>
+            <a:off x="11099925" y="5824981"/>
+            <a:ext cx="1065914" cy="1065914"/>
+          </a:xfrm>
+          <a:custGeom>
+            <a:avLst/>
+            <a:gdLst/>
+            <a:ahLst/>
+            <a:cxnLst/>
+            <a:rect l="l" t="t" r="r" b="b"/>
+            <a:pathLst>
+              <a:path w="2833631" h="2677010">
+                <a:moveTo>
+                  <a:pt x="49418" y="0"/>
+                </a:moveTo>
+                <a:lnTo>
+                  <a:pt x="2784213" y="0"/>
+                </a:lnTo>
+                <a:cubicBezTo>
+                  <a:pt x="2811506" y="0"/>
+                  <a:pt x="2833631" y="22125"/>
+                  <a:pt x="2833631" y="49418"/>
+                </a:cubicBezTo>
+                <a:lnTo>
+                  <a:pt x="2833631" y="2627592"/>
+                </a:lnTo>
+                <a:cubicBezTo>
+                  <a:pt x="2833631" y="2654885"/>
+                  <a:pt x="2811506" y="2677010"/>
+                  <a:pt x="2784213" y="2677010"/>
+                </a:cubicBezTo>
+                <a:lnTo>
+                  <a:pt x="49418" y="2677010"/>
+                </a:lnTo>
+                <a:cubicBezTo>
+                  <a:pt x="22125" y="2677010"/>
+                  <a:pt x="0" y="2654885"/>
+                  <a:pt x="0" y="2627592"/>
+                </a:cubicBezTo>
+                <a:lnTo>
+                  <a:pt x="0" y="49418"/>
+                </a:lnTo>
+                <a:cubicBezTo>
+                  <a:pt x="0" y="22125"/>
+                  <a:pt x="22125" y="0"/>
+                  <a:pt x="49418" y="0"/>
+                </a:cubicBezTo>
+                <a:close/>
+              </a:path>
+            </a:pathLst>
+          </a:custGeom>
+        </p:spPr>
+      </p:pic>
+      <p:sp>
+        <p:nvSpPr>
+          <p:cNvPr id="9" name="CaixaDeTexto 8">
+            <a:extLst>
+              <a:ext uri="{FF2B5EF4-FFF2-40B4-BE49-F238E27FC236}">
+                <a16:creationId xmlns:a16="http://schemas.microsoft.com/office/drawing/2014/main" id="{B1CA2A5B-2244-1E75-F834-FE7C314B9453}"/>
+              </a:ext>
+            </a:extLst>
+          </p:cNvPr>
+          <p:cNvSpPr txBox="1"/>
+          <p:nvPr/>
+        </p:nvSpPr>
+        <p:spPr>
+          <a:xfrm>
+            <a:off x="4164223" y="221275"/>
+            <a:ext cx="6159260" cy="3600986"/>
+          </a:xfrm>
+          <a:prstGeom prst="rect">
+            <a:avLst/>
+          </a:prstGeom>
+          <a:noFill/>
+        </p:spPr>
+        <p:txBody>
+          <a:bodyPr wrap="square">
+            <a:spAutoFit/>
+          </a:bodyPr>
+          <a:lstStyle/>
+          <a:p>
+            <a:pPr marL="342900" indent="-342900">
+              <a:buFont typeface="Arial" panose="020B0604020202020204" pitchFamily="34" charset="0"/>
+              <a:buChar char="•"/>
+            </a:pPr>
+            <a:r>
+              <a:rPr lang="pt-BR" sz="2400" b="1" dirty="0"/>
+              <a:t>Composição:</a:t>
+            </a:r>
+          </a:p>
+          <a:p>
+            <a:pPr marL="342900" indent="-342900">
+              <a:buFont typeface="Arial" panose="020B0604020202020204" pitchFamily="34" charset="0"/>
+              <a:buChar char="•"/>
+            </a:pPr>
+            <a:endParaRPr lang="pt-BR" sz="2400" b="1" dirty="0"/>
+          </a:p>
+          <a:p>
+            <a:pPr marL="800100" lvl="1" indent="-342900">
+              <a:buFont typeface="Arial" panose="020B0604020202020204" pitchFamily="34" charset="0"/>
+              <a:buChar char="•"/>
+            </a:pPr>
+            <a:r>
+              <a:rPr lang="pt-BR" sz="2000" b="1" dirty="0"/>
+              <a:t>Definição:</a:t>
+            </a:r>
+            <a:r>
+              <a:rPr lang="pt-BR" sz="2000" dirty="0"/>
+              <a:t> Composição é uma forma mais forte de agregação, indicando que um objeto é parte integral de outro objeto e não pode existir fora desse contexto. Se o objeto pai for destruído, os objetos filhos também serão destruídos.</a:t>
+            </a:r>
+          </a:p>
+          <a:p>
+            <a:pPr marL="800100" lvl="1" indent="-342900">
+              <a:buFont typeface="Arial" panose="020B0604020202020204" pitchFamily="34" charset="0"/>
+              <a:buChar char="•"/>
+            </a:pPr>
+            <a:endParaRPr lang="pt-BR" sz="2000" dirty="0"/>
+          </a:p>
+          <a:p>
+            <a:pPr marL="800100" lvl="1" indent="-342900">
+              <a:buFont typeface="Arial" panose="020B0604020202020204" pitchFamily="34" charset="0"/>
+              <a:buChar char="•"/>
+            </a:pPr>
+            <a:r>
+              <a:rPr lang="pt-BR" sz="2000" b="1" dirty="0"/>
+              <a:t>Exemplo:</a:t>
+            </a:r>
+            <a:r>
+              <a:rPr lang="pt-BR" sz="2000" dirty="0"/>
+              <a:t> Um carro compõe-se de várias partes (motor, rodas, etc.). Se o carro for destruído, suas partes também serão.</a:t>
+            </a:r>
+          </a:p>
+        </p:txBody>
+      </p:sp>
+    </p:spTree>
+    <p:extLst>
+      <p:ext uri="{BB962C8B-B14F-4D97-AF65-F5344CB8AC3E}">
+        <p14:creationId xmlns:p14="http://schemas.microsoft.com/office/powerpoint/2010/main" val="3689628801"/>
       </p:ext>
     </p:extLst>
   </p:cSld>
